--- a/Data Science/Data Science Final Project.pptx
+++ b/Data Science/Data Science Final Project.pptx
@@ -5,10 +5,10 @@
     <p:sldMasterId id="2147483648" r:id="rId4"/>
   </p:sldMasterIdLst>
   <p:notesMasterIdLst>
-    <p:notesMasterId r:id="rId48"/>
+    <p:notesMasterId r:id="rId49"/>
   </p:notesMasterIdLst>
   <p:handoutMasterIdLst>
-    <p:handoutMasterId r:id="rId49"/>
+    <p:handoutMasterId r:id="rId50"/>
   </p:handoutMasterIdLst>
   <p:sldIdLst>
     <p:sldId id="256" r:id="rId5"/>
@@ -18,42 +18,43 @@
     <p:sldId id="289" r:id="rId9"/>
     <p:sldId id="260" r:id="rId10"/>
     <p:sldId id="261" r:id="rId11"/>
-    <p:sldId id="288" r:id="rId12"/>
-    <p:sldId id="286" r:id="rId13"/>
-    <p:sldId id="321" r:id="rId14"/>
-    <p:sldId id="320" r:id="rId15"/>
-    <p:sldId id="300" r:id="rId16"/>
-    <p:sldId id="284" r:id="rId17"/>
-    <p:sldId id="290" r:id="rId18"/>
-    <p:sldId id="291" r:id="rId19"/>
-    <p:sldId id="293" r:id="rId20"/>
-    <p:sldId id="294" r:id="rId21"/>
-    <p:sldId id="295" r:id="rId22"/>
-    <p:sldId id="299" r:id="rId23"/>
-    <p:sldId id="296" r:id="rId24"/>
-    <p:sldId id="305" r:id="rId25"/>
-    <p:sldId id="301" r:id="rId26"/>
-    <p:sldId id="322" r:id="rId27"/>
-    <p:sldId id="297" r:id="rId28"/>
-    <p:sldId id="306" r:id="rId29"/>
-    <p:sldId id="302" r:id="rId30"/>
-    <p:sldId id="298" r:id="rId31"/>
-    <p:sldId id="303" r:id="rId32"/>
-    <p:sldId id="304" r:id="rId33"/>
-    <p:sldId id="307" r:id="rId34"/>
-    <p:sldId id="308" r:id="rId35"/>
-    <p:sldId id="309" r:id="rId36"/>
-    <p:sldId id="310" r:id="rId37"/>
-    <p:sldId id="311" r:id="rId38"/>
-    <p:sldId id="312" r:id="rId39"/>
-    <p:sldId id="313" r:id="rId40"/>
-    <p:sldId id="314" r:id="rId41"/>
-    <p:sldId id="317" r:id="rId42"/>
-    <p:sldId id="315" r:id="rId43"/>
-    <p:sldId id="318" r:id="rId44"/>
-    <p:sldId id="316" r:id="rId45"/>
-    <p:sldId id="319" r:id="rId46"/>
-    <p:sldId id="269" r:id="rId47"/>
+    <p:sldId id="323" r:id="rId12"/>
+    <p:sldId id="288" r:id="rId13"/>
+    <p:sldId id="286" r:id="rId14"/>
+    <p:sldId id="321" r:id="rId15"/>
+    <p:sldId id="320" r:id="rId16"/>
+    <p:sldId id="300" r:id="rId17"/>
+    <p:sldId id="284" r:id="rId18"/>
+    <p:sldId id="290" r:id="rId19"/>
+    <p:sldId id="291" r:id="rId20"/>
+    <p:sldId id="293" r:id="rId21"/>
+    <p:sldId id="294" r:id="rId22"/>
+    <p:sldId id="295" r:id="rId23"/>
+    <p:sldId id="299" r:id="rId24"/>
+    <p:sldId id="296" r:id="rId25"/>
+    <p:sldId id="305" r:id="rId26"/>
+    <p:sldId id="301" r:id="rId27"/>
+    <p:sldId id="322" r:id="rId28"/>
+    <p:sldId id="297" r:id="rId29"/>
+    <p:sldId id="306" r:id="rId30"/>
+    <p:sldId id="302" r:id="rId31"/>
+    <p:sldId id="298" r:id="rId32"/>
+    <p:sldId id="303" r:id="rId33"/>
+    <p:sldId id="304" r:id="rId34"/>
+    <p:sldId id="307" r:id="rId35"/>
+    <p:sldId id="308" r:id="rId36"/>
+    <p:sldId id="309" r:id="rId37"/>
+    <p:sldId id="310" r:id="rId38"/>
+    <p:sldId id="311" r:id="rId39"/>
+    <p:sldId id="312" r:id="rId40"/>
+    <p:sldId id="313" r:id="rId41"/>
+    <p:sldId id="314" r:id="rId42"/>
+    <p:sldId id="317" r:id="rId43"/>
+    <p:sldId id="315" r:id="rId44"/>
+    <p:sldId id="318" r:id="rId45"/>
+    <p:sldId id="316" r:id="rId46"/>
+    <p:sldId id="319" r:id="rId47"/>
+    <p:sldId id="269" r:id="rId48"/>
   </p:sldIdLst>
   <p:sldSz cx="12192000" cy="6858000"/>
   <p:notesSz cx="6858000" cy="9144000"/>
@@ -274,7 +275,7 @@
           <a:p>
             <a:fld id="{1CA5457B-CDAE-4DEB-AEC8-C82DE2312E37}" type="datetimeFigureOut">
               <a:rPr lang="en-US" smtClean="0"/>
-              <a:t>8/18/2023</a:t>
+              <a:t>8/21/2023</a:t>
             </a:fld>
             <a:endParaRPr lang="en-US" dirty="0"/>
           </a:p>
@@ -451,7 +452,7 @@
           <a:p>
             <a:fld id="{090B78EA-28CE-41D8-9043-90E391E5F567}" type="datetimeFigureOut">
               <a:rPr lang="en-US" noProof="0" smtClean="0"/>
-              <a:t>8/18/2023</a:t>
+              <a:t>8/21/2023</a:t>
             </a:fld>
             <a:endParaRPr lang="en-US" noProof="0" dirty="0"/>
           </a:p>
@@ -1066,7 +1067,7 @@
           <a:p>
             <a:fld id="{1734D747-9380-41EE-9946-EC9EC0CA5D1E}" type="slidenum">
               <a:rPr lang="en-US" noProof="0" smtClean="0"/>
-              <a:t>21</a:t>
+              <a:t>22</a:t>
             </a:fld>
             <a:endParaRPr lang="en-US" noProof="0" dirty="0"/>
           </a:p>
@@ -1183,7 +1184,7 @@
           <a:p>
             <a:fld id="{1734D747-9380-41EE-9946-EC9EC0CA5D1E}" type="slidenum">
               <a:rPr lang="en-US" noProof="0" smtClean="0"/>
-              <a:t>33</a:t>
+              <a:t>34</a:t>
             </a:fld>
             <a:endParaRPr lang="en-US" noProof="0" dirty="0"/>
           </a:p>
@@ -1267,7 +1268,7 @@
           <a:p>
             <a:fld id="{1734D747-9380-41EE-9946-EC9EC0CA5D1E}" type="slidenum">
               <a:rPr lang="en-US" noProof="0" smtClean="0"/>
-              <a:t>34</a:t>
+              <a:t>35</a:t>
             </a:fld>
             <a:endParaRPr lang="en-US" noProof="0" dirty="0"/>
           </a:p>
@@ -1351,7 +1352,7 @@
           <a:p>
             <a:fld id="{1734D747-9380-41EE-9946-EC9EC0CA5D1E}" type="slidenum">
               <a:rPr lang="en-US" noProof="0" smtClean="0"/>
-              <a:t>40</a:t>
+              <a:t>41</a:t>
             </a:fld>
             <a:endParaRPr lang="en-US" noProof="0" dirty="0"/>
           </a:p>
@@ -26255,6 +26256,806 @@
       </p:grpSpPr>
       <p:sp>
         <p:nvSpPr>
+          <p:cNvPr id="2" name="Title 1">
+            <a:extLst>
+              <a:ext uri="{FF2B5EF4-FFF2-40B4-BE49-F238E27FC236}">
+                <a16:creationId xmlns:a16="http://schemas.microsoft.com/office/drawing/2014/main" id="{5E6DF3FD-5730-1889-B5AC-DFF95212F177}"/>
+              </a:ext>
+            </a:extLst>
+          </p:cNvPr>
+          <p:cNvSpPr>
+            <a:spLocks noGrp="1"/>
+          </p:cNvSpPr>
+          <p:nvPr>
+            <p:ph type="title"/>
+          </p:nvPr>
+        </p:nvSpPr>
+        <p:spPr/>
+        <p:txBody>
+          <a:bodyPr/>
+          <a:lstStyle/>
+          <a:p>
+            <a:r>
+              <a:rPr lang="en-US" dirty="0"/>
+              <a:t>Feature Engineering</a:t>
+            </a:r>
+          </a:p>
+        </p:txBody>
+      </p:sp>
+      <p:sp>
+        <p:nvSpPr>
+          <p:cNvPr id="3" name="Slide Number Placeholder 2">
+            <a:extLst>
+              <a:ext uri="{FF2B5EF4-FFF2-40B4-BE49-F238E27FC236}">
+                <a16:creationId xmlns:a16="http://schemas.microsoft.com/office/drawing/2014/main" id="{CFC0ECC3-C424-3E13-F1BB-CAB63252D1A7}"/>
+              </a:ext>
+            </a:extLst>
+          </p:cNvPr>
+          <p:cNvSpPr>
+            <a:spLocks noGrp="1"/>
+          </p:cNvSpPr>
+          <p:nvPr>
+            <p:ph type="sldNum" sz="quarter" idx="12"/>
+          </p:nvPr>
+        </p:nvSpPr>
+        <p:spPr/>
+        <p:txBody>
+          <a:bodyPr/>
+          <a:lstStyle/>
+          <a:p>
+            <a:fld id="{C263D6C4-4840-40CC-AC84-17E24B3B7BDE}" type="slidenum">
+              <a:rPr lang="en-US" noProof="0" smtClean="0"/>
+              <a:pPr/>
+              <a:t>10</a:t>
+            </a:fld>
+            <a:endParaRPr lang="en-US" noProof="0" dirty="0"/>
+          </a:p>
+        </p:txBody>
+      </p:sp>
+      <p:sp>
+        <p:nvSpPr>
+          <p:cNvPr id="8" name="Text Placeholder 6">
+            <a:extLst>
+              <a:ext uri="{FF2B5EF4-FFF2-40B4-BE49-F238E27FC236}">
+                <a16:creationId xmlns:a16="http://schemas.microsoft.com/office/drawing/2014/main" id="{51955625-ADB4-E5C7-A5E5-AA14EC78D9F9}"/>
+              </a:ext>
+            </a:extLst>
+          </p:cNvPr>
+          <p:cNvSpPr>
+            <a:spLocks noGrp="1"/>
+          </p:cNvSpPr>
+          <p:nvPr>
+            <p:ph type="body" idx="1"/>
+          </p:nvPr>
+        </p:nvSpPr>
+        <p:spPr>
+          <a:xfrm>
+            <a:off x="444500" y="1681163"/>
+            <a:ext cx="5157787" cy="503237"/>
+          </a:xfrm>
+        </p:spPr>
+        <p:txBody>
+          <a:bodyPr>
+            <a:normAutofit/>
+          </a:bodyPr>
+          <a:lstStyle/>
+          <a:p>
+            <a:pPr algn="l"/>
+            <a:r>
+              <a:rPr lang="en-US" sz="2400" dirty="0"/>
+              <a:t>New important features to note:</a:t>
+            </a:r>
+          </a:p>
+        </p:txBody>
+      </p:sp>
+      <p:sp>
+        <p:nvSpPr>
+          <p:cNvPr id="9" name="Text Placeholder 7">
+            <a:extLst>
+              <a:ext uri="{FF2B5EF4-FFF2-40B4-BE49-F238E27FC236}">
+                <a16:creationId xmlns:a16="http://schemas.microsoft.com/office/drawing/2014/main" id="{7EC1CF08-C2EB-CEC8-C93E-10F182DCCB34}"/>
+              </a:ext>
+            </a:extLst>
+          </p:cNvPr>
+          <p:cNvSpPr txBox="1">
+            <a:spLocks/>
+          </p:cNvSpPr>
+          <p:nvPr/>
+        </p:nvSpPr>
+        <p:spPr>
+          <a:xfrm>
+            <a:off x="444500" y="2184400"/>
+            <a:ext cx="5157787" cy="4378960"/>
+          </a:xfrm>
+          <a:prstGeom prst="rect">
+            <a:avLst/>
+          </a:prstGeom>
+        </p:spPr>
+        <p:txBody>
+          <a:bodyPr vert="horz" lIns="91440" tIns="45720" rIns="91440" bIns="45720" rtlCol="0">
+            <a:normAutofit/>
+          </a:bodyPr>
+          <a:lstStyle>
+            <a:lvl1pPr marL="228600" indent="-228600" algn="l" defTabSz="914400" rtl="0" eaLnBrk="1" latinLnBrk="0" hangingPunct="1">
+              <a:lnSpc>
+                <a:spcPct val="90000"/>
+              </a:lnSpc>
+              <a:spcBef>
+                <a:spcPts val="1000"/>
+              </a:spcBef>
+              <a:buClr>
+                <a:schemeClr val="accent2"/>
+              </a:buClr>
+              <a:buFont typeface="Arial" panose="020B0604020202020204" pitchFamily="34" charset="0"/>
+              <a:buChar char="•"/>
+              <a:defRPr sz="1800" kern="1200">
+                <a:solidFill>
+                  <a:schemeClr val="bg1"/>
+                </a:solidFill>
+                <a:latin typeface="+mn-lt"/>
+                <a:ea typeface="+mn-ea"/>
+                <a:cs typeface="+mn-cs"/>
+              </a:defRPr>
+            </a:lvl1pPr>
+            <a:lvl2pPr marL="685800" indent="-228600" algn="l" defTabSz="914400" rtl="0" eaLnBrk="1" latinLnBrk="0" hangingPunct="1">
+              <a:lnSpc>
+                <a:spcPct val="90000"/>
+              </a:lnSpc>
+              <a:spcBef>
+                <a:spcPts val="500"/>
+              </a:spcBef>
+              <a:buClr>
+                <a:schemeClr val="accent2"/>
+              </a:buClr>
+              <a:buFont typeface="Arial" panose="020B0604020202020204" pitchFamily="34" charset="0"/>
+              <a:buChar char="•"/>
+              <a:defRPr sz="1600" kern="1200">
+                <a:solidFill>
+                  <a:schemeClr val="bg1"/>
+                </a:solidFill>
+                <a:latin typeface="+mn-lt"/>
+                <a:ea typeface="+mn-ea"/>
+                <a:cs typeface="+mn-cs"/>
+              </a:defRPr>
+            </a:lvl2pPr>
+            <a:lvl3pPr marL="1143000" indent="-228600" algn="l" defTabSz="914400" rtl="0" eaLnBrk="1" latinLnBrk="0" hangingPunct="1">
+              <a:lnSpc>
+                <a:spcPct val="90000"/>
+              </a:lnSpc>
+              <a:spcBef>
+                <a:spcPts val="500"/>
+              </a:spcBef>
+              <a:buClr>
+                <a:schemeClr val="accent2"/>
+              </a:buClr>
+              <a:buFont typeface="Arial" panose="020B0604020202020204" pitchFamily="34" charset="0"/>
+              <a:buChar char="•"/>
+              <a:defRPr sz="1400" kern="1200">
+                <a:solidFill>
+                  <a:schemeClr val="bg1"/>
+                </a:solidFill>
+                <a:latin typeface="+mn-lt"/>
+                <a:ea typeface="+mn-ea"/>
+                <a:cs typeface="+mn-cs"/>
+              </a:defRPr>
+            </a:lvl3pPr>
+            <a:lvl4pPr marL="1600200" indent="-228600" algn="l" defTabSz="914400" rtl="0" eaLnBrk="1" latinLnBrk="0" hangingPunct="1">
+              <a:lnSpc>
+                <a:spcPct val="90000"/>
+              </a:lnSpc>
+              <a:spcBef>
+                <a:spcPts val="500"/>
+              </a:spcBef>
+              <a:buClr>
+                <a:schemeClr val="accent2"/>
+              </a:buClr>
+              <a:buFont typeface="Arial" panose="020B0604020202020204" pitchFamily="34" charset="0"/>
+              <a:buChar char="•"/>
+              <a:defRPr sz="1200" kern="1200">
+                <a:solidFill>
+                  <a:schemeClr val="bg1"/>
+                </a:solidFill>
+                <a:latin typeface="+mn-lt"/>
+                <a:ea typeface="+mn-ea"/>
+                <a:cs typeface="+mn-cs"/>
+              </a:defRPr>
+            </a:lvl4pPr>
+            <a:lvl5pPr marL="2057400" indent="-228600" algn="l" defTabSz="914400" rtl="0" eaLnBrk="1" latinLnBrk="0" hangingPunct="1">
+              <a:lnSpc>
+                <a:spcPct val="90000"/>
+              </a:lnSpc>
+              <a:spcBef>
+                <a:spcPts val="500"/>
+              </a:spcBef>
+              <a:buClr>
+                <a:schemeClr val="accent2"/>
+              </a:buClr>
+              <a:buFont typeface="Arial" panose="020B0604020202020204" pitchFamily="34" charset="0"/>
+              <a:buChar char="•"/>
+              <a:defRPr sz="1200" kern="1200">
+                <a:solidFill>
+                  <a:schemeClr val="bg1"/>
+                </a:solidFill>
+                <a:latin typeface="+mn-lt"/>
+                <a:ea typeface="+mn-ea"/>
+                <a:cs typeface="+mn-cs"/>
+              </a:defRPr>
+            </a:lvl5pPr>
+            <a:lvl6pPr marL="2514600" indent="-228600" algn="l" defTabSz="914400" rtl="0" eaLnBrk="1" latinLnBrk="0" hangingPunct="1">
+              <a:lnSpc>
+                <a:spcPct val="90000"/>
+              </a:lnSpc>
+              <a:spcBef>
+                <a:spcPts val="500"/>
+              </a:spcBef>
+              <a:buFont typeface="Arial" panose="020B0604020202020204" pitchFamily="34" charset="0"/>
+              <a:buChar char="•"/>
+              <a:defRPr sz="1800" kern="1200">
+                <a:solidFill>
+                  <a:schemeClr val="tx1"/>
+                </a:solidFill>
+                <a:latin typeface="+mn-lt"/>
+                <a:ea typeface="+mn-ea"/>
+                <a:cs typeface="+mn-cs"/>
+              </a:defRPr>
+            </a:lvl6pPr>
+            <a:lvl7pPr marL="2971800" indent="-228600" algn="l" defTabSz="914400" rtl="0" eaLnBrk="1" latinLnBrk="0" hangingPunct="1">
+              <a:lnSpc>
+                <a:spcPct val="90000"/>
+              </a:lnSpc>
+              <a:spcBef>
+                <a:spcPts val="500"/>
+              </a:spcBef>
+              <a:buFont typeface="Arial" panose="020B0604020202020204" pitchFamily="34" charset="0"/>
+              <a:buChar char="•"/>
+              <a:defRPr sz="1800" kern="1200">
+                <a:solidFill>
+                  <a:schemeClr val="tx1"/>
+                </a:solidFill>
+                <a:latin typeface="+mn-lt"/>
+                <a:ea typeface="+mn-ea"/>
+                <a:cs typeface="+mn-cs"/>
+              </a:defRPr>
+            </a:lvl7pPr>
+            <a:lvl8pPr marL="3429000" indent="-228600" algn="l" defTabSz="914400" rtl="0" eaLnBrk="1" latinLnBrk="0" hangingPunct="1">
+              <a:lnSpc>
+                <a:spcPct val="90000"/>
+              </a:lnSpc>
+              <a:spcBef>
+                <a:spcPts val="500"/>
+              </a:spcBef>
+              <a:buFont typeface="Arial" panose="020B0604020202020204" pitchFamily="34" charset="0"/>
+              <a:buChar char="•"/>
+              <a:defRPr sz="1800" kern="1200">
+                <a:solidFill>
+                  <a:schemeClr val="tx1"/>
+                </a:solidFill>
+                <a:latin typeface="+mn-lt"/>
+                <a:ea typeface="+mn-ea"/>
+                <a:cs typeface="+mn-cs"/>
+              </a:defRPr>
+            </a:lvl8pPr>
+            <a:lvl9pPr marL="3886200" indent="-228600" algn="l" defTabSz="914400" rtl="0" eaLnBrk="1" latinLnBrk="0" hangingPunct="1">
+              <a:lnSpc>
+                <a:spcPct val="90000"/>
+              </a:lnSpc>
+              <a:spcBef>
+                <a:spcPts val="500"/>
+              </a:spcBef>
+              <a:buFont typeface="Arial" panose="020B0604020202020204" pitchFamily="34" charset="0"/>
+              <a:buChar char="•"/>
+              <a:defRPr sz="1800" kern="1200">
+                <a:solidFill>
+                  <a:schemeClr val="tx1"/>
+                </a:solidFill>
+                <a:latin typeface="+mn-lt"/>
+                <a:ea typeface="+mn-ea"/>
+                <a:cs typeface="+mn-cs"/>
+              </a:defRPr>
+            </a:lvl9pPr>
+          </a:lstStyle>
+          <a:p>
+            <a:pPr>
+              <a:lnSpc>
+                <a:spcPct val="210000"/>
+              </a:lnSpc>
+            </a:pPr>
+            <a:r>
+              <a:rPr lang="en-US" u="sng" dirty="0"/>
+              <a:t>Price range (categorical)</a:t>
+            </a:r>
+            <a:r>
+              <a:rPr lang="en-US" dirty="0"/>
+              <a:t>: The price range of the game</a:t>
+            </a:r>
+          </a:p>
+          <a:p>
+            <a:pPr>
+              <a:lnSpc>
+                <a:spcPct val="210000"/>
+              </a:lnSpc>
+            </a:pPr>
+            <a:r>
+              <a:rPr lang="en-US" u="sng" dirty="0"/>
+              <a:t>Release by Quarter (categorical)</a:t>
+            </a:r>
+            <a:r>
+              <a:rPr lang="en-US" dirty="0"/>
+              <a:t>: The quarter in which the game or software was released</a:t>
+            </a:r>
+          </a:p>
+          <a:p>
+            <a:pPr>
+              <a:lnSpc>
+                <a:spcPct val="210000"/>
+              </a:lnSpc>
+            </a:pPr>
+            <a:r>
+              <a:rPr lang="en-US" u="sng" dirty="0"/>
+              <a:t>(#)_Publishers (int)</a:t>
+            </a:r>
+            <a:r>
+              <a:rPr lang="en-US" dirty="0"/>
+              <a:t>: Number of publishers </a:t>
+            </a:r>
+          </a:p>
+          <a:p>
+            <a:pPr>
+              <a:lnSpc>
+                <a:spcPct val="210000"/>
+              </a:lnSpc>
+            </a:pPr>
+            <a:r>
+              <a:rPr lang="en-US" u="sng" dirty="0"/>
+              <a:t>(#)_Categories (int)</a:t>
+            </a:r>
+            <a:r>
+              <a:rPr lang="en-US" dirty="0"/>
+              <a:t>: Number of categories</a:t>
+            </a:r>
+          </a:p>
+        </p:txBody>
+      </p:sp>
+      <p:sp>
+        <p:nvSpPr>
+          <p:cNvPr id="10" name="Text Placeholder 5">
+            <a:extLst>
+              <a:ext uri="{FF2B5EF4-FFF2-40B4-BE49-F238E27FC236}">
+                <a16:creationId xmlns:a16="http://schemas.microsoft.com/office/drawing/2014/main" id="{FE04CF96-2619-749A-4E8E-103B2B391094}"/>
+              </a:ext>
+            </a:extLst>
+          </p:cNvPr>
+          <p:cNvSpPr txBox="1">
+            <a:spLocks/>
+          </p:cNvSpPr>
+          <p:nvPr/>
+        </p:nvSpPr>
+        <p:spPr>
+          <a:xfrm>
+            <a:off x="6475412" y="2184400"/>
+            <a:ext cx="5371148" cy="4378960"/>
+          </a:xfrm>
+          <a:prstGeom prst="rect">
+            <a:avLst/>
+          </a:prstGeom>
+        </p:spPr>
+        <p:txBody>
+          <a:bodyPr vert="horz" lIns="91440" tIns="45720" rIns="91440" bIns="45720" rtlCol="0">
+            <a:noAutofit/>
+          </a:bodyPr>
+          <a:lstStyle>
+            <a:lvl1pPr marL="228600" indent="-228600" algn="l" defTabSz="914400" rtl="0" eaLnBrk="1" latinLnBrk="0" hangingPunct="1">
+              <a:lnSpc>
+                <a:spcPct val="90000"/>
+              </a:lnSpc>
+              <a:spcBef>
+                <a:spcPts val="1000"/>
+              </a:spcBef>
+              <a:buClr>
+                <a:schemeClr val="accent2"/>
+              </a:buClr>
+              <a:buFont typeface="Arial" panose="020B0604020202020204" pitchFamily="34" charset="0"/>
+              <a:buChar char="•"/>
+              <a:defRPr sz="1800" kern="1200">
+                <a:solidFill>
+                  <a:schemeClr val="bg1"/>
+                </a:solidFill>
+                <a:latin typeface="+mn-lt"/>
+                <a:ea typeface="+mn-ea"/>
+                <a:cs typeface="+mn-cs"/>
+              </a:defRPr>
+            </a:lvl1pPr>
+            <a:lvl2pPr marL="685800" indent="-228600" algn="l" defTabSz="914400" rtl="0" eaLnBrk="1" latinLnBrk="0" hangingPunct="1">
+              <a:lnSpc>
+                <a:spcPct val="90000"/>
+              </a:lnSpc>
+              <a:spcBef>
+                <a:spcPts val="500"/>
+              </a:spcBef>
+              <a:buClr>
+                <a:schemeClr val="accent2"/>
+              </a:buClr>
+              <a:buFont typeface="Arial" panose="020B0604020202020204" pitchFamily="34" charset="0"/>
+              <a:buChar char="•"/>
+              <a:defRPr sz="1600" kern="1200">
+                <a:solidFill>
+                  <a:schemeClr val="bg1"/>
+                </a:solidFill>
+                <a:latin typeface="+mn-lt"/>
+                <a:ea typeface="+mn-ea"/>
+                <a:cs typeface="+mn-cs"/>
+              </a:defRPr>
+            </a:lvl2pPr>
+            <a:lvl3pPr marL="1143000" indent="-228600" algn="l" defTabSz="914400" rtl="0" eaLnBrk="1" latinLnBrk="0" hangingPunct="1">
+              <a:lnSpc>
+                <a:spcPct val="90000"/>
+              </a:lnSpc>
+              <a:spcBef>
+                <a:spcPts val="500"/>
+              </a:spcBef>
+              <a:buClr>
+                <a:schemeClr val="accent2"/>
+              </a:buClr>
+              <a:buFont typeface="Arial" panose="020B0604020202020204" pitchFamily="34" charset="0"/>
+              <a:buChar char="•"/>
+              <a:defRPr sz="1400" kern="1200">
+                <a:solidFill>
+                  <a:schemeClr val="bg1"/>
+                </a:solidFill>
+                <a:latin typeface="+mn-lt"/>
+                <a:ea typeface="+mn-ea"/>
+                <a:cs typeface="+mn-cs"/>
+              </a:defRPr>
+            </a:lvl3pPr>
+            <a:lvl4pPr marL="1600200" indent="-228600" algn="l" defTabSz="914400" rtl="0" eaLnBrk="1" latinLnBrk="0" hangingPunct="1">
+              <a:lnSpc>
+                <a:spcPct val="90000"/>
+              </a:lnSpc>
+              <a:spcBef>
+                <a:spcPts val="500"/>
+              </a:spcBef>
+              <a:buClr>
+                <a:schemeClr val="accent2"/>
+              </a:buClr>
+              <a:buFont typeface="Arial" panose="020B0604020202020204" pitchFamily="34" charset="0"/>
+              <a:buChar char="•"/>
+              <a:defRPr sz="1200" kern="1200">
+                <a:solidFill>
+                  <a:schemeClr val="bg1"/>
+                </a:solidFill>
+                <a:latin typeface="+mn-lt"/>
+                <a:ea typeface="+mn-ea"/>
+                <a:cs typeface="+mn-cs"/>
+              </a:defRPr>
+            </a:lvl4pPr>
+            <a:lvl5pPr marL="2057400" indent="-228600" algn="l" defTabSz="914400" rtl="0" eaLnBrk="1" latinLnBrk="0" hangingPunct="1">
+              <a:lnSpc>
+                <a:spcPct val="90000"/>
+              </a:lnSpc>
+              <a:spcBef>
+                <a:spcPts val="500"/>
+              </a:spcBef>
+              <a:buClr>
+                <a:schemeClr val="accent2"/>
+              </a:buClr>
+              <a:buFont typeface="Arial" panose="020B0604020202020204" pitchFamily="34" charset="0"/>
+              <a:buChar char="•"/>
+              <a:defRPr sz="1200" kern="1200">
+                <a:solidFill>
+                  <a:schemeClr val="bg1"/>
+                </a:solidFill>
+                <a:latin typeface="+mn-lt"/>
+                <a:ea typeface="+mn-ea"/>
+                <a:cs typeface="+mn-cs"/>
+              </a:defRPr>
+            </a:lvl5pPr>
+            <a:lvl6pPr marL="2514600" indent="-228600" algn="l" defTabSz="914400" rtl="0" eaLnBrk="1" latinLnBrk="0" hangingPunct="1">
+              <a:lnSpc>
+                <a:spcPct val="90000"/>
+              </a:lnSpc>
+              <a:spcBef>
+                <a:spcPts val="500"/>
+              </a:spcBef>
+              <a:buFont typeface="Arial" panose="020B0604020202020204" pitchFamily="34" charset="0"/>
+              <a:buChar char="•"/>
+              <a:defRPr sz="1800" kern="1200">
+                <a:solidFill>
+                  <a:schemeClr val="tx1"/>
+                </a:solidFill>
+                <a:latin typeface="+mn-lt"/>
+                <a:ea typeface="+mn-ea"/>
+                <a:cs typeface="+mn-cs"/>
+              </a:defRPr>
+            </a:lvl6pPr>
+            <a:lvl7pPr marL="2971800" indent="-228600" algn="l" defTabSz="914400" rtl="0" eaLnBrk="1" latinLnBrk="0" hangingPunct="1">
+              <a:lnSpc>
+                <a:spcPct val="90000"/>
+              </a:lnSpc>
+              <a:spcBef>
+                <a:spcPts val="500"/>
+              </a:spcBef>
+              <a:buFont typeface="Arial" panose="020B0604020202020204" pitchFamily="34" charset="0"/>
+              <a:buChar char="•"/>
+              <a:defRPr sz="1800" kern="1200">
+                <a:solidFill>
+                  <a:schemeClr val="tx1"/>
+                </a:solidFill>
+                <a:latin typeface="+mn-lt"/>
+                <a:ea typeface="+mn-ea"/>
+                <a:cs typeface="+mn-cs"/>
+              </a:defRPr>
+            </a:lvl7pPr>
+            <a:lvl8pPr marL="3429000" indent="-228600" algn="l" defTabSz="914400" rtl="0" eaLnBrk="1" latinLnBrk="0" hangingPunct="1">
+              <a:lnSpc>
+                <a:spcPct val="90000"/>
+              </a:lnSpc>
+              <a:spcBef>
+                <a:spcPts val="500"/>
+              </a:spcBef>
+              <a:buFont typeface="Arial" panose="020B0604020202020204" pitchFamily="34" charset="0"/>
+              <a:buChar char="•"/>
+              <a:defRPr sz="1800" kern="1200">
+                <a:solidFill>
+                  <a:schemeClr val="tx1"/>
+                </a:solidFill>
+                <a:latin typeface="+mn-lt"/>
+                <a:ea typeface="+mn-ea"/>
+                <a:cs typeface="+mn-cs"/>
+              </a:defRPr>
+            </a:lvl8pPr>
+            <a:lvl9pPr marL="3886200" indent="-228600" algn="l" defTabSz="914400" rtl="0" eaLnBrk="1" latinLnBrk="0" hangingPunct="1">
+              <a:lnSpc>
+                <a:spcPct val="90000"/>
+              </a:lnSpc>
+              <a:spcBef>
+                <a:spcPts val="500"/>
+              </a:spcBef>
+              <a:buFont typeface="Arial" panose="020B0604020202020204" pitchFamily="34" charset="0"/>
+              <a:buChar char="•"/>
+              <a:defRPr sz="1800" kern="1200">
+                <a:solidFill>
+                  <a:schemeClr val="tx1"/>
+                </a:solidFill>
+                <a:latin typeface="+mn-lt"/>
+                <a:ea typeface="+mn-ea"/>
+                <a:cs typeface="+mn-cs"/>
+              </a:defRPr>
+            </a:lvl9pPr>
+          </a:lstStyle>
+          <a:p>
+            <a:pPr>
+              <a:lnSpc>
+                <a:spcPct val="200000"/>
+              </a:lnSpc>
+            </a:pPr>
+            <a:r>
+              <a:rPr lang="en-US" u="sng" dirty="0"/>
+              <a:t>(#)_Genres (int)</a:t>
+            </a:r>
+            <a:r>
+              <a:rPr lang="en-US" dirty="0"/>
+              <a:t>: Number of Genres</a:t>
+            </a:r>
+          </a:p>
+          <a:p>
+            <a:pPr>
+              <a:lnSpc>
+                <a:spcPct val="200000"/>
+              </a:lnSpc>
+            </a:pPr>
+            <a:r>
+              <a:rPr lang="en-US" u="sng" dirty="0"/>
+              <a:t>(#)_Tags (int)</a:t>
+            </a:r>
+            <a:r>
+              <a:rPr lang="en-US" dirty="0"/>
+              <a:t>: Number of tags</a:t>
+            </a:r>
+          </a:p>
+          <a:p>
+            <a:pPr>
+              <a:lnSpc>
+                <a:spcPct val="200000"/>
+              </a:lnSpc>
+            </a:pPr>
+            <a:r>
+              <a:rPr lang="en-US" u="sng" dirty="0"/>
+              <a:t>Review Ratio (int)</a:t>
+            </a:r>
+            <a:r>
+              <a:rPr lang="en-US" dirty="0"/>
+              <a:t>: The ratio of positive review out of all reviews</a:t>
+            </a:r>
+          </a:p>
+          <a:p>
+            <a:pPr>
+              <a:lnSpc>
+                <a:spcPct val="200000"/>
+              </a:lnSpc>
+            </a:pPr>
+            <a:r>
+              <a:rPr lang="en-US" u="sng" dirty="0"/>
+              <a:t>Price per (x) playtime (int)</a:t>
+            </a:r>
+            <a:r>
+              <a:rPr lang="en-US" dirty="0"/>
+              <a:t>: The price per hour of use </a:t>
+            </a:r>
+          </a:p>
+        </p:txBody>
+      </p:sp>
+    </p:spTree>
+    <p:extLst>
+      <p:ext uri="{BB962C8B-B14F-4D97-AF65-F5344CB8AC3E}">
+        <p14:creationId xmlns:p14="http://schemas.microsoft.com/office/powerpoint/2010/main" val="2960989114"/>
+      </p:ext>
+    </p:extLst>
+  </p:cSld>
+  <p:clrMapOvr>
+    <a:masterClrMapping/>
+  </p:clrMapOvr>
+  <p:timing>
+    <p:tnLst>
+      <p:par>
+        <p:cTn id="1" dur="indefinite" restart="never" nodeType="tmRoot">
+          <p:childTnLst>
+            <p:seq concurrent="1" nextAc="seek">
+              <p:cTn id="2" dur="indefinite" nodeType="mainSeq">
+                <p:childTnLst>
+                  <p:par>
+                    <p:cTn id="3" fill="hold">
+                      <p:stCondLst>
+                        <p:cond delay="indefinite"/>
+                      </p:stCondLst>
+                      <p:childTnLst>
+                        <p:par>
+                          <p:cTn id="4" fill="hold">
+                            <p:stCondLst>
+                              <p:cond delay="0"/>
+                            </p:stCondLst>
+                            <p:childTnLst>
+                              <p:par>
+                                <p:cTn id="5" presetID="10" presetClass="entr" presetSubtype="0" fill="hold" grpId="0" nodeType="clickEffect">
+                                  <p:stCondLst>
+                                    <p:cond delay="0"/>
+                                  </p:stCondLst>
+                                  <p:childTnLst>
+                                    <p:set>
+                                      <p:cBhvr>
+                                        <p:cTn id="6" dur="1" fill="hold">
+                                          <p:stCondLst>
+                                            <p:cond delay="0"/>
+                                          </p:stCondLst>
+                                        </p:cTn>
+                                        <p:tgtEl>
+                                          <p:spTgt spid="9"/>
+                                        </p:tgtEl>
+                                        <p:attrNameLst>
+                                          <p:attrName>style.visibility</p:attrName>
+                                        </p:attrNameLst>
+                                      </p:cBhvr>
+                                      <p:to>
+                                        <p:strVal val="visible"/>
+                                      </p:to>
+                                    </p:set>
+                                    <p:animEffect transition="in" filter="fade">
+                                      <p:cBhvr>
+                                        <p:cTn id="7" dur="500"/>
+                                        <p:tgtEl>
+                                          <p:spTgt spid="9"/>
+                                        </p:tgtEl>
+                                      </p:cBhvr>
+                                    </p:animEffect>
+                                  </p:childTnLst>
+                                </p:cTn>
+                              </p:par>
+                            </p:childTnLst>
+                          </p:cTn>
+                        </p:par>
+                      </p:childTnLst>
+                    </p:cTn>
+                  </p:par>
+                  <p:par>
+                    <p:cTn id="8" fill="hold">
+                      <p:stCondLst>
+                        <p:cond delay="indefinite"/>
+                      </p:stCondLst>
+                      <p:childTnLst>
+                        <p:par>
+                          <p:cTn id="9" fill="hold">
+                            <p:stCondLst>
+                              <p:cond delay="0"/>
+                            </p:stCondLst>
+                            <p:childTnLst>
+                              <p:par>
+                                <p:cTn id="10" presetID="10" presetClass="entr" presetSubtype="0" fill="hold" grpId="0" nodeType="clickEffect">
+                                  <p:stCondLst>
+                                    <p:cond delay="0"/>
+                                  </p:stCondLst>
+                                  <p:childTnLst>
+                                    <p:set>
+                                      <p:cBhvr>
+                                        <p:cTn id="11" dur="1" fill="hold">
+                                          <p:stCondLst>
+                                            <p:cond delay="0"/>
+                                          </p:stCondLst>
+                                        </p:cTn>
+                                        <p:tgtEl>
+                                          <p:spTgt spid="10"/>
+                                        </p:tgtEl>
+                                        <p:attrNameLst>
+                                          <p:attrName>style.visibility</p:attrName>
+                                        </p:attrNameLst>
+                                      </p:cBhvr>
+                                      <p:to>
+                                        <p:strVal val="visible"/>
+                                      </p:to>
+                                    </p:set>
+                                    <p:animEffect transition="in" filter="fade">
+                                      <p:cBhvr>
+                                        <p:cTn id="12" dur="500"/>
+                                        <p:tgtEl>
+                                          <p:spTgt spid="10"/>
+                                        </p:tgtEl>
+                                      </p:cBhvr>
+                                    </p:animEffect>
+                                  </p:childTnLst>
+                                </p:cTn>
+                              </p:par>
+                            </p:childTnLst>
+                          </p:cTn>
+                        </p:par>
+                      </p:childTnLst>
+                    </p:cTn>
+                  </p:par>
+                </p:childTnLst>
+              </p:cTn>
+              <p:prevCondLst>
+                <p:cond evt="onPrev" delay="0">
+                  <p:tgtEl>
+                    <p:sldTgt/>
+                  </p:tgtEl>
+                </p:cond>
+              </p:prevCondLst>
+              <p:nextCondLst>
+                <p:cond evt="onNext" delay="0">
+                  <p:tgtEl>
+                    <p:sldTgt/>
+                  </p:tgtEl>
+                </p:cond>
+              </p:nextCondLst>
+            </p:seq>
+          </p:childTnLst>
+        </p:cTn>
+      </p:par>
+    </p:tnLst>
+    <p:bldLst>
+      <p:bldP spid="9" grpId="0"/>
+      <p:bldP spid="10" grpId="0"/>
+    </p:bldLst>
+  </p:timing>
+</p:sld>
+</file>
+
+<file path=ppt/slides/slide11.xml><?xml version="1.0" encoding="utf-8"?>
+<p:sld xmlns:a="http://schemas.openxmlformats.org/drawingml/2006/main" xmlns:r="http://schemas.openxmlformats.org/officeDocument/2006/relationships" xmlns:p="http://schemas.openxmlformats.org/presentationml/2006/main">
+  <p:cSld>
+    <p:spTree>
+      <p:nvGrpSpPr>
+        <p:cNvPr id="1" name=""/>
+        <p:cNvGrpSpPr/>
+        <p:nvPr/>
+      </p:nvGrpSpPr>
+      <p:grpSpPr>
+        <a:xfrm>
+          <a:off x="0" y="0"/>
+          <a:ext cx="0" cy="0"/>
+          <a:chOff x="0" y="0"/>
+          <a:chExt cx="0" cy="0"/>
+        </a:xfrm>
+      </p:grpSpPr>
+      <p:sp>
+        <p:nvSpPr>
           <p:cNvPr id="4" name="Title 3">
             <a:extLst>
               <a:ext uri="{FF2B5EF4-FFF2-40B4-BE49-F238E27FC236}">
@@ -26312,7 +27113,7 @@
             <a:fld id="{C263D6C4-4840-40CC-AC84-17E24B3B7BDE}" type="slidenum">
               <a:rPr lang="en-US" smtClean="0"/>
               <a:pPr/>
-              <a:t>10</a:t>
+              <a:t>11</a:t>
             </a:fld>
             <a:endParaRPr lang="en-US" dirty="0"/>
           </a:p>
@@ -26343,7 +27144,7 @@
 </p:sld>
 </file>
 
-<file path=ppt/slides/slide11.xml><?xml version="1.0" encoding="utf-8"?>
+<file path=ppt/slides/slide12.xml><?xml version="1.0" encoding="utf-8"?>
 <p:sld xmlns:a="http://schemas.openxmlformats.org/drawingml/2006/main" xmlns:r="http://schemas.openxmlformats.org/officeDocument/2006/relationships" xmlns:p="http://schemas.openxmlformats.org/presentationml/2006/main">
   <p:cSld>
     <p:spTree>
@@ -26412,7 +27213,7 @@
             <a:fld id="{C263D6C4-4840-40CC-AC84-17E24B3B7BDE}" type="slidenum">
               <a:rPr lang="en-US" smtClean="0"/>
               <a:pPr/>
-              <a:t>11</a:t>
+              <a:t>12</a:t>
             </a:fld>
             <a:endParaRPr lang="en-US" dirty="0"/>
           </a:p>
@@ -27010,7 +27811,7 @@
 </p:sld>
 </file>
 
-<file path=ppt/slides/slide12.xml><?xml version="1.0" encoding="utf-8"?>
+<file path=ppt/slides/slide13.xml><?xml version="1.0" encoding="utf-8"?>
 <p:sld xmlns:a="http://schemas.openxmlformats.org/drawingml/2006/main" xmlns:r="http://schemas.openxmlformats.org/officeDocument/2006/relationships" xmlns:p="http://schemas.openxmlformats.org/presentationml/2006/main">
   <p:cSld>
     <p:spTree>
@@ -27086,7 +27887,7 @@
             <a:fld id="{C263D6C4-4840-40CC-AC84-17E24B3B7BDE}" type="slidenum">
               <a:rPr lang="en-US" smtClean="0"/>
               <a:pPr/>
-              <a:t>12</a:t>
+              <a:t>13</a:t>
             </a:fld>
             <a:endParaRPr lang="en-US" dirty="0"/>
           </a:p>
@@ -27096,357 +27897,6 @@
     <p:extLst>
       <p:ext uri="{BB962C8B-B14F-4D97-AF65-F5344CB8AC3E}">
         <p14:creationId xmlns:p14="http://schemas.microsoft.com/office/powerpoint/2010/main" val="1360070692"/>
-      </p:ext>
-    </p:extLst>
-  </p:cSld>
-  <p:clrMapOvr>
-    <a:masterClrMapping/>
-  </p:clrMapOvr>
-  <mc:AlternateContent xmlns:mc="http://schemas.openxmlformats.org/markup-compatibility/2006" xmlns:p14="http://schemas.microsoft.com/office/powerpoint/2010/main">
-    <mc:Choice Requires="p14">
-      <p:transition spd="med" p14:dur="700">
-        <p:fade/>
-      </p:transition>
-    </mc:Choice>
-    <mc:Fallback xmlns="">
-      <p:transition spd="med">
-        <p:fade/>
-      </p:transition>
-    </mc:Fallback>
-  </mc:AlternateContent>
-</p:sld>
-</file>
-
-<file path=ppt/slides/slide13.xml><?xml version="1.0" encoding="utf-8"?>
-<p:sld xmlns:a="http://schemas.openxmlformats.org/drawingml/2006/main" xmlns:r="http://schemas.openxmlformats.org/officeDocument/2006/relationships" xmlns:p="http://schemas.openxmlformats.org/presentationml/2006/main">
-  <p:cSld>
-    <p:spTree>
-      <p:nvGrpSpPr>
-        <p:cNvPr id="1" name=""/>
-        <p:cNvGrpSpPr/>
-        <p:nvPr/>
-      </p:nvGrpSpPr>
-      <p:grpSpPr>
-        <a:xfrm>
-          <a:off x="0" y="0"/>
-          <a:ext cx="0" cy="0"/>
-          <a:chOff x="0" y="0"/>
-          <a:chExt cx="0" cy="0"/>
-        </a:xfrm>
-      </p:grpSpPr>
-      <p:sp>
-        <p:nvSpPr>
-          <p:cNvPr id="5" name="Title 4">
-            <a:extLst>
-              <a:ext uri="{FF2B5EF4-FFF2-40B4-BE49-F238E27FC236}">
-                <a16:creationId xmlns:a16="http://schemas.microsoft.com/office/drawing/2014/main" id="{201323FB-427E-4A8D-B473-AB0657D8D23B}"/>
-              </a:ext>
-            </a:extLst>
-          </p:cNvPr>
-          <p:cNvSpPr>
-            <a:spLocks noGrp="1"/>
-          </p:cNvSpPr>
-          <p:nvPr>
-            <p:ph type="title"/>
-          </p:nvPr>
-        </p:nvSpPr>
-        <p:spPr/>
-        <p:txBody>
-          <a:bodyPr/>
-          <a:lstStyle/>
-          <a:p>
-            <a:r>
-              <a:rPr lang="en-US" dirty="0"/>
-              <a:t>Frequency Analysis</a:t>
-            </a:r>
-          </a:p>
-        </p:txBody>
-      </p:sp>
-      <p:sp>
-        <p:nvSpPr>
-          <p:cNvPr id="2" name="Slide Number Placeholder 1">
-            <a:extLst>
-              <a:ext uri="{FF2B5EF4-FFF2-40B4-BE49-F238E27FC236}">
-                <a16:creationId xmlns:a16="http://schemas.microsoft.com/office/drawing/2014/main" id="{E4398C1C-6656-4A73-A680-62A81CDC27FD}"/>
-              </a:ext>
-            </a:extLst>
-          </p:cNvPr>
-          <p:cNvSpPr>
-            <a:spLocks noGrp="1"/>
-          </p:cNvSpPr>
-          <p:nvPr>
-            <p:ph type="sldNum" sz="quarter" idx="12"/>
-          </p:nvPr>
-        </p:nvSpPr>
-        <p:spPr/>
-        <p:txBody>
-          <a:bodyPr/>
-          <a:lstStyle/>
-          <a:p>
-            <a:fld id="{C263D6C4-4840-40CC-AC84-17E24B3B7BDE}" type="slidenum">
-              <a:rPr lang="en-US" smtClean="0"/>
-              <a:pPr/>
-              <a:t>13</a:t>
-            </a:fld>
-            <a:endParaRPr lang="en-US" dirty="0"/>
-          </a:p>
-        </p:txBody>
-      </p:sp>
-      <p:sp>
-        <p:nvSpPr>
-          <p:cNvPr id="8" name="Text Placeholder 6">
-            <a:extLst>
-              <a:ext uri="{FF2B5EF4-FFF2-40B4-BE49-F238E27FC236}">
-                <a16:creationId xmlns:a16="http://schemas.microsoft.com/office/drawing/2014/main" id="{A4470379-74BB-261F-0DEA-B1F4BBEF2897}"/>
-              </a:ext>
-            </a:extLst>
-          </p:cNvPr>
-          <p:cNvSpPr txBox="1">
-            <a:spLocks/>
-          </p:cNvSpPr>
-          <p:nvPr/>
-        </p:nvSpPr>
-        <p:spPr>
-          <a:xfrm>
-            <a:off x="444500" y="1681163"/>
-            <a:ext cx="5157787" cy="503237"/>
-          </a:xfrm>
-          <a:prstGeom prst="rect">
-            <a:avLst/>
-          </a:prstGeom>
-        </p:spPr>
-        <p:txBody>
-          <a:bodyPr>
-            <a:normAutofit/>
-          </a:bodyPr>
-          <a:lstStyle>
-            <a:lvl1pPr marL="228600" indent="-228600" algn="l" defTabSz="914400" rtl="0" eaLnBrk="1" latinLnBrk="0" hangingPunct="1">
-              <a:lnSpc>
-                <a:spcPct val="90000"/>
-              </a:lnSpc>
-              <a:spcBef>
-                <a:spcPts val="1000"/>
-              </a:spcBef>
-              <a:buClr>
-                <a:schemeClr val="accent2"/>
-              </a:buClr>
-              <a:buFont typeface="Arial" panose="020B0604020202020204" pitchFamily="34" charset="0"/>
-              <a:buChar char="•"/>
-              <a:defRPr sz="2800" kern="1200">
-                <a:solidFill>
-                  <a:schemeClr val="tx1"/>
-                </a:solidFill>
-                <a:latin typeface="+mn-lt"/>
-                <a:ea typeface="+mn-ea"/>
-                <a:cs typeface="+mn-cs"/>
-              </a:defRPr>
-            </a:lvl1pPr>
-            <a:lvl2pPr marL="685800" indent="-228600" algn="l" defTabSz="914400" rtl="0" eaLnBrk="1" latinLnBrk="0" hangingPunct="1">
-              <a:lnSpc>
-                <a:spcPct val="90000"/>
-              </a:lnSpc>
-              <a:spcBef>
-                <a:spcPts val="500"/>
-              </a:spcBef>
-              <a:buClr>
-                <a:schemeClr val="accent2"/>
-              </a:buClr>
-              <a:buFont typeface="Arial" panose="020B0604020202020204" pitchFamily="34" charset="0"/>
-              <a:buChar char="•"/>
-              <a:defRPr sz="2400" kern="1200">
-                <a:solidFill>
-                  <a:schemeClr val="tx1"/>
-                </a:solidFill>
-                <a:latin typeface="+mn-lt"/>
-                <a:ea typeface="+mn-ea"/>
-                <a:cs typeface="+mn-cs"/>
-              </a:defRPr>
-            </a:lvl2pPr>
-            <a:lvl3pPr marL="1143000" indent="-228600" algn="l" defTabSz="914400" rtl="0" eaLnBrk="1" latinLnBrk="0" hangingPunct="1">
-              <a:lnSpc>
-                <a:spcPct val="90000"/>
-              </a:lnSpc>
-              <a:spcBef>
-                <a:spcPts val="500"/>
-              </a:spcBef>
-              <a:buClr>
-                <a:schemeClr val="accent2"/>
-              </a:buClr>
-              <a:buFont typeface="Arial" panose="020B0604020202020204" pitchFamily="34" charset="0"/>
-              <a:buChar char="•"/>
-              <a:defRPr sz="2000" kern="1200">
-                <a:solidFill>
-                  <a:schemeClr val="tx1"/>
-                </a:solidFill>
-                <a:latin typeface="+mn-lt"/>
-                <a:ea typeface="+mn-ea"/>
-                <a:cs typeface="+mn-cs"/>
-              </a:defRPr>
-            </a:lvl3pPr>
-            <a:lvl4pPr marL="1600200" indent="-228600" algn="l" defTabSz="914400" rtl="0" eaLnBrk="1" latinLnBrk="0" hangingPunct="1">
-              <a:lnSpc>
-                <a:spcPct val="90000"/>
-              </a:lnSpc>
-              <a:spcBef>
-                <a:spcPts val="500"/>
-              </a:spcBef>
-              <a:buClr>
-                <a:schemeClr val="accent2"/>
-              </a:buClr>
-              <a:buFont typeface="Arial" panose="020B0604020202020204" pitchFamily="34" charset="0"/>
-              <a:buChar char="•"/>
-              <a:defRPr sz="1800" kern="1200">
-                <a:solidFill>
-                  <a:schemeClr val="tx1"/>
-                </a:solidFill>
-                <a:latin typeface="+mn-lt"/>
-                <a:ea typeface="+mn-ea"/>
-                <a:cs typeface="+mn-cs"/>
-              </a:defRPr>
-            </a:lvl4pPr>
-            <a:lvl5pPr marL="2057400" indent="-228600" algn="l" defTabSz="914400" rtl="0" eaLnBrk="1" latinLnBrk="0" hangingPunct="1">
-              <a:lnSpc>
-                <a:spcPct val="90000"/>
-              </a:lnSpc>
-              <a:spcBef>
-                <a:spcPts val="500"/>
-              </a:spcBef>
-              <a:buClr>
-                <a:schemeClr val="accent2"/>
-              </a:buClr>
-              <a:buFont typeface="Arial" panose="020B0604020202020204" pitchFamily="34" charset="0"/>
-              <a:buChar char="•"/>
-              <a:defRPr sz="1800" kern="1200">
-                <a:solidFill>
-                  <a:schemeClr val="tx1"/>
-                </a:solidFill>
-                <a:latin typeface="+mn-lt"/>
-                <a:ea typeface="+mn-ea"/>
-                <a:cs typeface="+mn-cs"/>
-              </a:defRPr>
-            </a:lvl5pPr>
-            <a:lvl6pPr marL="2514600" indent="-228600" algn="l" defTabSz="914400" rtl="0" eaLnBrk="1" latinLnBrk="0" hangingPunct="1">
-              <a:lnSpc>
-                <a:spcPct val="90000"/>
-              </a:lnSpc>
-              <a:spcBef>
-                <a:spcPts val="500"/>
-              </a:spcBef>
-              <a:buFont typeface="Arial" panose="020B0604020202020204" pitchFamily="34" charset="0"/>
-              <a:buChar char="•"/>
-              <a:defRPr sz="1800" kern="1200">
-                <a:solidFill>
-                  <a:schemeClr val="tx1"/>
-                </a:solidFill>
-                <a:latin typeface="+mn-lt"/>
-                <a:ea typeface="+mn-ea"/>
-                <a:cs typeface="+mn-cs"/>
-              </a:defRPr>
-            </a:lvl6pPr>
-            <a:lvl7pPr marL="2971800" indent="-228600" algn="l" defTabSz="914400" rtl="0" eaLnBrk="1" latinLnBrk="0" hangingPunct="1">
-              <a:lnSpc>
-                <a:spcPct val="90000"/>
-              </a:lnSpc>
-              <a:spcBef>
-                <a:spcPts val="500"/>
-              </a:spcBef>
-              <a:buFont typeface="Arial" panose="020B0604020202020204" pitchFamily="34" charset="0"/>
-              <a:buChar char="•"/>
-              <a:defRPr sz="1800" kern="1200">
-                <a:solidFill>
-                  <a:schemeClr val="tx1"/>
-                </a:solidFill>
-                <a:latin typeface="+mn-lt"/>
-                <a:ea typeface="+mn-ea"/>
-                <a:cs typeface="+mn-cs"/>
-              </a:defRPr>
-            </a:lvl7pPr>
-            <a:lvl8pPr marL="3429000" indent="-228600" algn="l" defTabSz="914400" rtl="0" eaLnBrk="1" latinLnBrk="0" hangingPunct="1">
-              <a:lnSpc>
-                <a:spcPct val="90000"/>
-              </a:lnSpc>
-              <a:spcBef>
-                <a:spcPts val="500"/>
-              </a:spcBef>
-              <a:buFont typeface="Arial" panose="020B0604020202020204" pitchFamily="34" charset="0"/>
-              <a:buChar char="•"/>
-              <a:defRPr sz="1800" kern="1200">
-                <a:solidFill>
-                  <a:schemeClr val="tx1"/>
-                </a:solidFill>
-                <a:latin typeface="+mn-lt"/>
-                <a:ea typeface="+mn-ea"/>
-                <a:cs typeface="+mn-cs"/>
-              </a:defRPr>
-            </a:lvl8pPr>
-            <a:lvl9pPr marL="3886200" indent="-228600" algn="l" defTabSz="914400" rtl="0" eaLnBrk="1" latinLnBrk="0" hangingPunct="1">
-              <a:lnSpc>
-                <a:spcPct val="90000"/>
-              </a:lnSpc>
-              <a:spcBef>
-                <a:spcPts val="500"/>
-              </a:spcBef>
-              <a:buFont typeface="Arial" panose="020B0604020202020204" pitchFamily="34" charset="0"/>
-              <a:buChar char="•"/>
-              <a:defRPr sz="1800" kern="1200">
-                <a:solidFill>
-                  <a:schemeClr val="tx1"/>
-                </a:solidFill>
-                <a:latin typeface="+mn-lt"/>
-                <a:ea typeface="+mn-ea"/>
-                <a:cs typeface="+mn-cs"/>
-              </a:defRPr>
-            </a:lvl9pPr>
-          </a:lstStyle>
-          <a:p>
-            <a:pPr marL="0" indent="0">
-              <a:buNone/>
-            </a:pPr>
-            <a:r>
-              <a:rPr lang="en-US" sz="2400" b="1" dirty="0">
-                <a:solidFill>
-                  <a:schemeClr val="bg1"/>
-                </a:solidFill>
-              </a:rPr>
-              <a:t>Year and quarter frequency:</a:t>
-            </a:r>
-          </a:p>
-        </p:txBody>
-      </p:sp>
-      <p:pic>
-        <p:nvPicPr>
-          <p:cNvPr id="4" name="Picture 3" descr="A graph showing the growth of a number of people&#10;&#10;Description automatically generated">
-            <a:extLst>
-              <a:ext uri="{FF2B5EF4-FFF2-40B4-BE49-F238E27FC236}">
-                <a16:creationId xmlns:a16="http://schemas.microsoft.com/office/drawing/2014/main" id="{40484E69-3FA0-827F-EFB6-26710D0E88B4}"/>
-              </a:ext>
-            </a:extLst>
-          </p:cNvPr>
-          <p:cNvPicPr>
-            <a:picLocks noChangeAspect="1"/>
-          </p:cNvPicPr>
-          <p:nvPr/>
-        </p:nvPicPr>
-        <p:blipFill>
-          <a:blip r:embed="rId2"/>
-          <a:stretch>
-            <a:fillRect/>
-          </a:stretch>
-        </p:blipFill>
-        <p:spPr>
-          <a:xfrm>
-            <a:off x="1644406" y="2108200"/>
-            <a:ext cx="8814288" cy="4572000"/>
-          </a:xfrm>
-          <a:prstGeom prst="rect">
-            <a:avLst/>
-          </a:prstGeom>
-        </p:spPr>
-      </p:pic>
-    </p:spTree>
-    <p:extLst>
-      <p:ext uri="{BB962C8B-B14F-4D97-AF65-F5344CB8AC3E}">
-        <p14:creationId xmlns:p14="http://schemas.microsoft.com/office/powerpoint/2010/main" val="3322300142"/>
       </p:ext>
     </p:extLst>
   </p:cSld>
@@ -27538,6 +27988,357 @@
               <a:rPr lang="en-US" smtClean="0"/>
               <a:pPr/>
               <a:t>14</a:t>
+            </a:fld>
+            <a:endParaRPr lang="en-US" dirty="0"/>
+          </a:p>
+        </p:txBody>
+      </p:sp>
+      <p:sp>
+        <p:nvSpPr>
+          <p:cNvPr id="8" name="Text Placeholder 6">
+            <a:extLst>
+              <a:ext uri="{FF2B5EF4-FFF2-40B4-BE49-F238E27FC236}">
+                <a16:creationId xmlns:a16="http://schemas.microsoft.com/office/drawing/2014/main" id="{A4470379-74BB-261F-0DEA-B1F4BBEF2897}"/>
+              </a:ext>
+            </a:extLst>
+          </p:cNvPr>
+          <p:cNvSpPr txBox="1">
+            <a:spLocks/>
+          </p:cNvSpPr>
+          <p:nvPr/>
+        </p:nvSpPr>
+        <p:spPr>
+          <a:xfrm>
+            <a:off x="444500" y="1681163"/>
+            <a:ext cx="5157787" cy="503237"/>
+          </a:xfrm>
+          <a:prstGeom prst="rect">
+            <a:avLst/>
+          </a:prstGeom>
+        </p:spPr>
+        <p:txBody>
+          <a:bodyPr>
+            <a:normAutofit/>
+          </a:bodyPr>
+          <a:lstStyle>
+            <a:lvl1pPr marL="228600" indent="-228600" algn="l" defTabSz="914400" rtl="0" eaLnBrk="1" latinLnBrk="0" hangingPunct="1">
+              <a:lnSpc>
+                <a:spcPct val="90000"/>
+              </a:lnSpc>
+              <a:spcBef>
+                <a:spcPts val="1000"/>
+              </a:spcBef>
+              <a:buClr>
+                <a:schemeClr val="accent2"/>
+              </a:buClr>
+              <a:buFont typeface="Arial" panose="020B0604020202020204" pitchFamily="34" charset="0"/>
+              <a:buChar char="•"/>
+              <a:defRPr sz="2800" kern="1200">
+                <a:solidFill>
+                  <a:schemeClr val="tx1"/>
+                </a:solidFill>
+                <a:latin typeface="+mn-lt"/>
+                <a:ea typeface="+mn-ea"/>
+                <a:cs typeface="+mn-cs"/>
+              </a:defRPr>
+            </a:lvl1pPr>
+            <a:lvl2pPr marL="685800" indent="-228600" algn="l" defTabSz="914400" rtl="0" eaLnBrk="1" latinLnBrk="0" hangingPunct="1">
+              <a:lnSpc>
+                <a:spcPct val="90000"/>
+              </a:lnSpc>
+              <a:spcBef>
+                <a:spcPts val="500"/>
+              </a:spcBef>
+              <a:buClr>
+                <a:schemeClr val="accent2"/>
+              </a:buClr>
+              <a:buFont typeface="Arial" panose="020B0604020202020204" pitchFamily="34" charset="0"/>
+              <a:buChar char="•"/>
+              <a:defRPr sz="2400" kern="1200">
+                <a:solidFill>
+                  <a:schemeClr val="tx1"/>
+                </a:solidFill>
+                <a:latin typeface="+mn-lt"/>
+                <a:ea typeface="+mn-ea"/>
+                <a:cs typeface="+mn-cs"/>
+              </a:defRPr>
+            </a:lvl2pPr>
+            <a:lvl3pPr marL="1143000" indent="-228600" algn="l" defTabSz="914400" rtl="0" eaLnBrk="1" latinLnBrk="0" hangingPunct="1">
+              <a:lnSpc>
+                <a:spcPct val="90000"/>
+              </a:lnSpc>
+              <a:spcBef>
+                <a:spcPts val="500"/>
+              </a:spcBef>
+              <a:buClr>
+                <a:schemeClr val="accent2"/>
+              </a:buClr>
+              <a:buFont typeface="Arial" panose="020B0604020202020204" pitchFamily="34" charset="0"/>
+              <a:buChar char="•"/>
+              <a:defRPr sz="2000" kern="1200">
+                <a:solidFill>
+                  <a:schemeClr val="tx1"/>
+                </a:solidFill>
+                <a:latin typeface="+mn-lt"/>
+                <a:ea typeface="+mn-ea"/>
+                <a:cs typeface="+mn-cs"/>
+              </a:defRPr>
+            </a:lvl3pPr>
+            <a:lvl4pPr marL="1600200" indent="-228600" algn="l" defTabSz="914400" rtl="0" eaLnBrk="1" latinLnBrk="0" hangingPunct="1">
+              <a:lnSpc>
+                <a:spcPct val="90000"/>
+              </a:lnSpc>
+              <a:spcBef>
+                <a:spcPts val="500"/>
+              </a:spcBef>
+              <a:buClr>
+                <a:schemeClr val="accent2"/>
+              </a:buClr>
+              <a:buFont typeface="Arial" panose="020B0604020202020204" pitchFamily="34" charset="0"/>
+              <a:buChar char="•"/>
+              <a:defRPr sz="1800" kern="1200">
+                <a:solidFill>
+                  <a:schemeClr val="tx1"/>
+                </a:solidFill>
+                <a:latin typeface="+mn-lt"/>
+                <a:ea typeface="+mn-ea"/>
+                <a:cs typeface="+mn-cs"/>
+              </a:defRPr>
+            </a:lvl4pPr>
+            <a:lvl5pPr marL="2057400" indent="-228600" algn="l" defTabSz="914400" rtl="0" eaLnBrk="1" latinLnBrk="0" hangingPunct="1">
+              <a:lnSpc>
+                <a:spcPct val="90000"/>
+              </a:lnSpc>
+              <a:spcBef>
+                <a:spcPts val="500"/>
+              </a:spcBef>
+              <a:buClr>
+                <a:schemeClr val="accent2"/>
+              </a:buClr>
+              <a:buFont typeface="Arial" panose="020B0604020202020204" pitchFamily="34" charset="0"/>
+              <a:buChar char="•"/>
+              <a:defRPr sz="1800" kern="1200">
+                <a:solidFill>
+                  <a:schemeClr val="tx1"/>
+                </a:solidFill>
+                <a:latin typeface="+mn-lt"/>
+                <a:ea typeface="+mn-ea"/>
+                <a:cs typeface="+mn-cs"/>
+              </a:defRPr>
+            </a:lvl5pPr>
+            <a:lvl6pPr marL="2514600" indent="-228600" algn="l" defTabSz="914400" rtl="0" eaLnBrk="1" latinLnBrk="0" hangingPunct="1">
+              <a:lnSpc>
+                <a:spcPct val="90000"/>
+              </a:lnSpc>
+              <a:spcBef>
+                <a:spcPts val="500"/>
+              </a:spcBef>
+              <a:buFont typeface="Arial" panose="020B0604020202020204" pitchFamily="34" charset="0"/>
+              <a:buChar char="•"/>
+              <a:defRPr sz="1800" kern="1200">
+                <a:solidFill>
+                  <a:schemeClr val="tx1"/>
+                </a:solidFill>
+                <a:latin typeface="+mn-lt"/>
+                <a:ea typeface="+mn-ea"/>
+                <a:cs typeface="+mn-cs"/>
+              </a:defRPr>
+            </a:lvl6pPr>
+            <a:lvl7pPr marL="2971800" indent="-228600" algn="l" defTabSz="914400" rtl="0" eaLnBrk="1" latinLnBrk="0" hangingPunct="1">
+              <a:lnSpc>
+                <a:spcPct val="90000"/>
+              </a:lnSpc>
+              <a:spcBef>
+                <a:spcPts val="500"/>
+              </a:spcBef>
+              <a:buFont typeface="Arial" panose="020B0604020202020204" pitchFamily="34" charset="0"/>
+              <a:buChar char="•"/>
+              <a:defRPr sz="1800" kern="1200">
+                <a:solidFill>
+                  <a:schemeClr val="tx1"/>
+                </a:solidFill>
+                <a:latin typeface="+mn-lt"/>
+                <a:ea typeface="+mn-ea"/>
+                <a:cs typeface="+mn-cs"/>
+              </a:defRPr>
+            </a:lvl7pPr>
+            <a:lvl8pPr marL="3429000" indent="-228600" algn="l" defTabSz="914400" rtl="0" eaLnBrk="1" latinLnBrk="0" hangingPunct="1">
+              <a:lnSpc>
+                <a:spcPct val="90000"/>
+              </a:lnSpc>
+              <a:spcBef>
+                <a:spcPts val="500"/>
+              </a:spcBef>
+              <a:buFont typeface="Arial" panose="020B0604020202020204" pitchFamily="34" charset="0"/>
+              <a:buChar char="•"/>
+              <a:defRPr sz="1800" kern="1200">
+                <a:solidFill>
+                  <a:schemeClr val="tx1"/>
+                </a:solidFill>
+                <a:latin typeface="+mn-lt"/>
+                <a:ea typeface="+mn-ea"/>
+                <a:cs typeface="+mn-cs"/>
+              </a:defRPr>
+            </a:lvl8pPr>
+            <a:lvl9pPr marL="3886200" indent="-228600" algn="l" defTabSz="914400" rtl="0" eaLnBrk="1" latinLnBrk="0" hangingPunct="1">
+              <a:lnSpc>
+                <a:spcPct val="90000"/>
+              </a:lnSpc>
+              <a:spcBef>
+                <a:spcPts val="500"/>
+              </a:spcBef>
+              <a:buFont typeface="Arial" panose="020B0604020202020204" pitchFamily="34" charset="0"/>
+              <a:buChar char="•"/>
+              <a:defRPr sz="1800" kern="1200">
+                <a:solidFill>
+                  <a:schemeClr val="tx1"/>
+                </a:solidFill>
+                <a:latin typeface="+mn-lt"/>
+                <a:ea typeface="+mn-ea"/>
+                <a:cs typeface="+mn-cs"/>
+              </a:defRPr>
+            </a:lvl9pPr>
+          </a:lstStyle>
+          <a:p>
+            <a:pPr marL="0" indent="0">
+              <a:buNone/>
+            </a:pPr>
+            <a:r>
+              <a:rPr lang="en-US" sz="2400" b="1" dirty="0">
+                <a:solidFill>
+                  <a:schemeClr val="bg1"/>
+                </a:solidFill>
+              </a:rPr>
+              <a:t>Year and quarter frequency:</a:t>
+            </a:r>
+          </a:p>
+        </p:txBody>
+      </p:sp>
+      <p:pic>
+        <p:nvPicPr>
+          <p:cNvPr id="4" name="Picture 3" descr="A graph showing the growth of a number of people&#10;&#10;Description automatically generated">
+            <a:extLst>
+              <a:ext uri="{FF2B5EF4-FFF2-40B4-BE49-F238E27FC236}">
+                <a16:creationId xmlns:a16="http://schemas.microsoft.com/office/drawing/2014/main" id="{40484E69-3FA0-827F-EFB6-26710D0E88B4}"/>
+              </a:ext>
+            </a:extLst>
+          </p:cNvPr>
+          <p:cNvPicPr>
+            <a:picLocks noChangeAspect="1"/>
+          </p:cNvPicPr>
+          <p:nvPr/>
+        </p:nvPicPr>
+        <p:blipFill>
+          <a:blip r:embed="rId2"/>
+          <a:stretch>
+            <a:fillRect/>
+          </a:stretch>
+        </p:blipFill>
+        <p:spPr>
+          <a:xfrm>
+            <a:off x="1644406" y="2108200"/>
+            <a:ext cx="8814288" cy="4572000"/>
+          </a:xfrm>
+          <a:prstGeom prst="rect">
+            <a:avLst/>
+          </a:prstGeom>
+        </p:spPr>
+      </p:pic>
+    </p:spTree>
+    <p:extLst>
+      <p:ext uri="{BB962C8B-B14F-4D97-AF65-F5344CB8AC3E}">
+        <p14:creationId xmlns:p14="http://schemas.microsoft.com/office/powerpoint/2010/main" val="3322300142"/>
+      </p:ext>
+    </p:extLst>
+  </p:cSld>
+  <p:clrMapOvr>
+    <a:masterClrMapping/>
+  </p:clrMapOvr>
+  <mc:AlternateContent xmlns:mc="http://schemas.openxmlformats.org/markup-compatibility/2006" xmlns:p14="http://schemas.microsoft.com/office/powerpoint/2010/main">
+    <mc:Choice Requires="p14">
+      <p:transition spd="med" p14:dur="700">
+        <p:fade/>
+      </p:transition>
+    </mc:Choice>
+    <mc:Fallback xmlns="">
+      <p:transition spd="med">
+        <p:fade/>
+      </p:transition>
+    </mc:Fallback>
+  </mc:AlternateContent>
+</p:sld>
+</file>
+
+<file path=ppt/slides/slide15.xml><?xml version="1.0" encoding="utf-8"?>
+<p:sld xmlns:a="http://schemas.openxmlformats.org/drawingml/2006/main" xmlns:r="http://schemas.openxmlformats.org/officeDocument/2006/relationships" xmlns:p="http://schemas.openxmlformats.org/presentationml/2006/main">
+  <p:cSld>
+    <p:spTree>
+      <p:nvGrpSpPr>
+        <p:cNvPr id="1" name=""/>
+        <p:cNvGrpSpPr/>
+        <p:nvPr/>
+      </p:nvGrpSpPr>
+      <p:grpSpPr>
+        <a:xfrm>
+          <a:off x="0" y="0"/>
+          <a:ext cx="0" cy="0"/>
+          <a:chOff x="0" y="0"/>
+          <a:chExt cx="0" cy="0"/>
+        </a:xfrm>
+      </p:grpSpPr>
+      <p:sp>
+        <p:nvSpPr>
+          <p:cNvPr id="5" name="Title 4">
+            <a:extLst>
+              <a:ext uri="{FF2B5EF4-FFF2-40B4-BE49-F238E27FC236}">
+                <a16:creationId xmlns:a16="http://schemas.microsoft.com/office/drawing/2014/main" id="{201323FB-427E-4A8D-B473-AB0657D8D23B}"/>
+              </a:ext>
+            </a:extLst>
+          </p:cNvPr>
+          <p:cNvSpPr>
+            <a:spLocks noGrp="1"/>
+          </p:cNvSpPr>
+          <p:nvPr>
+            <p:ph type="title"/>
+          </p:nvPr>
+        </p:nvSpPr>
+        <p:spPr/>
+        <p:txBody>
+          <a:bodyPr/>
+          <a:lstStyle/>
+          <a:p>
+            <a:r>
+              <a:rPr lang="en-US" dirty="0"/>
+              <a:t>Frequency Analysis</a:t>
+            </a:r>
+          </a:p>
+        </p:txBody>
+      </p:sp>
+      <p:sp>
+        <p:nvSpPr>
+          <p:cNvPr id="2" name="Slide Number Placeholder 1">
+            <a:extLst>
+              <a:ext uri="{FF2B5EF4-FFF2-40B4-BE49-F238E27FC236}">
+                <a16:creationId xmlns:a16="http://schemas.microsoft.com/office/drawing/2014/main" id="{E4398C1C-6656-4A73-A680-62A81CDC27FD}"/>
+              </a:ext>
+            </a:extLst>
+          </p:cNvPr>
+          <p:cNvSpPr>
+            <a:spLocks noGrp="1"/>
+          </p:cNvSpPr>
+          <p:nvPr>
+            <p:ph type="sldNum" sz="quarter" idx="12"/>
+          </p:nvPr>
+        </p:nvSpPr>
+        <p:spPr/>
+        <p:txBody>
+          <a:bodyPr/>
+          <a:lstStyle/>
+          <a:p>
+            <a:fld id="{C263D6C4-4840-40CC-AC84-17E24B3B7BDE}" type="slidenum">
+              <a:rPr lang="en-US" smtClean="0"/>
+              <a:pPr/>
+              <a:t>15</a:t>
             </a:fld>
             <a:endParaRPr lang="en-US" dirty="0"/>
           </a:p>
@@ -28146,7 +28947,7 @@
 </p:sld>
 </file>
 
-<file path=ppt/slides/slide15.xml><?xml version="1.0" encoding="utf-8"?>
+<file path=ppt/slides/slide16.xml><?xml version="1.0" encoding="utf-8"?>
 <p:sld xmlns:a="http://schemas.openxmlformats.org/drawingml/2006/main" xmlns:r="http://schemas.openxmlformats.org/officeDocument/2006/relationships" xmlns:p="http://schemas.openxmlformats.org/presentationml/2006/main">
   <p:cSld>
     <p:spTree>
@@ -28215,7 +29016,7 @@
             <a:fld id="{C263D6C4-4840-40CC-AC84-17E24B3B7BDE}" type="slidenum">
               <a:rPr lang="en-US" smtClean="0"/>
               <a:pPr/>
-              <a:t>15</a:t>
+              <a:t>16</a:t>
             </a:fld>
             <a:endParaRPr lang="en-US" dirty="0"/>
           </a:p>
@@ -28714,681 +29515,6 @@
     <p:extLst>
       <p:ext uri="{BB962C8B-B14F-4D97-AF65-F5344CB8AC3E}">
         <p14:creationId xmlns:p14="http://schemas.microsoft.com/office/powerpoint/2010/main" val="514571179"/>
-      </p:ext>
-    </p:extLst>
-  </p:cSld>
-  <p:clrMapOvr>
-    <a:masterClrMapping/>
-  </p:clrMapOvr>
-  <mc:AlternateContent xmlns:mc="http://schemas.openxmlformats.org/markup-compatibility/2006" xmlns:p14="http://schemas.microsoft.com/office/powerpoint/2010/main">
-    <mc:Choice Requires="p14">
-      <p:transition spd="med" p14:dur="700">
-        <p:fade/>
-      </p:transition>
-    </mc:Choice>
-    <mc:Fallback xmlns="">
-      <p:transition spd="med">
-        <p:fade/>
-      </p:transition>
-    </mc:Fallback>
-  </mc:AlternateContent>
-  <p:timing>
-    <p:tnLst>
-      <p:par>
-        <p:cTn id="1" dur="indefinite" restart="never" nodeType="tmRoot">
-          <p:childTnLst>
-            <p:seq concurrent="1" nextAc="seek">
-              <p:cTn id="2" dur="indefinite" nodeType="mainSeq">
-                <p:childTnLst>
-                  <p:par>
-                    <p:cTn id="3" fill="hold">
-                      <p:stCondLst>
-                        <p:cond delay="indefinite"/>
-                      </p:stCondLst>
-                      <p:childTnLst>
-                        <p:par>
-                          <p:cTn id="4" fill="hold">
-                            <p:stCondLst>
-                              <p:cond delay="0"/>
-                            </p:stCondLst>
-                            <p:childTnLst>
-                              <p:par>
-                                <p:cTn id="5" presetID="10" presetClass="entr" presetSubtype="0" fill="hold" grpId="0" nodeType="clickEffect">
-                                  <p:stCondLst>
-                                    <p:cond delay="0"/>
-                                  </p:stCondLst>
-                                  <p:childTnLst>
-                                    <p:set>
-                                      <p:cBhvr>
-                                        <p:cTn id="6" dur="1" fill="hold">
-                                          <p:stCondLst>
-                                            <p:cond delay="0"/>
-                                          </p:stCondLst>
-                                        </p:cTn>
-                                        <p:tgtEl>
-                                          <p:spTgt spid="7"/>
-                                        </p:tgtEl>
-                                        <p:attrNameLst>
-                                          <p:attrName>style.visibility</p:attrName>
-                                        </p:attrNameLst>
-                                      </p:cBhvr>
-                                      <p:to>
-                                        <p:strVal val="visible"/>
-                                      </p:to>
-                                    </p:set>
-                                    <p:animEffect transition="in" filter="fade">
-                                      <p:cBhvr>
-                                        <p:cTn id="7" dur="500"/>
-                                        <p:tgtEl>
-                                          <p:spTgt spid="7"/>
-                                        </p:tgtEl>
-                                      </p:cBhvr>
-                                    </p:animEffect>
-                                  </p:childTnLst>
-                                </p:cTn>
-                              </p:par>
-                            </p:childTnLst>
-                          </p:cTn>
-                        </p:par>
-                      </p:childTnLst>
-                    </p:cTn>
-                  </p:par>
-                </p:childTnLst>
-              </p:cTn>
-              <p:prevCondLst>
-                <p:cond evt="onPrev" delay="0">
-                  <p:tgtEl>
-                    <p:sldTgt/>
-                  </p:tgtEl>
-                </p:cond>
-              </p:prevCondLst>
-              <p:nextCondLst>
-                <p:cond evt="onNext" delay="0">
-                  <p:tgtEl>
-                    <p:sldTgt/>
-                  </p:tgtEl>
-                </p:cond>
-              </p:nextCondLst>
-            </p:seq>
-          </p:childTnLst>
-        </p:cTn>
-      </p:par>
-    </p:tnLst>
-    <p:bldLst>
-      <p:bldP spid="7" grpId="0"/>
-    </p:bldLst>
-  </p:timing>
-</p:sld>
-</file>
-
-<file path=ppt/slides/slide16.xml><?xml version="1.0" encoding="utf-8"?>
-<p:sld xmlns:a="http://schemas.openxmlformats.org/drawingml/2006/main" xmlns:r="http://schemas.openxmlformats.org/officeDocument/2006/relationships" xmlns:p="http://schemas.openxmlformats.org/presentationml/2006/main">
-  <p:cSld>
-    <p:spTree>
-      <p:nvGrpSpPr>
-        <p:cNvPr id="1" name=""/>
-        <p:cNvGrpSpPr/>
-        <p:nvPr/>
-      </p:nvGrpSpPr>
-      <p:grpSpPr>
-        <a:xfrm>
-          <a:off x="0" y="0"/>
-          <a:ext cx="0" cy="0"/>
-          <a:chOff x="0" y="0"/>
-          <a:chExt cx="0" cy="0"/>
-        </a:xfrm>
-      </p:grpSpPr>
-      <p:sp>
-        <p:nvSpPr>
-          <p:cNvPr id="5" name="Title 4">
-            <a:extLst>
-              <a:ext uri="{FF2B5EF4-FFF2-40B4-BE49-F238E27FC236}">
-                <a16:creationId xmlns:a16="http://schemas.microsoft.com/office/drawing/2014/main" id="{201323FB-427E-4A8D-B473-AB0657D8D23B}"/>
-              </a:ext>
-            </a:extLst>
-          </p:cNvPr>
-          <p:cNvSpPr>
-            <a:spLocks noGrp="1"/>
-          </p:cNvSpPr>
-          <p:nvPr>
-            <p:ph type="title"/>
-          </p:nvPr>
-        </p:nvSpPr>
-        <p:spPr/>
-        <p:txBody>
-          <a:bodyPr/>
-          <a:lstStyle/>
-          <a:p>
-            <a:r>
-              <a:rPr lang="en-US" dirty="0"/>
-              <a:t>Frequency Analysis</a:t>
-            </a:r>
-          </a:p>
-        </p:txBody>
-      </p:sp>
-      <p:sp>
-        <p:nvSpPr>
-          <p:cNvPr id="2" name="Slide Number Placeholder 1">
-            <a:extLst>
-              <a:ext uri="{FF2B5EF4-FFF2-40B4-BE49-F238E27FC236}">
-                <a16:creationId xmlns:a16="http://schemas.microsoft.com/office/drawing/2014/main" id="{E4398C1C-6656-4A73-A680-62A81CDC27FD}"/>
-              </a:ext>
-            </a:extLst>
-          </p:cNvPr>
-          <p:cNvSpPr>
-            <a:spLocks noGrp="1"/>
-          </p:cNvSpPr>
-          <p:nvPr>
-            <p:ph type="sldNum" sz="quarter" idx="12"/>
-          </p:nvPr>
-        </p:nvSpPr>
-        <p:spPr/>
-        <p:txBody>
-          <a:bodyPr/>
-          <a:lstStyle/>
-          <a:p>
-            <a:fld id="{C263D6C4-4840-40CC-AC84-17E24B3B7BDE}" type="slidenum">
-              <a:rPr lang="en-US" smtClean="0"/>
-              <a:pPr/>
-              <a:t>16</a:t>
-            </a:fld>
-            <a:endParaRPr lang="en-US" dirty="0"/>
-          </a:p>
-        </p:txBody>
-      </p:sp>
-      <p:sp>
-        <p:nvSpPr>
-          <p:cNvPr id="8" name="Text Placeholder 6">
-            <a:extLst>
-              <a:ext uri="{FF2B5EF4-FFF2-40B4-BE49-F238E27FC236}">
-                <a16:creationId xmlns:a16="http://schemas.microsoft.com/office/drawing/2014/main" id="{A4470379-74BB-261F-0DEA-B1F4BBEF2897}"/>
-              </a:ext>
-            </a:extLst>
-          </p:cNvPr>
-          <p:cNvSpPr txBox="1">
-            <a:spLocks/>
-          </p:cNvSpPr>
-          <p:nvPr/>
-        </p:nvSpPr>
-        <p:spPr>
-          <a:xfrm>
-            <a:off x="444500" y="1681163"/>
-            <a:ext cx="5427980" cy="696277"/>
-          </a:xfrm>
-          <a:prstGeom prst="rect">
-            <a:avLst/>
-          </a:prstGeom>
-        </p:spPr>
-        <p:txBody>
-          <a:bodyPr>
-            <a:normAutofit lnSpcReduction="10000"/>
-          </a:bodyPr>
-          <a:lstStyle>
-            <a:lvl1pPr marL="228600" indent="-228600" algn="l" defTabSz="914400" rtl="0" eaLnBrk="1" latinLnBrk="0" hangingPunct="1">
-              <a:lnSpc>
-                <a:spcPct val="90000"/>
-              </a:lnSpc>
-              <a:spcBef>
-                <a:spcPts val="1000"/>
-              </a:spcBef>
-              <a:buClr>
-                <a:schemeClr val="accent2"/>
-              </a:buClr>
-              <a:buFont typeface="Arial" panose="020B0604020202020204" pitchFamily="34" charset="0"/>
-              <a:buChar char="•"/>
-              <a:defRPr sz="2800" kern="1200">
-                <a:solidFill>
-                  <a:schemeClr val="tx1"/>
-                </a:solidFill>
-                <a:latin typeface="+mn-lt"/>
-                <a:ea typeface="+mn-ea"/>
-                <a:cs typeface="+mn-cs"/>
-              </a:defRPr>
-            </a:lvl1pPr>
-            <a:lvl2pPr marL="685800" indent="-228600" algn="l" defTabSz="914400" rtl="0" eaLnBrk="1" latinLnBrk="0" hangingPunct="1">
-              <a:lnSpc>
-                <a:spcPct val="90000"/>
-              </a:lnSpc>
-              <a:spcBef>
-                <a:spcPts val="500"/>
-              </a:spcBef>
-              <a:buClr>
-                <a:schemeClr val="accent2"/>
-              </a:buClr>
-              <a:buFont typeface="Arial" panose="020B0604020202020204" pitchFamily="34" charset="0"/>
-              <a:buChar char="•"/>
-              <a:defRPr sz="2400" kern="1200">
-                <a:solidFill>
-                  <a:schemeClr val="tx1"/>
-                </a:solidFill>
-                <a:latin typeface="+mn-lt"/>
-                <a:ea typeface="+mn-ea"/>
-                <a:cs typeface="+mn-cs"/>
-              </a:defRPr>
-            </a:lvl2pPr>
-            <a:lvl3pPr marL="1143000" indent="-228600" algn="l" defTabSz="914400" rtl="0" eaLnBrk="1" latinLnBrk="0" hangingPunct="1">
-              <a:lnSpc>
-                <a:spcPct val="90000"/>
-              </a:lnSpc>
-              <a:spcBef>
-                <a:spcPts val="500"/>
-              </a:spcBef>
-              <a:buClr>
-                <a:schemeClr val="accent2"/>
-              </a:buClr>
-              <a:buFont typeface="Arial" panose="020B0604020202020204" pitchFamily="34" charset="0"/>
-              <a:buChar char="•"/>
-              <a:defRPr sz="2000" kern="1200">
-                <a:solidFill>
-                  <a:schemeClr val="tx1"/>
-                </a:solidFill>
-                <a:latin typeface="+mn-lt"/>
-                <a:ea typeface="+mn-ea"/>
-                <a:cs typeface="+mn-cs"/>
-              </a:defRPr>
-            </a:lvl3pPr>
-            <a:lvl4pPr marL="1600200" indent="-228600" algn="l" defTabSz="914400" rtl="0" eaLnBrk="1" latinLnBrk="0" hangingPunct="1">
-              <a:lnSpc>
-                <a:spcPct val="90000"/>
-              </a:lnSpc>
-              <a:spcBef>
-                <a:spcPts val="500"/>
-              </a:spcBef>
-              <a:buClr>
-                <a:schemeClr val="accent2"/>
-              </a:buClr>
-              <a:buFont typeface="Arial" panose="020B0604020202020204" pitchFamily="34" charset="0"/>
-              <a:buChar char="•"/>
-              <a:defRPr sz="1800" kern="1200">
-                <a:solidFill>
-                  <a:schemeClr val="tx1"/>
-                </a:solidFill>
-                <a:latin typeface="+mn-lt"/>
-                <a:ea typeface="+mn-ea"/>
-                <a:cs typeface="+mn-cs"/>
-              </a:defRPr>
-            </a:lvl4pPr>
-            <a:lvl5pPr marL="2057400" indent="-228600" algn="l" defTabSz="914400" rtl="0" eaLnBrk="1" latinLnBrk="0" hangingPunct="1">
-              <a:lnSpc>
-                <a:spcPct val="90000"/>
-              </a:lnSpc>
-              <a:spcBef>
-                <a:spcPts val="500"/>
-              </a:spcBef>
-              <a:buClr>
-                <a:schemeClr val="accent2"/>
-              </a:buClr>
-              <a:buFont typeface="Arial" panose="020B0604020202020204" pitchFamily="34" charset="0"/>
-              <a:buChar char="•"/>
-              <a:defRPr sz="1800" kern="1200">
-                <a:solidFill>
-                  <a:schemeClr val="tx1"/>
-                </a:solidFill>
-                <a:latin typeface="+mn-lt"/>
-                <a:ea typeface="+mn-ea"/>
-                <a:cs typeface="+mn-cs"/>
-              </a:defRPr>
-            </a:lvl5pPr>
-            <a:lvl6pPr marL="2514600" indent="-228600" algn="l" defTabSz="914400" rtl="0" eaLnBrk="1" latinLnBrk="0" hangingPunct="1">
-              <a:lnSpc>
-                <a:spcPct val="90000"/>
-              </a:lnSpc>
-              <a:spcBef>
-                <a:spcPts val="500"/>
-              </a:spcBef>
-              <a:buFont typeface="Arial" panose="020B0604020202020204" pitchFamily="34" charset="0"/>
-              <a:buChar char="•"/>
-              <a:defRPr sz="1800" kern="1200">
-                <a:solidFill>
-                  <a:schemeClr val="tx1"/>
-                </a:solidFill>
-                <a:latin typeface="+mn-lt"/>
-                <a:ea typeface="+mn-ea"/>
-                <a:cs typeface="+mn-cs"/>
-              </a:defRPr>
-            </a:lvl6pPr>
-            <a:lvl7pPr marL="2971800" indent="-228600" algn="l" defTabSz="914400" rtl="0" eaLnBrk="1" latinLnBrk="0" hangingPunct="1">
-              <a:lnSpc>
-                <a:spcPct val="90000"/>
-              </a:lnSpc>
-              <a:spcBef>
-                <a:spcPts val="500"/>
-              </a:spcBef>
-              <a:buFont typeface="Arial" panose="020B0604020202020204" pitchFamily="34" charset="0"/>
-              <a:buChar char="•"/>
-              <a:defRPr sz="1800" kern="1200">
-                <a:solidFill>
-                  <a:schemeClr val="tx1"/>
-                </a:solidFill>
-                <a:latin typeface="+mn-lt"/>
-                <a:ea typeface="+mn-ea"/>
-                <a:cs typeface="+mn-cs"/>
-              </a:defRPr>
-            </a:lvl7pPr>
-            <a:lvl8pPr marL="3429000" indent="-228600" algn="l" defTabSz="914400" rtl="0" eaLnBrk="1" latinLnBrk="0" hangingPunct="1">
-              <a:lnSpc>
-                <a:spcPct val="90000"/>
-              </a:lnSpc>
-              <a:spcBef>
-                <a:spcPts val="500"/>
-              </a:spcBef>
-              <a:buFont typeface="Arial" panose="020B0604020202020204" pitchFamily="34" charset="0"/>
-              <a:buChar char="•"/>
-              <a:defRPr sz="1800" kern="1200">
-                <a:solidFill>
-                  <a:schemeClr val="tx1"/>
-                </a:solidFill>
-                <a:latin typeface="+mn-lt"/>
-                <a:ea typeface="+mn-ea"/>
-                <a:cs typeface="+mn-cs"/>
-              </a:defRPr>
-            </a:lvl8pPr>
-            <a:lvl9pPr marL="3886200" indent="-228600" algn="l" defTabSz="914400" rtl="0" eaLnBrk="1" latinLnBrk="0" hangingPunct="1">
-              <a:lnSpc>
-                <a:spcPct val="90000"/>
-              </a:lnSpc>
-              <a:spcBef>
-                <a:spcPts val="500"/>
-              </a:spcBef>
-              <a:buFont typeface="Arial" panose="020B0604020202020204" pitchFamily="34" charset="0"/>
-              <a:buChar char="•"/>
-              <a:defRPr sz="1800" kern="1200">
-                <a:solidFill>
-                  <a:schemeClr val="tx1"/>
-                </a:solidFill>
-                <a:latin typeface="+mn-lt"/>
-                <a:ea typeface="+mn-ea"/>
-                <a:cs typeface="+mn-cs"/>
-              </a:defRPr>
-            </a:lvl9pPr>
-          </a:lstStyle>
-          <a:p>
-            <a:pPr marL="0" indent="0">
-              <a:buNone/>
-            </a:pPr>
-            <a:r>
-              <a:rPr lang="en-US" sz="2400" b="1" dirty="0">
-                <a:solidFill>
-                  <a:schemeClr val="bg1"/>
-                </a:solidFill>
-              </a:rPr>
-              <a:t>Frequency distribution of (#) of platforms</a:t>
-            </a:r>
-          </a:p>
-        </p:txBody>
-      </p:sp>
-      <p:sp>
-        <p:nvSpPr>
-          <p:cNvPr id="7" name="Text Placeholder 7">
-            <a:extLst>
-              <a:ext uri="{FF2B5EF4-FFF2-40B4-BE49-F238E27FC236}">
-                <a16:creationId xmlns:a16="http://schemas.microsoft.com/office/drawing/2014/main" id="{C33FF031-F4B7-2F9D-7EF1-E336071B0239}"/>
-              </a:ext>
-            </a:extLst>
-          </p:cNvPr>
-          <p:cNvSpPr txBox="1">
-            <a:spLocks/>
-          </p:cNvSpPr>
-          <p:nvPr/>
-        </p:nvSpPr>
-        <p:spPr>
-          <a:xfrm>
-            <a:off x="444500" y="2184400"/>
-            <a:ext cx="5157787" cy="4378960"/>
-          </a:xfrm>
-          <a:prstGeom prst="rect">
-            <a:avLst/>
-          </a:prstGeom>
-        </p:spPr>
-        <p:txBody>
-          <a:bodyPr vert="horz" lIns="91440" tIns="45720" rIns="91440" bIns="45720" rtlCol="0">
-            <a:normAutofit/>
-          </a:bodyPr>
-          <a:lstStyle>
-            <a:lvl1pPr marL="228600" indent="-228600" algn="l" defTabSz="914400" rtl="0" eaLnBrk="1" latinLnBrk="0" hangingPunct="1">
-              <a:lnSpc>
-                <a:spcPct val="90000"/>
-              </a:lnSpc>
-              <a:spcBef>
-                <a:spcPts val="1000"/>
-              </a:spcBef>
-              <a:buClr>
-                <a:schemeClr val="accent2"/>
-              </a:buClr>
-              <a:buFont typeface="Arial" panose="020B0604020202020204" pitchFamily="34" charset="0"/>
-              <a:buChar char="•"/>
-              <a:defRPr sz="1800" kern="1200">
-                <a:solidFill>
-                  <a:schemeClr val="bg1"/>
-                </a:solidFill>
-                <a:latin typeface="+mn-lt"/>
-                <a:ea typeface="+mn-ea"/>
-                <a:cs typeface="+mn-cs"/>
-              </a:defRPr>
-            </a:lvl1pPr>
-            <a:lvl2pPr marL="685800" indent="-228600" algn="l" defTabSz="914400" rtl="0" eaLnBrk="1" latinLnBrk="0" hangingPunct="1">
-              <a:lnSpc>
-                <a:spcPct val="90000"/>
-              </a:lnSpc>
-              <a:spcBef>
-                <a:spcPts val="500"/>
-              </a:spcBef>
-              <a:buClr>
-                <a:schemeClr val="accent2"/>
-              </a:buClr>
-              <a:buFont typeface="Arial" panose="020B0604020202020204" pitchFamily="34" charset="0"/>
-              <a:buChar char="•"/>
-              <a:defRPr sz="1600" kern="1200">
-                <a:solidFill>
-                  <a:schemeClr val="bg1"/>
-                </a:solidFill>
-                <a:latin typeface="+mn-lt"/>
-                <a:ea typeface="+mn-ea"/>
-                <a:cs typeface="+mn-cs"/>
-              </a:defRPr>
-            </a:lvl2pPr>
-            <a:lvl3pPr marL="1143000" indent="-228600" algn="l" defTabSz="914400" rtl="0" eaLnBrk="1" latinLnBrk="0" hangingPunct="1">
-              <a:lnSpc>
-                <a:spcPct val="90000"/>
-              </a:lnSpc>
-              <a:spcBef>
-                <a:spcPts val="500"/>
-              </a:spcBef>
-              <a:buClr>
-                <a:schemeClr val="accent2"/>
-              </a:buClr>
-              <a:buFont typeface="Arial" panose="020B0604020202020204" pitchFamily="34" charset="0"/>
-              <a:buChar char="•"/>
-              <a:defRPr sz="1400" kern="1200">
-                <a:solidFill>
-                  <a:schemeClr val="bg1"/>
-                </a:solidFill>
-                <a:latin typeface="+mn-lt"/>
-                <a:ea typeface="+mn-ea"/>
-                <a:cs typeface="+mn-cs"/>
-              </a:defRPr>
-            </a:lvl3pPr>
-            <a:lvl4pPr marL="1600200" indent="-228600" algn="l" defTabSz="914400" rtl="0" eaLnBrk="1" latinLnBrk="0" hangingPunct="1">
-              <a:lnSpc>
-                <a:spcPct val="90000"/>
-              </a:lnSpc>
-              <a:spcBef>
-                <a:spcPts val="500"/>
-              </a:spcBef>
-              <a:buClr>
-                <a:schemeClr val="accent2"/>
-              </a:buClr>
-              <a:buFont typeface="Arial" panose="020B0604020202020204" pitchFamily="34" charset="0"/>
-              <a:buChar char="•"/>
-              <a:defRPr sz="1200" kern="1200">
-                <a:solidFill>
-                  <a:schemeClr val="bg1"/>
-                </a:solidFill>
-                <a:latin typeface="+mn-lt"/>
-                <a:ea typeface="+mn-ea"/>
-                <a:cs typeface="+mn-cs"/>
-              </a:defRPr>
-            </a:lvl4pPr>
-            <a:lvl5pPr marL="2057400" indent="-228600" algn="l" defTabSz="914400" rtl="0" eaLnBrk="1" latinLnBrk="0" hangingPunct="1">
-              <a:lnSpc>
-                <a:spcPct val="90000"/>
-              </a:lnSpc>
-              <a:spcBef>
-                <a:spcPts val="500"/>
-              </a:spcBef>
-              <a:buClr>
-                <a:schemeClr val="accent2"/>
-              </a:buClr>
-              <a:buFont typeface="Arial" panose="020B0604020202020204" pitchFamily="34" charset="0"/>
-              <a:buChar char="•"/>
-              <a:defRPr sz="1200" kern="1200">
-                <a:solidFill>
-                  <a:schemeClr val="bg1"/>
-                </a:solidFill>
-                <a:latin typeface="+mn-lt"/>
-                <a:ea typeface="+mn-ea"/>
-                <a:cs typeface="+mn-cs"/>
-              </a:defRPr>
-            </a:lvl5pPr>
-            <a:lvl6pPr marL="2514600" indent="-228600" algn="l" defTabSz="914400" rtl="0" eaLnBrk="1" latinLnBrk="0" hangingPunct="1">
-              <a:lnSpc>
-                <a:spcPct val="90000"/>
-              </a:lnSpc>
-              <a:spcBef>
-                <a:spcPts val="500"/>
-              </a:spcBef>
-              <a:buFont typeface="Arial" panose="020B0604020202020204" pitchFamily="34" charset="0"/>
-              <a:buChar char="•"/>
-              <a:defRPr sz="1800" kern="1200">
-                <a:solidFill>
-                  <a:schemeClr val="tx1"/>
-                </a:solidFill>
-                <a:latin typeface="+mn-lt"/>
-                <a:ea typeface="+mn-ea"/>
-                <a:cs typeface="+mn-cs"/>
-              </a:defRPr>
-            </a:lvl6pPr>
-            <a:lvl7pPr marL="2971800" indent="-228600" algn="l" defTabSz="914400" rtl="0" eaLnBrk="1" latinLnBrk="0" hangingPunct="1">
-              <a:lnSpc>
-                <a:spcPct val="90000"/>
-              </a:lnSpc>
-              <a:spcBef>
-                <a:spcPts val="500"/>
-              </a:spcBef>
-              <a:buFont typeface="Arial" panose="020B0604020202020204" pitchFamily="34" charset="0"/>
-              <a:buChar char="•"/>
-              <a:defRPr sz="1800" kern="1200">
-                <a:solidFill>
-                  <a:schemeClr val="tx1"/>
-                </a:solidFill>
-                <a:latin typeface="+mn-lt"/>
-                <a:ea typeface="+mn-ea"/>
-                <a:cs typeface="+mn-cs"/>
-              </a:defRPr>
-            </a:lvl7pPr>
-            <a:lvl8pPr marL="3429000" indent="-228600" algn="l" defTabSz="914400" rtl="0" eaLnBrk="1" latinLnBrk="0" hangingPunct="1">
-              <a:lnSpc>
-                <a:spcPct val="90000"/>
-              </a:lnSpc>
-              <a:spcBef>
-                <a:spcPts val="500"/>
-              </a:spcBef>
-              <a:buFont typeface="Arial" panose="020B0604020202020204" pitchFamily="34" charset="0"/>
-              <a:buChar char="•"/>
-              <a:defRPr sz="1800" kern="1200">
-                <a:solidFill>
-                  <a:schemeClr val="tx1"/>
-                </a:solidFill>
-                <a:latin typeface="+mn-lt"/>
-                <a:ea typeface="+mn-ea"/>
-                <a:cs typeface="+mn-cs"/>
-              </a:defRPr>
-            </a:lvl8pPr>
-            <a:lvl9pPr marL="3886200" indent="-228600" algn="l" defTabSz="914400" rtl="0" eaLnBrk="1" latinLnBrk="0" hangingPunct="1">
-              <a:lnSpc>
-                <a:spcPct val="90000"/>
-              </a:lnSpc>
-              <a:spcBef>
-                <a:spcPts val="500"/>
-              </a:spcBef>
-              <a:buFont typeface="Arial" panose="020B0604020202020204" pitchFamily="34" charset="0"/>
-              <a:buChar char="•"/>
-              <a:defRPr sz="1800" kern="1200">
-                <a:solidFill>
-                  <a:schemeClr val="tx1"/>
-                </a:solidFill>
-                <a:latin typeface="+mn-lt"/>
-                <a:ea typeface="+mn-ea"/>
-                <a:cs typeface="+mn-cs"/>
-              </a:defRPr>
-            </a:lvl9pPr>
-          </a:lstStyle>
-          <a:p>
-            <a:pPr>
-              <a:lnSpc>
-                <a:spcPct val="250000"/>
-              </a:lnSpc>
-            </a:pPr>
-            <a:r>
-              <a:rPr lang="en-US" dirty="0"/>
-              <a:t>We can see most games support a single operating system</a:t>
-            </a:r>
-          </a:p>
-          <a:p>
-            <a:pPr>
-              <a:lnSpc>
-                <a:spcPct val="250000"/>
-              </a:lnSpc>
-            </a:pPr>
-            <a:r>
-              <a:rPr lang="en-US" dirty="0"/>
-              <a:t>We can also see that the number of games supporting 2 and 3 operating systems are relatively equal</a:t>
-            </a:r>
-          </a:p>
-          <a:p>
-            <a:pPr>
-              <a:lnSpc>
-                <a:spcPct val="250000"/>
-              </a:lnSpc>
-            </a:pPr>
-            <a:endParaRPr lang="en-US" dirty="0"/>
-          </a:p>
-        </p:txBody>
-      </p:sp>
-      <p:pic>
-        <p:nvPicPr>
-          <p:cNvPr id="4" name="Picture 3" descr="A graph with different colored squares&#10;&#10;Description automatically generated">
-            <a:extLst>
-              <a:ext uri="{FF2B5EF4-FFF2-40B4-BE49-F238E27FC236}">
-                <a16:creationId xmlns:a16="http://schemas.microsoft.com/office/drawing/2014/main" id="{A2704E35-D107-DD21-F788-091B07D94BB5}"/>
-              </a:ext>
-            </a:extLst>
-          </p:cNvPr>
-          <p:cNvPicPr>
-            <a:picLocks noChangeAspect="1"/>
-          </p:cNvPicPr>
-          <p:nvPr/>
-        </p:nvPicPr>
-        <p:blipFill>
-          <a:blip r:embed="rId2"/>
-          <a:stretch>
-            <a:fillRect/>
-          </a:stretch>
-        </p:blipFill>
-        <p:spPr>
-          <a:xfrm>
-            <a:off x="6096000" y="1589649"/>
-            <a:ext cx="5937771" cy="4572000"/>
-          </a:xfrm>
-          <a:prstGeom prst="rect">
-            <a:avLst/>
-          </a:prstGeom>
-        </p:spPr>
-      </p:pic>
-    </p:spTree>
-    <p:extLst>
-      <p:ext uri="{BB962C8B-B14F-4D97-AF65-F5344CB8AC3E}">
-        <p14:creationId xmlns:p14="http://schemas.microsoft.com/office/powerpoint/2010/main" val="234929098"/>
       </p:ext>
     </p:extLst>
   </p:cSld>
@@ -29787,7 +29913,7 @@
                   <a:schemeClr val="bg1"/>
                 </a:solidFill>
               </a:rPr>
-              <a:t>Frequency distribution of estimated owners</a:t>
+              <a:t>Frequency distribution of (#) of platforms</a:t>
             </a:r>
           </a:p>
         </p:txBody>
@@ -30006,7 +30132,7 @@
             </a:pPr>
             <a:r>
               <a:rPr lang="en-US" dirty="0"/>
-              <a:t>We can see that most of the game have between 1-20k owners</a:t>
+              <a:t>We can see most games support a single operating system</a:t>
             </a:r>
           </a:p>
           <a:p>
@@ -30017,17 +30143,25 @@
             </a:pPr>
             <a:r>
               <a:rPr lang="en-US" dirty="0"/>
-              <a:t>We can also see that having above 500k owners is rare with less than 5% of the games</a:t>
+              <a:t>We can also see that the number of games supporting 2 and 3 operating systems are relatively equal</a:t>
             </a:r>
+          </a:p>
+          <a:p>
+            <a:pPr>
+              <a:lnSpc>
+                <a:spcPct val="250000"/>
+              </a:lnSpc>
+            </a:pPr>
+            <a:endParaRPr lang="en-US" dirty="0"/>
           </a:p>
         </p:txBody>
       </p:sp>
       <p:pic>
         <p:nvPicPr>
-          <p:cNvPr id="6" name="Picture 5" descr="A graph of a number of people&#10;&#10;Description automatically generated">
+          <p:cNvPr id="4" name="Picture 3" descr="A graph with different colored squares&#10;&#10;Description automatically generated">
             <a:extLst>
               <a:ext uri="{FF2B5EF4-FFF2-40B4-BE49-F238E27FC236}">
-                <a16:creationId xmlns:a16="http://schemas.microsoft.com/office/drawing/2014/main" id="{D27D0BDB-01FE-BCE9-ED73-85FB0C8A36C4}"/>
+                <a16:creationId xmlns:a16="http://schemas.microsoft.com/office/drawing/2014/main" id="{A2704E35-D107-DD21-F788-091B07D94BB5}"/>
               </a:ext>
             </a:extLst>
           </p:cNvPr>
@@ -30044,8 +30178,8 @@
         </p:blipFill>
         <p:spPr>
           <a:xfrm>
-            <a:off x="6859910" y="1477496"/>
-            <a:ext cx="5157785" cy="4530118"/>
+            <a:off x="6096000" y="1589649"/>
+            <a:ext cx="5937771" cy="4572000"/>
           </a:xfrm>
           <a:prstGeom prst="rect">
             <a:avLst/>
@@ -30055,7 +30189,7 @@
     </p:spTree>
     <p:extLst>
       <p:ext uri="{BB962C8B-B14F-4D97-AF65-F5344CB8AC3E}">
-        <p14:creationId xmlns:p14="http://schemas.microsoft.com/office/powerpoint/2010/main" val="2818189453"/>
+        <p14:creationId xmlns:p14="http://schemas.microsoft.com/office/powerpoint/2010/main" val="234929098"/>
       </p:ext>
     </p:extLst>
   </p:cSld>
@@ -30454,6 +30588,673 @@
                   <a:schemeClr val="bg1"/>
                 </a:solidFill>
               </a:rPr>
+              <a:t>Frequency distribution of estimated owners</a:t>
+            </a:r>
+          </a:p>
+        </p:txBody>
+      </p:sp>
+      <p:sp>
+        <p:nvSpPr>
+          <p:cNvPr id="7" name="Text Placeholder 7">
+            <a:extLst>
+              <a:ext uri="{FF2B5EF4-FFF2-40B4-BE49-F238E27FC236}">
+                <a16:creationId xmlns:a16="http://schemas.microsoft.com/office/drawing/2014/main" id="{C33FF031-F4B7-2F9D-7EF1-E336071B0239}"/>
+              </a:ext>
+            </a:extLst>
+          </p:cNvPr>
+          <p:cNvSpPr txBox="1">
+            <a:spLocks/>
+          </p:cNvSpPr>
+          <p:nvPr/>
+        </p:nvSpPr>
+        <p:spPr>
+          <a:xfrm>
+            <a:off x="444500" y="2184400"/>
+            <a:ext cx="5157787" cy="4378960"/>
+          </a:xfrm>
+          <a:prstGeom prst="rect">
+            <a:avLst/>
+          </a:prstGeom>
+        </p:spPr>
+        <p:txBody>
+          <a:bodyPr vert="horz" lIns="91440" tIns="45720" rIns="91440" bIns="45720" rtlCol="0">
+            <a:normAutofit/>
+          </a:bodyPr>
+          <a:lstStyle>
+            <a:lvl1pPr marL="228600" indent="-228600" algn="l" defTabSz="914400" rtl="0" eaLnBrk="1" latinLnBrk="0" hangingPunct="1">
+              <a:lnSpc>
+                <a:spcPct val="90000"/>
+              </a:lnSpc>
+              <a:spcBef>
+                <a:spcPts val="1000"/>
+              </a:spcBef>
+              <a:buClr>
+                <a:schemeClr val="accent2"/>
+              </a:buClr>
+              <a:buFont typeface="Arial" panose="020B0604020202020204" pitchFamily="34" charset="0"/>
+              <a:buChar char="•"/>
+              <a:defRPr sz="1800" kern="1200">
+                <a:solidFill>
+                  <a:schemeClr val="bg1"/>
+                </a:solidFill>
+                <a:latin typeface="+mn-lt"/>
+                <a:ea typeface="+mn-ea"/>
+                <a:cs typeface="+mn-cs"/>
+              </a:defRPr>
+            </a:lvl1pPr>
+            <a:lvl2pPr marL="685800" indent="-228600" algn="l" defTabSz="914400" rtl="0" eaLnBrk="1" latinLnBrk="0" hangingPunct="1">
+              <a:lnSpc>
+                <a:spcPct val="90000"/>
+              </a:lnSpc>
+              <a:spcBef>
+                <a:spcPts val="500"/>
+              </a:spcBef>
+              <a:buClr>
+                <a:schemeClr val="accent2"/>
+              </a:buClr>
+              <a:buFont typeface="Arial" panose="020B0604020202020204" pitchFamily="34" charset="0"/>
+              <a:buChar char="•"/>
+              <a:defRPr sz="1600" kern="1200">
+                <a:solidFill>
+                  <a:schemeClr val="bg1"/>
+                </a:solidFill>
+                <a:latin typeface="+mn-lt"/>
+                <a:ea typeface="+mn-ea"/>
+                <a:cs typeface="+mn-cs"/>
+              </a:defRPr>
+            </a:lvl2pPr>
+            <a:lvl3pPr marL="1143000" indent="-228600" algn="l" defTabSz="914400" rtl="0" eaLnBrk="1" latinLnBrk="0" hangingPunct="1">
+              <a:lnSpc>
+                <a:spcPct val="90000"/>
+              </a:lnSpc>
+              <a:spcBef>
+                <a:spcPts val="500"/>
+              </a:spcBef>
+              <a:buClr>
+                <a:schemeClr val="accent2"/>
+              </a:buClr>
+              <a:buFont typeface="Arial" panose="020B0604020202020204" pitchFamily="34" charset="0"/>
+              <a:buChar char="•"/>
+              <a:defRPr sz="1400" kern="1200">
+                <a:solidFill>
+                  <a:schemeClr val="bg1"/>
+                </a:solidFill>
+                <a:latin typeface="+mn-lt"/>
+                <a:ea typeface="+mn-ea"/>
+                <a:cs typeface="+mn-cs"/>
+              </a:defRPr>
+            </a:lvl3pPr>
+            <a:lvl4pPr marL="1600200" indent="-228600" algn="l" defTabSz="914400" rtl="0" eaLnBrk="1" latinLnBrk="0" hangingPunct="1">
+              <a:lnSpc>
+                <a:spcPct val="90000"/>
+              </a:lnSpc>
+              <a:spcBef>
+                <a:spcPts val="500"/>
+              </a:spcBef>
+              <a:buClr>
+                <a:schemeClr val="accent2"/>
+              </a:buClr>
+              <a:buFont typeface="Arial" panose="020B0604020202020204" pitchFamily="34" charset="0"/>
+              <a:buChar char="•"/>
+              <a:defRPr sz="1200" kern="1200">
+                <a:solidFill>
+                  <a:schemeClr val="bg1"/>
+                </a:solidFill>
+                <a:latin typeface="+mn-lt"/>
+                <a:ea typeface="+mn-ea"/>
+                <a:cs typeface="+mn-cs"/>
+              </a:defRPr>
+            </a:lvl4pPr>
+            <a:lvl5pPr marL="2057400" indent="-228600" algn="l" defTabSz="914400" rtl="0" eaLnBrk="1" latinLnBrk="0" hangingPunct="1">
+              <a:lnSpc>
+                <a:spcPct val="90000"/>
+              </a:lnSpc>
+              <a:spcBef>
+                <a:spcPts val="500"/>
+              </a:spcBef>
+              <a:buClr>
+                <a:schemeClr val="accent2"/>
+              </a:buClr>
+              <a:buFont typeface="Arial" panose="020B0604020202020204" pitchFamily="34" charset="0"/>
+              <a:buChar char="•"/>
+              <a:defRPr sz="1200" kern="1200">
+                <a:solidFill>
+                  <a:schemeClr val="bg1"/>
+                </a:solidFill>
+                <a:latin typeface="+mn-lt"/>
+                <a:ea typeface="+mn-ea"/>
+                <a:cs typeface="+mn-cs"/>
+              </a:defRPr>
+            </a:lvl5pPr>
+            <a:lvl6pPr marL="2514600" indent="-228600" algn="l" defTabSz="914400" rtl="0" eaLnBrk="1" latinLnBrk="0" hangingPunct="1">
+              <a:lnSpc>
+                <a:spcPct val="90000"/>
+              </a:lnSpc>
+              <a:spcBef>
+                <a:spcPts val="500"/>
+              </a:spcBef>
+              <a:buFont typeface="Arial" panose="020B0604020202020204" pitchFamily="34" charset="0"/>
+              <a:buChar char="•"/>
+              <a:defRPr sz="1800" kern="1200">
+                <a:solidFill>
+                  <a:schemeClr val="tx1"/>
+                </a:solidFill>
+                <a:latin typeface="+mn-lt"/>
+                <a:ea typeface="+mn-ea"/>
+                <a:cs typeface="+mn-cs"/>
+              </a:defRPr>
+            </a:lvl6pPr>
+            <a:lvl7pPr marL="2971800" indent="-228600" algn="l" defTabSz="914400" rtl="0" eaLnBrk="1" latinLnBrk="0" hangingPunct="1">
+              <a:lnSpc>
+                <a:spcPct val="90000"/>
+              </a:lnSpc>
+              <a:spcBef>
+                <a:spcPts val="500"/>
+              </a:spcBef>
+              <a:buFont typeface="Arial" panose="020B0604020202020204" pitchFamily="34" charset="0"/>
+              <a:buChar char="•"/>
+              <a:defRPr sz="1800" kern="1200">
+                <a:solidFill>
+                  <a:schemeClr val="tx1"/>
+                </a:solidFill>
+                <a:latin typeface="+mn-lt"/>
+                <a:ea typeface="+mn-ea"/>
+                <a:cs typeface="+mn-cs"/>
+              </a:defRPr>
+            </a:lvl7pPr>
+            <a:lvl8pPr marL="3429000" indent="-228600" algn="l" defTabSz="914400" rtl="0" eaLnBrk="1" latinLnBrk="0" hangingPunct="1">
+              <a:lnSpc>
+                <a:spcPct val="90000"/>
+              </a:lnSpc>
+              <a:spcBef>
+                <a:spcPts val="500"/>
+              </a:spcBef>
+              <a:buFont typeface="Arial" panose="020B0604020202020204" pitchFamily="34" charset="0"/>
+              <a:buChar char="•"/>
+              <a:defRPr sz="1800" kern="1200">
+                <a:solidFill>
+                  <a:schemeClr val="tx1"/>
+                </a:solidFill>
+                <a:latin typeface="+mn-lt"/>
+                <a:ea typeface="+mn-ea"/>
+                <a:cs typeface="+mn-cs"/>
+              </a:defRPr>
+            </a:lvl8pPr>
+            <a:lvl9pPr marL="3886200" indent="-228600" algn="l" defTabSz="914400" rtl="0" eaLnBrk="1" latinLnBrk="0" hangingPunct="1">
+              <a:lnSpc>
+                <a:spcPct val="90000"/>
+              </a:lnSpc>
+              <a:spcBef>
+                <a:spcPts val="500"/>
+              </a:spcBef>
+              <a:buFont typeface="Arial" panose="020B0604020202020204" pitchFamily="34" charset="0"/>
+              <a:buChar char="•"/>
+              <a:defRPr sz="1800" kern="1200">
+                <a:solidFill>
+                  <a:schemeClr val="tx1"/>
+                </a:solidFill>
+                <a:latin typeface="+mn-lt"/>
+                <a:ea typeface="+mn-ea"/>
+                <a:cs typeface="+mn-cs"/>
+              </a:defRPr>
+            </a:lvl9pPr>
+          </a:lstStyle>
+          <a:p>
+            <a:pPr>
+              <a:lnSpc>
+                <a:spcPct val="250000"/>
+              </a:lnSpc>
+            </a:pPr>
+            <a:r>
+              <a:rPr lang="en-US" dirty="0"/>
+              <a:t>We can see that most of the game have between 1-20k owners</a:t>
+            </a:r>
+          </a:p>
+          <a:p>
+            <a:pPr>
+              <a:lnSpc>
+                <a:spcPct val="250000"/>
+              </a:lnSpc>
+            </a:pPr>
+            <a:r>
+              <a:rPr lang="en-US" dirty="0"/>
+              <a:t>We can also see that having above 500k owners is rare with less than 5% of the games</a:t>
+            </a:r>
+          </a:p>
+        </p:txBody>
+      </p:sp>
+      <p:pic>
+        <p:nvPicPr>
+          <p:cNvPr id="6" name="Picture 5" descr="A graph of a number of people&#10;&#10;Description automatically generated">
+            <a:extLst>
+              <a:ext uri="{FF2B5EF4-FFF2-40B4-BE49-F238E27FC236}">
+                <a16:creationId xmlns:a16="http://schemas.microsoft.com/office/drawing/2014/main" id="{D27D0BDB-01FE-BCE9-ED73-85FB0C8A36C4}"/>
+              </a:ext>
+            </a:extLst>
+          </p:cNvPr>
+          <p:cNvPicPr>
+            <a:picLocks noChangeAspect="1"/>
+          </p:cNvPicPr>
+          <p:nvPr/>
+        </p:nvPicPr>
+        <p:blipFill>
+          <a:blip r:embed="rId2"/>
+          <a:stretch>
+            <a:fillRect/>
+          </a:stretch>
+        </p:blipFill>
+        <p:spPr>
+          <a:xfrm>
+            <a:off x="6859910" y="1477496"/>
+            <a:ext cx="5157785" cy="4530118"/>
+          </a:xfrm>
+          <a:prstGeom prst="rect">
+            <a:avLst/>
+          </a:prstGeom>
+        </p:spPr>
+      </p:pic>
+    </p:spTree>
+    <p:extLst>
+      <p:ext uri="{BB962C8B-B14F-4D97-AF65-F5344CB8AC3E}">
+        <p14:creationId xmlns:p14="http://schemas.microsoft.com/office/powerpoint/2010/main" val="2818189453"/>
+      </p:ext>
+    </p:extLst>
+  </p:cSld>
+  <p:clrMapOvr>
+    <a:masterClrMapping/>
+  </p:clrMapOvr>
+  <mc:AlternateContent xmlns:mc="http://schemas.openxmlformats.org/markup-compatibility/2006" xmlns:p14="http://schemas.microsoft.com/office/powerpoint/2010/main">
+    <mc:Choice Requires="p14">
+      <p:transition spd="med" p14:dur="700">
+        <p:fade/>
+      </p:transition>
+    </mc:Choice>
+    <mc:Fallback xmlns="">
+      <p:transition spd="med">
+        <p:fade/>
+      </p:transition>
+    </mc:Fallback>
+  </mc:AlternateContent>
+  <p:timing>
+    <p:tnLst>
+      <p:par>
+        <p:cTn id="1" dur="indefinite" restart="never" nodeType="tmRoot">
+          <p:childTnLst>
+            <p:seq concurrent="1" nextAc="seek">
+              <p:cTn id="2" dur="indefinite" nodeType="mainSeq">
+                <p:childTnLst>
+                  <p:par>
+                    <p:cTn id="3" fill="hold">
+                      <p:stCondLst>
+                        <p:cond delay="indefinite"/>
+                      </p:stCondLst>
+                      <p:childTnLst>
+                        <p:par>
+                          <p:cTn id="4" fill="hold">
+                            <p:stCondLst>
+                              <p:cond delay="0"/>
+                            </p:stCondLst>
+                            <p:childTnLst>
+                              <p:par>
+                                <p:cTn id="5" presetID="10" presetClass="entr" presetSubtype="0" fill="hold" grpId="0" nodeType="clickEffect">
+                                  <p:stCondLst>
+                                    <p:cond delay="0"/>
+                                  </p:stCondLst>
+                                  <p:childTnLst>
+                                    <p:set>
+                                      <p:cBhvr>
+                                        <p:cTn id="6" dur="1" fill="hold">
+                                          <p:stCondLst>
+                                            <p:cond delay="0"/>
+                                          </p:stCondLst>
+                                        </p:cTn>
+                                        <p:tgtEl>
+                                          <p:spTgt spid="7"/>
+                                        </p:tgtEl>
+                                        <p:attrNameLst>
+                                          <p:attrName>style.visibility</p:attrName>
+                                        </p:attrNameLst>
+                                      </p:cBhvr>
+                                      <p:to>
+                                        <p:strVal val="visible"/>
+                                      </p:to>
+                                    </p:set>
+                                    <p:animEffect transition="in" filter="fade">
+                                      <p:cBhvr>
+                                        <p:cTn id="7" dur="500"/>
+                                        <p:tgtEl>
+                                          <p:spTgt spid="7"/>
+                                        </p:tgtEl>
+                                      </p:cBhvr>
+                                    </p:animEffect>
+                                  </p:childTnLst>
+                                </p:cTn>
+                              </p:par>
+                            </p:childTnLst>
+                          </p:cTn>
+                        </p:par>
+                      </p:childTnLst>
+                    </p:cTn>
+                  </p:par>
+                </p:childTnLst>
+              </p:cTn>
+              <p:prevCondLst>
+                <p:cond evt="onPrev" delay="0">
+                  <p:tgtEl>
+                    <p:sldTgt/>
+                  </p:tgtEl>
+                </p:cond>
+              </p:prevCondLst>
+              <p:nextCondLst>
+                <p:cond evt="onNext" delay="0">
+                  <p:tgtEl>
+                    <p:sldTgt/>
+                  </p:tgtEl>
+                </p:cond>
+              </p:nextCondLst>
+            </p:seq>
+          </p:childTnLst>
+        </p:cTn>
+      </p:par>
+    </p:tnLst>
+    <p:bldLst>
+      <p:bldP spid="7" grpId="0"/>
+    </p:bldLst>
+  </p:timing>
+</p:sld>
+</file>
+
+<file path=ppt/slides/slide19.xml><?xml version="1.0" encoding="utf-8"?>
+<p:sld xmlns:a="http://schemas.openxmlformats.org/drawingml/2006/main" xmlns:r="http://schemas.openxmlformats.org/officeDocument/2006/relationships" xmlns:p="http://schemas.openxmlformats.org/presentationml/2006/main">
+  <p:cSld>
+    <p:spTree>
+      <p:nvGrpSpPr>
+        <p:cNvPr id="1" name=""/>
+        <p:cNvGrpSpPr/>
+        <p:nvPr/>
+      </p:nvGrpSpPr>
+      <p:grpSpPr>
+        <a:xfrm>
+          <a:off x="0" y="0"/>
+          <a:ext cx="0" cy="0"/>
+          <a:chOff x="0" y="0"/>
+          <a:chExt cx="0" cy="0"/>
+        </a:xfrm>
+      </p:grpSpPr>
+      <p:sp>
+        <p:nvSpPr>
+          <p:cNvPr id="5" name="Title 4">
+            <a:extLst>
+              <a:ext uri="{FF2B5EF4-FFF2-40B4-BE49-F238E27FC236}">
+                <a16:creationId xmlns:a16="http://schemas.microsoft.com/office/drawing/2014/main" id="{201323FB-427E-4A8D-B473-AB0657D8D23B}"/>
+              </a:ext>
+            </a:extLst>
+          </p:cNvPr>
+          <p:cNvSpPr>
+            <a:spLocks noGrp="1"/>
+          </p:cNvSpPr>
+          <p:nvPr>
+            <p:ph type="title"/>
+          </p:nvPr>
+        </p:nvSpPr>
+        <p:spPr/>
+        <p:txBody>
+          <a:bodyPr/>
+          <a:lstStyle/>
+          <a:p>
+            <a:r>
+              <a:rPr lang="en-US" dirty="0"/>
+              <a:t>Frequency Analysis</a:t>
+            </a:r>
+          </a:p>
+        </p:txBody>
+      </p:sp>
+      <p:sp>
+        <p:nvSpPr>
+          <p:cNvPr id="2" name="Slide Number Placeholder 1">
+            <a:extLst>
+              <a:ext uri="{FF2B5EF4-FFF2-40B4-BE49-F238E27FC236}">
+                <a16:creationId xmlns:a16="http://schemas.microsoft.com/office/drawing/2014/main" id="{E4398C1C-6656-4A73-A680-62A81CDC27FD}"/>
+              </a:ext>
+            </a:extLst>
+          </p:cNvPr>
+          <p:cNvSpPr>
+            <a:spLocks noGrp="1"/>
+          </p:cNvSpPr>
+          <p:nvPr>
+            <p:ph type="sldNum" sz="quarter" idx="12"/>
+          </p:nvPr>
+        </p:nvSpPr>
+        <p:spPr/>
+        <p:txBody>
+          <a:bodyPr/>
+          <a:lstStyle/>
+          <a:p>
+            <a:fld id="{C263D6C4-4840-40CC-AC84-17E24B3B7BDE}" type="slidenum">
+              <a:rPr lang="en-US" smtClean="0"/>
+              <a:pPr/>
+              <a:t>19</a:t>
+            </a:fld>
+            <a:endParaRPr lang="en-US" dirty="0"/>
+          </a:p>
+        </p:txBody>
+      </p:sp>
+      <p:sp>
+        <p:nvSpPr>
+          <p:cNvPr id="8" name="Text Placeholder 6">
+            <a:extLst>
+              <a:ext uri="{FF2B5EF4-FFF2-40B4-BE49-F238E27FC236}">
+                <a16:creationId xmlns:a16="http://schemas.microsoft.com/office/drawing/2014/main" id="{A4470379-74BB-261F-0DEA-B1F4BBEF2897}"/>
+              </a:ext>
+            </a:extLst>
+          </p:cNvPr>
+          <p:cNvSpPr txBox="1">
+            <a:spLocks/>
+          </p:cNvSpPr>
+          <p:nvPr/>
+        </p:nvSpPr>
+        <p:spPr>
+          <a:xfrm>
+            <a:off x="444500" y="1681163"/>
+            <a:ext cx="5427980" cy="696277"/>
+          </a:xfrm>
+          <a:prstGeom prst="rect">
+            <a:avLst/>
+          </a:prstGeom>
+        </p:spPr>
+        <p:txBody>
+          <a:bodyPr>
+            <a:normAutofit lnSpcReduction="10000"/>
+          </a:bodyPr>
+          <a:lstStyle>
+            <a:lvl1pPr marL="228600" indent="-228600" algn="l" defTabSz="914400" rtl="0" eaLnBrk="1" latinLnBrk="0" hangingPunct="1">
+              <a:lnSpc>
+                <a:spcPct val="90000"/>
+              </a:lnSpc>
+              <a:spcBef>
+                <a:spcPts val="1000"/>
+              </a:spcBef>
+              <a:buClr>
+                <a:schemeClr val="accent2"/>
+              </a:buClr>
+              <a:buFont typeface="Arial" panose="020B0604020202020204" pitchFamily="34" charset="0"/>
+              <a:buChar char="•"/>
+              <a:defRPr sz="2800" kern="1200">
+                <a:solidFill>
+                  <a:schemeClr val="tx1"/>
+                </a:solidFill>
+                <a:latin typeface="+mn-lt"/>
+                <a:ea typeface="+mn-ea"/>
+                <a:cs typeface="+mn-cs"/>
+              </a:defRPr>
+            </a:lvl1pPr>
+            <a:lvl2pPr marL="685800" indent="-228600" algn="l" defTabSz="914400" rtl="0" eaLnBrk="1" latinLnBrk="0" hangingPunct="1">
+              <a:lnSpc>
+                <a:spcPct val="90000"/>
+              </a:lnSpc>
+              <a:spcBef>
+                <a:spcPts val="500"/>
+              </a:spcBef>
+              <a:buClr>
+                <a:schemeClr val="accent2"/>
+              </a:buClr>
+              <a:buFont typeface="Arial" panose="020B0604020202020204" pitchFamily="34" charset="0"/>
+              <a:buChar char="•"/>
+              <a:defRPr sz="2400" kern="1200">
+                <a:solidFill>
+                  <a:schemeClr val="tx1"/>
+                </a:solidFill>
+                <a:latin typeface="+mn-lt"/>
+                <a:ea typeface="+mn-ea"/>
+                <a:cs typeface="+mn-cs"/>
+              </a:defRPr>
+            </a:lvl2pPr>
+            <a:lvl3pPr marL="1143000" indent="-228600" algn="l" defTabSz="914400" rtl="0" eaLnBrk="1" latinLnBrk="0" hangingPunct="1">
+              <a:lnSpc>
+                <a:spcPct val="90000"/>
+              </a:lnSpc>
+              <a:spcBef>
+                <a:spcPts val="500"/>
+              </a:spcBef>
+              <a:buClr>
+                <a:schemeClr val="accent2"/>
+              </a:buClr>
+              <a:buFont typeface="Arial" panose="020B0604020202020204" pitchFamily="34" charset="0"/>
+              <a:buChar char="•"/>
+              <a:defRPr sz="2000" kern="1200">
+                <a:solidFill>
+                  <a:schemeClr val="tx1"/>
+                </a:solidFill>
+                <a:latin typeface="+mn-lt"/>
+                <a:ea typeface="+mn-ea"/>
+                <a:cs typeface="+mn-cs"/>
+              </a:defRPr>
+            </a:lvl3pPr>
+            <a:lvl4pPr marL="1600200" indent="-228600" algn="l" defTabSz="914400" rtl="0" eaLnBrk="1" latinLnBrk="0" hangingPunct="1">
+              <a:lnSpc>
+                <a:spcPct val="90000"/>
+              </a:lnSpc>
+              <a:spcBef>
+                <a:spcPts val="500"/>
+              </a:spcBef>
+              <a:buClr>
+                <a:schemeClr val="accent2"/>
+              </a:buClr>
+              <a:buFont typeface="Arial" panose="020B0604020202020204" pitchFamily="34" charset="0"/>
+              <a:buChar char="•"/>
+              <a:defRPr sz="1800" kern="1200">
+                <a:solidFill>
+                  <a:schemeClr val="tx1"/>
+                </a:solidFill>
+                <a:latin typeface="+mn-lt"/>
+                <a:ea typeface="+mn-ea"/>
+                <a:cs typeface="+mn-cs"/>
+              </a:defRPr>
+            </a:lvl4pPr>
+            <a:lvl5pPr marL="2057400" indent="-228600" algn="l" defTabSz="914400" rtl="0" eaLnBrk="1" latinLnBrk="0" hangingPunct="1">
+              <a:lnSpc>
+                <a:spcPct val="90000"/>
+              </a:lnSpc>
+              <a:spcBef>
+                <a:spcPts val="500"/>
+              </a:spcBef>
+              <a:buClr>
+                <a:schemeClr val="accent2"/>
+              </a:buClr>
+              <a:buFont typeface="Arial" panose="020B0604020202020204" pitchFamily="34" charset="0"/>
+              <a:buChar char="•"/>
+              <a:defRPr sz="1800" kern="1200">
+                <a:solidFill>
+                  <a:schemeClr val="tx1"/>
+                </a:solidFill>
+                <a:latin typeface="+mn-lt"/>
+                <a:ea typeface="+mn-ea"/>
+                <a:cs typeface="+mn-cs"/>
+              </a:defRPr>
+            </a:lvl5pPr>
+            <a:lvl6pPr marL="2514600" indent="-228600" algn="l" defTabSz="914400" rtl="0" eaLnBrk="1" latinLnBrk="0" hangingPunct="1">
+              <a:lnSpc>
+                <a:spcPct val="90000"/>
+              </a:lnSpc>
+              <a:spcBef>
+                <a:spcPts val="500"/>
+              </a:spcBef>
+              <a:buFont typeface="Arial" panose="020B0604020202020204" pitchFamily="34" charset="0"/>
+              <a:buChar char="•"/>
+              <a:defRPr sz="1800" kern="1200">
+                <a:solidFill>
+                  <a:schemeClr val="tx1"/>
+                </a:solidFill>
+                <a:latin typeface="+mn-lt"/>
+                <a:ea typeface="+mn-ea"/>
+                <a:cs typeface="+mn-cs"/>
+              </a:defRPr>
+            </a:lvl6pPr>
+            <a:lvl7pPr marL="2971800" indent="-228600" algn="l" defTabSz="914400" rtl="0" eaLnBrk="1" latinLnBrk="0" hangingPunct="1">
+              <a:lnSpc>
+                <a:spcPct val="90000"/>
+              </a:lnSpc>
+              <a:spcBef>
+                <a:spcPts val="500"/>
+              </a:spcBef>
+              <a:buFont typeface="Arial" panose="020B0604020202020204" pitchFamily="34" charset="0"/>
+              <a:buChar char="•"/>
+              <a:defRPr sz="1800" kern="1200">
+                <a:solidFill>
+                  <a:schemeClr val="tx1"/>
+                </a:solidFill>
+                <a:latin typeface="+mn-lt"/>
+                <a:ea typeface="+mn-ea"/>
+                <a:cs typeface="+mn-cs"/>
+              </a:defRPr>
+            </a:lvl7pPr>
+            <a:lvl8pPr marL="3429000" indent="-228600" algn="l" defTabSz="914400" rtl="0" eaLnBrk="1" latinLnBrk="0" hangingPunct="1">
+              <a:lnSpc>
+                <a:spcPct val="90000"/>
+              </a:lnSpc>
+              <a:spcBef>
+                <a:spcPts val="500"/>
+              </a:spcBef>
+              <a:buFont typeface="Arial" panose="020B0604020202020204" pitchFamily="34" charset="0"/>
+              <a:buChar char="•"/>
+              <a:defRPr sz="1800" kern="1200">
+                <a:solidFill>
+                  <a:schemeClr val="tx1"/>
+                </a:solidFill>
+                <a:latin typeface="+mn-lt"/>
+                <a:ea typeface="+mn-ea"/>
+                <a:cs typeface="+mn-cs"/>
+              </a:defRPr>
+            </a:lvl8pPr>
+            <a:lvl9pPr marL="3886200" indent="-228600" algn="l" defTabSz="914400" rtl="0" eaLnBrk="1" latinLnBrk="0" hangingPunct="1">
+              <a:lnSpc>
+                <a:spcPct val="90000"/>
+              </a:lnSpc>
+              <a:spcBef>
+                <a:spcPts val="500"/>
+              </a:spcBef>
+              <a:buFont typeface="Arial" panose="020B0604020202020204" pitchFamily="34" charset="0"/>
+              <a:buChar char="•"/>
+              <a:defRPr sz="1800" kern="1200">
+                <a:solidFill>
+                  <a:schemeClr val="tx1"/>
+                </a:solidFill>
+                <a:latin typeface="+mn-lt"/>
+                <a:ea typeface="+mn-ea"/>
+                <a:cs typeface="+mn-cs"/>
+              </a:defRPr>
+            </a:lvl9pPr>
+          </a:lstStyle>
+          <a:p>
+            <a:pPr marL="0" indent="0">
+              <a:buNone/>
+            </a:pPr>
+            <a:r>
+              <a:rPr lang="en-US" sz="2400" b="1" dirty="0">
+                <a:solidFill>
+                  <a:schemeClr val="bg1"/>
+                </a:solidFill>
+              </a:rPr>
               <a:t>Frequency distribution of price range</a:t>
             </a:r>
           </a:p>
@@ -30830,7 +31631,224 @@
 </p:sld>
 </file>
 
-<file path=ppt/slides/slide19.xml><?xml version="1.0" encoding="utf-8"?>
+<file path=ppt/slides/slide2.xml><?xml version="1.0" encoding="utf-8"?>
+<p:sld xmlns:a="http://schemas.openxmlformats.org/drawingml/2006/main" xmlns:r="http://schemas.openxmlformats.org/officeDocument/2006/relationships" xmlns:p="http://schemas.openxmlformats.org/presentationml/2006/main">
+  <p:cSld>
+    <p:spTree>
+      <p:nvGrpSpPr>
+        <p:cNvPr id="1" name=""/>
+        <p:cNvGrpSpPr/>
+        <p:nvPr/>
+      </p:nvGrpSpPr>
+      <p:grpSpPr>
+        <a:xfrm>
+          <a:off x="0" y="0"/>
+          <a:ext cx="0" cy="0"/>
+          <a:chOff x="0" y="0"/>
+          <a:chExt cx="0" cy="0"/>
+        </a:xfrm>
+      </p:grpSpPr>
+      <p:sp>
+        <p:nvSpPr>
+          <p:cNvPr id="7" name="Title 6">
+            <a:extLst>
+              <a:ext uri="{FF2B5EF4-FFF2-40B4-BE49-F238E27FC236}">
+                <a16:creationId xmlns:a16="http://schemas.microsoft.com/office/drawing/2014/main" id="{7875C19A-1AAE-476A-A316-A2CF92D763D3}"/>
+              </a:ext>
+            </a:extLst>
+          </p:cNvPr>
+          <p:cNvSpPr>
+            <a:spLocks noGrp="1"/>
+          </p:cNvSpPr>
+          <p:nvPr>
+            <p:ph type="title"/>
+          </p:nvPr>
+        </p:nvSpPr>
+        <p:spPr/>
+        <p:txBody>
+          <a:bodyPr/>
+          <a:lstStyle/>
+          <a:p>
+            <a:r>
+              <a:rPr lang="en-US" dirty="0"/>
+              <a:t>Motivation</a:t>
+            </a:r>
+          </a:p>
+        </p:txBody>
+      </p:sp>
+      <p:sp>
+        <p:nvSpPr>
+          <p:cNvPr id="10" name="Text Placeholder 9">
+            <a:extLst>
+              <a:ext uri="{FF2B5EF4-FFF2-40B4-BE49-F238E27FC236}">
+                <a16:creationId xmlns:a16="http://schemas.microsoft.com/office/drawing/2014/main" id="{EF2BC084-E6DB-4DE7-B309-042A85EBA700}"/>
+              </a:ext>
+            </a:extLst>
+          </p:cNvPr>
+          <p:cNvSpPr>
+            <a:spLocks noGrp="1"/>
+          </p:cNvSpPr>
+          <p:nvPr>
+            <p:ph type="body" sz="quarter" idx="13"/>
+          </p:nvPr>
+        </p:nvSpPr>
+        <p:spPr>
+          <a:xfrm>
+            <a:off x="444500" y="1625385"/>
+            <a:ext cx="7358380" cy="4526033"/>
+          </a:xfrm>
+        </p:spPr>
+        <p:txBody>
+          <a:bodyPr/>
+          <a:lstStyle/>
+          <a:p>
+            <a:pPr algn="l">
+              <a:buFont typeface="Arial" panose="020B0604020202020204" pitchFamily="34" charset="0"/>
+              <a:buChar char="•"/>
+            </a:pPr>
+            <a:r>
+              <a:rPr lang="en-US" sz="2000" b="0" i="0" dirty="0">
+                <a:solidFill>
+                  <a:srgbClr val="D1D5DB"/>
+                </a:solidFill>
+                <a:effectLst/>
+              </a:rPr>
+              <a:t>Enjoyed playing video games since a young age.</a:t>
+            </a:r>
+          </a:p>
+          <a:p>
+            <a:pPr algn="l">
+              <a:buFont typeface="Arial" panose="020B0604020202020204" pitchFamily="34" charset="0"/>
+              <a:buChar char="•"/>
+            </a:pPr>
+            <a:r>
+              <a:rPr lang="en-US" sz="2000" b="0" i="0" dirty="0">
+                <a:solidFill>
+                  <a:srgbClr val="D1D5DB"/>
+                </a:solidFill>
+                <a:effectLst/>
+              </a:rPr>
+              <a:t>Video games provided a distraction and encouraged unique thinking.</a:t>
+            </a:r>
+          </a:p>
+          <a:p>
+            <a:pPr algn="l">
+              <a:buFont typeface="Arial" panose="020B0604020202020204" pitchFamily="34" charset="0"/>
+              <a:buChar char="•"/>
+            </a:pPr>
+            <a:r>
+              <a:rPr lang="en-US" sz="2000" b="0" i="0" dirty="0">
+                <a:solidFill>
+                  <a:srgbClr val="D1D5DB"/>
+                </a:solidFill>
+                <a:effectLst/>
+              </a:rPr>
+              <a:t>Introduced to the Steam platform after getting a computer.</a:t>
+            </a:r>
+          </a:p>
+          <a:p>
+            <a:pPr algn="l">
+              <a:buFont typeface="Arial" panose="020B0604020202020204" pitchFamily="34" charset="0"/>
+              <a:buChar char="•"/>
+            </a:pPr>
+            <a:r>
+              <a:rPr lang="en-US" sz="2000" b="0" i="0" dirty="0">
+                <a:solidFill>
+                  <a:srgbClr val="D1D5DB"/>
+                </a:solidFill>
+                <a:effectLst/>
+              </a:rPr>
+              <a:t>Used Steam as primary gaming platform for around 12 years.</a:t>
+            </a:r>
+          </a:p>
+          <a:p>
+            <a:pPr algn="l">
+              <a:buFont typeface="Arial" panose="020B0604020202020204" pitchFamily="34" charset="0"/>
+              <a:buChar char="•"/>
+            </a:pPr>
+            <a:r>
+              <a:rPr lang="en-US" sz="2000" b="0" i="0" dirty="0">
+                <a:solidFill>
+                  <a:srgbClr val="D1D5DB"/>
+                </a:solidFill>
+                <a:effectLst/>
+              </a:rPr>
+              <a:t>Observed growth and evolution of Steam, including new games and software.</a:t>
+            </a:r>
+          </a:p>
+          <a:p>
+            <a:pPr algn="l">
+              <a:buFont typeface="Arial" panose="020B0604020202020204" pitchFamily="34" charset="0"/>
+              <a:buChar char="•"/>
+            </a:pPr>
+            <a:r>
+              <a:rPr lang="en-US" sz="2000" b="0" i="0" dirty="0">
+                <a:solidFill>
+                  <a:srgbClr val="D1D5DB"/>
+                </a:solidFill>
+                <a:effectLst/>
+              </a:rPr>
+              <a:t>Developed interest in understanding the factors behind game popularity.</a:t>
+            </a:r>
+          </a:p>
+        </p:txBody>
+      </p:sp>
+      <p:sp>
+        <p:nvSpPr>
+          <p:cNvPr id="2" name="Slide Number Placeholder 1">
+            <a:extLst>
+              <a:ext uri="{FF2B5EF4-FFF2-40B4-BE49-F238E27FC236}">
+                <a16:creationId xmlns:a16="http://schemas.microsoft.com/office/drawing/2014/main" id="{BE9800F6-D571-48C4-8466-12AA1ADB6599}"/>
+              </a:ext>
+            </a:extLst>
+          </p:cNvPr>
+          <p:cNvSpPr>
+            <a:spLocks noGrp="1"/>
+          </p:cNvSpPr>
+          <p:nvPr>
+            <p:ph type="sldNum" sz="quarter" idx="12"/>
+          </p:nvPr>
+        </p:nvSpPr>
+        <p:spPr/>
+        <p:txBody>
+          <a:bodyPr/>
+          <a:lstStyle/>
+          <a:p>
+            <a:fld id="{C263D6C4-4840-40CC-AC84-17E24B3B7BDE}" type="slidenum">
+              <a:rPr lang="en-US" smtClean="0"/>
+              <a:pPr/>
+              <a:t>2</a:t>
+            </a:fld>
+            <a:endParaRPr lang="en-US" dirty="0"/>
+          </a:p>
+        </p:txBody>
+      </p:sp>
+    </p:spTree>
+    <p:extLst>
+      <p:ext uri="{BB962C8B-B14F-4D97-AF65-F5344CB8AC3E}">
+        <p14:creationId xmlns:p14="http://schemas.microsoft.com/office/powerpoint/2010/main" val="60919363"/>
+      </p:ext>
+    </p:extLst>
+  </p:cSld>
+  <p:clrMapOvr>
+    <a:masterClrMapping/>
+  </p:clrMapOvr>
+  <mc:AlternateContent xmlns:mc="http://schemas.openxmlformats.org/markup-compatibility/2006" xmlns:p14="http://schemas.microsoft.com/office/powerpoint/2010/main">
+    <mc:Choice Requires="p14">
+      <p:transition spd="med" p14:dur="700">
+        <p:fade/>
+      </p:transition>
+    </mc:Choice>
+    <mc:Fallback xmlns="">
+      <p:transition spd="med">
+        <p:fade/>
+      </p:transition>
+    </mc:Fallback>
+  </mc:AlternateContent>
+</p:sld>
+</file>
+
+<file path=ppt/slides/slide20.xml><?xml version="1.0" encoding="utf-8"?>
 <p:sld xmlns:a="http://schemas.openxmlformats.org/drawingml/2006/main" xmlns:r="http://schemas.openxmlformats.org/officeDocument/2006/relationships" xmlns:p="http://schemas.openxmlformats.org/presentationml/2006/main">
   <p:cSld>
     <p:spTree>
@@ -30906,7 +31924,7 @@
             <a:fld id="{C263D6C4-4840-40CC-AC84-17E24B3B7BDE}" type="slidenum">
               <a:rPr lang="en-US" smtClean="0"/>
               <a:pPr/>
-              <a:t>19</a:t>
+              <a:t>20</a:t>
             </a:fld>
             <a:endParaRPr lang="en-US" dirty="0"/>
           </a:p>
@@ -30937,224 +31955,7 @@
 </p:sld>
 </file>
 
-<file path=ppt/slides/slide2.xml><?xml version="1.0" encoding="utf-8"?>
-<p:sld xmlns:a="http://schemas.openxmlformats.org/drawingml/2006/main" xmlns:r="http://schemas.openxmlformats.org/officeDocument/2006/relationships" xmlns:p="http://schemas.openxmlformats.org/presentationml/2006/main">
-  <p:cSld>
-    <p:spTree>
-      <p:nvGrpSpPr>
-        <p:cNvPr id="1" name=""/>
-        <p:cNvGrpSpPr/>
-        <p:nvPr/>
-      </p:nvGrpSpPr>
-      <p:grpSpPr>
-        <a:xfrm>
-          <a:off x="0" y="0"/>
-          <a:ext cx="0" cy="0"/>
-          <a:chOff x="0" y="0"/>
-          <a:chExt cx="0" cy="0"/>
-        </a:xfrm>
-      </p:grpSpPr>
-      <p:sp>
-        <p:nvSpPr>
-          <p:cNvPr id="7" name="Title 6">
-            <a:extLst>
-              <a:ext uri="{FF2B5EF4-FFF2-40B4-BE49-F238E27FC236}">
-                <a16:creationId xmlns:a16="http://schemas.microsoft.com/office/drawing/2014/main" id="{7875C19A-1AAE-476A-A316-A2CF92D763D3}"/>
-              </a:ext>
-            </a:extLst>
-          </p:cNvPr>
-          <p:cNvSpPr>
-            <a:spLocks noGrp="1"/>
-          </p:cNvSpPr>
-          <p:nvPr>
-            <p:ph type="title"/>
-          </p:nvPr>
-        </p:nvSpPr>
-        <p:spPr/>
-        <p:txBody>
-          <a:bodyPr/>
-          <a:lstStyle/>
-          <a:p>
-            <a:r>
-              <a:rPr lang="en-US" dirty="0"/>
-              <a:t>Motivation</a:t>
-            </a:r>
-          </a:p>
-        </p:txBody>
-      </p:sp>
-      <p:sp>
-        <p:nvSpPr>
-          <p:cNvPr id="10" name="Text Placeholder 9">
-            <a:extLst>
-              <a:ext uri="{FF2B5EF4-FFF2-40B4-BE49-F238E27FC236}">
-                <a16:creationId xmlns:a16="http://schemas.microsoft.com/office/drawing/2014/main" id="{EF2BC084-E6DB-4DE7-B309-042A85EBA700}"/>
-              </a:ext>
-            </a:extLst>
-          </p:cNvPr>
-          <p:cNvSpPr>
-            <a:spLocks noGrp="1"/>
-          </p:cNvSpPr>
-          <p:nvPr>
-            <p:ph type="body" sz="quarter" idx="13"/>
-          </p:nvPr>
-        </p:nvSpPr>
-        <p:spPr>
-          <a:xfrm>
-            <a:off x="444500" y="1625385"/>
-            <a:ext cx="7358380" cy="4526033"/>
-          </a:xfrm>
-        </p:spPr>
-        <p:txBody>
-          <a:bodyPr/>
-          <a:lstStyle/>
-          <a:p>
-            <a:pPr algn="l">
-              <a:buFont typeface="Arial" panose="020B0604020202020204" pitchFamily="34" charset="0"/>
-              <a:buChar char="•"/>
-            </a:pPr>
-            <a:r>
-              <a:rPr lang="en-US" sz="2000" b="0" i="0" dirty="0">
-                <a:solidFill>
-                  <a:srgbClr val="D1D5DB"/>
-                </a:solidFill>
-                <a:effectLst/>
-              </a:rPr>
-              <a:t>Enjoyed playing video games since a young age.</a:t>
-            </a:r>
-          </a:p>
-          <a:p>
-            <a:pPr algn="l">
-              <a:buFont typeface="Arial" panose="020B0604020202020204" pitchFamily="34" charset="0"/>
-              <a:buChar char="•"/>
-            </a:pPr>
-            <a:r>
-              <a:rPr lang="en-US" sz="2000" b="0" i="0" dirty="0">
-                <a:solidFill>
-                  <a:srgbClr val="D1D5DB"/>
-                </a:solidFill>
-                <a:effectLst/>
-              </a:rPr>
-              <a:t>Video games provided a distraction and encouraged unique thinking.</a:t>
-            </a:r>
-          </a:p>
-          <a:p>
-            <a:pPr algn="l">
-              <a:buFont typeface="Arial" panose="020B0604020202020204" pitchFamily="34" charset="0"/>
-              <a:buChar char="•"/>
-            </a:pPr>
-            <a:r>
-              <a:rPr lang="en-US" sz="2000" b="0" i="0" dirty="0">
-                <a:solidFill>
-                  <a:srgbClr val="D1D5DB"/>
-                </a:solidFill>
-                <a:effectLst/>
-              </a:rPr>
-              <a:t>Introduced to the Steam platform after getting a computer.</a:t>
-            </a:r>
-          </a:p>
-          <a:p>
-            <a:pPr algn="l">
-              <a:buFont typeface="Arial" panose="020B0604020202020204" pitchFamily="34" charset="0"/>
-              <a:buChar char="•"/>
-            </a:pPr>
-            <a:r>
-              <a:rPr lang="en-US" sz="2000" b="0" i="0" dirty="0">
-                <a:solidFill>
-                  <a:srgbClr val="D1D5DB"/>
-                </a:solidFill>
-                <a:effectLst/>
-              </a:rPr>
-              <a:t>Used Steam as primary gaming platform for around 12 years.</a:t>
-            </a:r>
-          </a:p>
-          <a:p>
-            <a:pPr algn="l">
-              <a:buFont typeface="Arial" panose="020B0604020202020204" pitchFamily="34" charset="0"/>
-              <a:buChar char="•"/>
-            </a:pPr>
-            <a:r>
-              <a:rPr lang="en-US" sz="2000" b="0" i="0" dirty="0">
-                <a:solidFill>
-                  <a:srgbClr val="D1D5DB"/>
-                </a:solidFill>
-                <a:effectLst/>
-              </a:rPr>
-              <a:t>Observed growth and evolution of Steam, including new games and software.</a:t>
-            </a:r>
-          </a:p>
-          <a:p>
-            <a:pPr algn="l">
-              <a:buFont typeface="Arial" panose="020B0604020202020204" pitchFamily="34" charset="0"/>
-              <a:buChar char="•"/>
-            </a:pPr>
-            <a:r>
-              <a:rPr lang="en-US" sz="2000" b="0" i="0" dirty="0">
-                <a:solidFill>
-                  <a:srgbClr val="D1D5DB"/>
-                </a:solidFill>
-                <a:effectLst/>
-              </a:rPr>
-              <a:t>Developed interest in understanding the factors behind game popularity.</a:t>
-            </a:r>
-          </a:p>
-        </p:txBody>
-      </p:sp>
-      <p:sp>
-        <p:nvSpPr>
-          <p:cNvPr id="2" name="Slide Number Placeholder 1">
-            <a:extLst>
-              <a:ext uri="{FF2B5EF4-FFF2-40B4-BE49-F238E27FC236}">
-                <a16:creationId xmlns:a16="http://schemas.microsoft.com/office/drawing/2014/main" id="{BE9800F6-D571-48C4-8466-12AA1ADB6599}"/>
-              </a:ext>
-            </a:extLst>
-          </p:cNvPr>
-          <p:cNvSpPr>
-            <a:spLocks noGrp="1"/>
-          </p:cNvSpPr>
-          <p:nvPr>
-            <p:ph type="sldNum" sz="quarter" idx="12"/>
-          </p:nvPr>
-        </p:nvSpPr>
-        <p:spPr/>
-        <p:txBody>
-          <a:bodyPr/>
-          <a:lstStyle/>
-          <a:p>
-            <a:fld id="{C263D6C4-4840-40CC-AC84-17E24B3B7BDE}" type="slidenum">
-              <a:rPr lang="en-US" smtClean="0"/>
-              <a:pPr/>
-              <a:t>2</a:t>
-            </a:fld>
-            <a:endParaRPr lang="en-US" dirty="0"/>
-          </a:p>
-        </p:txBody>
-      </p:sp>
-    </p:spTree>
-    <p:extLst>
-      <p:ext uri="{BB962C8B-B14F-4D97-AF65-F5344CB8AC3E}">
-        <p14:creationId xmlns:p14="http://schemas.microsoft.com/office/powerpoint/2010/main" val="60919363"/>
-      </p:ext>
-    </p:extLst>
-  </p:cSld>
-  <p:clrMapOvr>
-    <a:masterClrMapping/>
-  </p:clrMapOvr>
-  <mc:AlternateContent xmlns:mc="http://schemas.openxmlformats.org/markup-compatibility/2006" xmlns:p14="http://schemas.microsoft.com/office/powerpoint/2010/main">
-    <mc:Choice Requires="p14">
-      <p:transition spd="med" p14:dur="700">
-        <p:fade/>
-      </p:transition>
-    </mc:Choice>
-    <mc:Fallback xmlns="">
-      <p:transition spd="med">
-        <p:fade/>
-      </p:transition>
-    </mc:Fallback>
-  </mc:AlternateContent>
-</p:sld>
-</file>
-
-<file path=ppt/slides/slide20.xml><?xml version="1.0" encoding="utf-8"?>
+<file path=ppt/slides/slide21.xml><?xml version="1.0" encoding="utf-8"?>
 <p:sld xmlns:a="http://schemas.openxmlformats.org/drawingml/2006/main" xmlns:r="http://schemas.openxmlformats.org/officeDocument/2006/relationships" xmlns:p="http://schemas.openxmlformats.org/presentationml/2006/main" show="0">
   <p:cSld>
     <p:spTree>
@@ -31223,7 +32024,7 @@
             <a:fld id="{C263D6C4-4840-40CC-AC84-17E24B3B7BDE}" type="slidenum">
               <a:rPr lang="en-US" smtClean="0"/>
               <a:pPr/>
-              <a:t>20</a:t>
+              <a:t>21</a:t>
             </a:fld>
             <a:endParaRPr lang="en-US" dirty="0"/>
           </a:p>
@@ -31543,7 +32344,7 @@
 </p:sld>
 </file>
 
-<file path=ppt/slides/slide21.xml><?xml version="1.0" encoding="utf-8"?>
+<file path=ppt/slides/slide22.xml><?xml version="1.0" encoding="utf-8"?>
 <p:sld xmlns:a="http://schemas.openxmlformats.org/drawingml/2006/main" xmlns:r="http://schemas.openxmlformats.org/officeDocument/2006/relationships" xmlns:p="http://schemas.openxmlformats.org/presentationml/2006/main">
   <p:cSld>
     <p:spTree>
@@ -31612,7 +32413,7 @@
             <a:fld id="{C263D6C4-4840-40CC-AC84-17E24B3B7BDE}" type="slidenum">
               <a:rPr lang="en-US" smtClean="0"/>
               <a:pPr/>
-              <a:t>21</a:t>
+              <a:t>22</a:t>
             </a:fld>
             <a:endParaRPr lang="en-US" dirty="0"/>
           </a:p>
@@ -32210,7 +33011,7 @@
 </p:sld>
 </file>
 
-<file path=ppt/slides/slide22.xml><?xml version="1.0" encoding="utf-8"?>
+<file path=ppt/slides/slide23.xml><?xml version="1.0" encoding="utf-8"?>
 <p:sld xmlns:a="http://schemas.openxmlformats.org/drawingml/2006/main" xmlns:r="http://schemas.openxmlformats.org/officeDocument/2006/relationships" xmlns:p="http://schemas.openxmlformats.org/presentationml/2006/main">
   <p:cSld>
     <p:spTree>
@@ -32286,7 +33087,7 @@
             <a:fld id="{C263D6C4-4840-40CC-AC84-17E24B3B7BDE}" type="slidenum">
               <a:rPr lang="en-US" smtClean="0"/>
               <a:pPr/>
-              <a:t>22</a:t>
+              <a:t>23</a:t>
             </a:fld>
             <a:endParaRPr lang="en-US" dirty="0"/>
           </a:p>
@@ -32317,7 +33118,7 @@
 </p:sld>
 </file>
 
-<file path=ppt/slides/slide23.xml><?xml version="1.0" encoding="utf-8"?>
+<file path=ppt/slides/slide24.xml><?xml version="1.0" encoding="utf-8"?>
 <p:sld xmlns:a="http://schemas.openxmlformats.org/drawingml/2006/main" xmlns:r="http://schemas.openxmlformats.org/officeDocument/2006/relationships" xmlns:p="http://schemas.openxmlformats.org/presentationml/2006/main">
   <p:cSld>
     <p:spTree>
@@ -32386,7 +33187,7 @@
             <a:fld id="{C263D6C4-4840-40CC-AC84-17E24B3B7BDE}" type="slidenum">
               <a:rPr lang="en-US" smtClean="0"/>
               <a:pPr/>
-              <a:t>23</a:t>
+              <a:t>24</a:t>
             </a:fld>
             <a:endParaRPr lang="en-US" dirty="0"/>
           </a:p>
@@ -32511,13 +33312,13 @@
   <p:clrMapOvr>
     <a:masterClrMapping/>
   </p:clrMapOvr>
-  <mc:AlternateContent xmlns:mc="http://schemas.openxmlformats.org/markup-compatibility/2006">
-    <mc:Choice xmlns:p14="http://schemas.microsoft.com/office/powerpoint/2010/main" Requires="p14">
+  <mc:AlternateContent xmlns:mc="http://schemas.openxmlformats.org/markup-compatibility/2006" xmlns:p14="http://schemas.microsoft.com/office/powerpoint/2010/main">
+    <mc:Choice Requires="p14">
       <p:transition spd="med" p14:dur="700">
         <p:fade/>
       </p:transition>
     </mc:Choice>
-    <mc:Fallback>
+    <mc:Fallback xmlns="">
       <p:transition spd="med">
         <p:fade/>
       </p:transition>
@@ -32803,7 +33604,7 @@
 </p:sld>
 </file>
 
-<file path=ppt/slides/slide24.xml><?xml version="1.0" encoding="utf-8"?>
+<file path=ppt/slides/slide25.xml><?xml version="1.0" encoding="utf-8"?>
 <p:sld xmlns:a="http://schemas.openxmlformats.org/drawingml/2006/main" xmlns:r="http://schemas.openxmlformats.org/officeDocument/2006/relationships" xmlns:p="http://schemas.openxmlformats.org/presentationml/2006/main">
   <p:cSld>
     <p:spTree>
@@ -32872,7 +33673,7 @@
             <a:fld id="{C263D6C4-4840-40CC-AC84-17E24B3B7BDE}" type="slidenum">
               <a:rPr lang="en-US" smtClean="0"/>
               <a:pPr/>
-              <a:t>24</a:t>
+              <a:t>25</a:t>
             </a:fld>
             <a:endParaRPr lang="en-US" dirty="0"/>
           </a:p>
@@ -33470,7 +34271,7 @@
 </p:sld>
 </file>
 
-<file path=ppt/slides/slide25.xml><?xml version="1.0" encoding="utf-8"?>
+<file path=ppt/slides/slide26.xml><?xml version="1.0" encoding="utf-8"?>
 <p:sld xmlns:a="http://schemas.openxmlformats.org/drawingml/2006/main" xmlns:r="http://schemas.openxmlformats.org/officeDocument/2006/relationships" xmlns:p="http://schemas.openxmlformats.org/presentationml/2006/main">
   <p:cSld>
     <p:spTree>
@@ -33539,7 +34340,7 @@
             <a:fld id="{C263D6C4-4840-40CC-AC84-17E24B3B7BDE}" type="slidenum">
               <a:rPr lang="en-US" smtClean="0"/>
               <a:pPr/>
-              <a:t>25</a:t>
+              <a:t>26</a:t>
             </a:fld>
             <a:endParaRPr lang="en-US" dirty="0"/>
           </a:p>
@@ -34137,7 +34938,7 @@
 </p:sld>
 </file>
 
-<file path=ppt/slides/slide26.xml><?xml version="1.0" encoding="utf-8"?>
+<file path=ppt/slides/slide27.xml><?xml version="1.0" encoding="utf-8"?>
 <p:sld xmlns:a="http://schemas.openxmlformats.org/drawingml/2006/main" xmlns:r="http://schemas.openxmlformats.org/officeDocument/2006/relationships" xmlns:p="http://schemas.openxmlformats.org/presentationml/2006/main">
   <p:cSld>
     <p:spTree>
@@ -34213,7 +35014,7 @@
             <a:fld id="{C263D6C4-4840-40CC-AC84-17E24B3B7BDE}" type="slidenum">
               <a:rPr lang="en-US" smtClean="0"/>
               <a:pPr/>
-              <a:t>26</a:t>
+              <a:t>27</a:t>
             </a:fld>
             <a:endParaRPr lang="en-US" dirty="0"/>
           </a:p>
@@ -34244,7 +35045,7 @@
 </p:sld>
 </file>
 
-<file path=ppt/slides/slide27.xml><?xml version="1.0" encoding="utf-8"?>
+<file path=ppt/slides/slide28.xml><?xml version="1.0" encoding="utf-8"?>
 <p:sld xmlns:a="http://schemas.openxmlformats.org/drawingml/2006/main" xmlns:r="http://schemas.openxmlformats.org/officeDocument/2006/relationships" xmlns:p="http://schemas.openxmlformats.org/presentationml/2006/main">
   <p:cSld>
     <p:spTree>
@@ -34313,7 +35114,7 @@
             <a:fld id="{C263D6C4-4840-40CC-AC84-17E24B3B7BDE}" type="slidenum">
               <a:rPr lang="en-US" smtClean="0"/>
               <a:pPr/>
-              <a:t>27</a:t>
+              <a:t>28</a:t>
             </a:fld>
             <a:endParaRPr lang="en-US" dirty="0"/>
           </a:p>
@@ -34892,7 +35693,7 @@
 </p:sld>
 </file>
 
-<file path=ppt/slides/slide28.xml><?xml version="1.0" encoding="utf-8"?>
+<file path=ppt/slides/slide29.xml><?xml version="1.0" encoding="utf-8"?>
 <p:sld xmlns:a="http://schemas.openxmlformats.org/drawingml/2006/main" xmlns:r="http://schemas.openxmlformats.org/officeDocument/2006/relationships" xmlns:p="http://schemas.openxmlformats.org/presentationml/2006/main">
   <p:cSld>
     <p:spTree>
@@ -34961,7 +35762,7 @@
             <a:fld id="{C263D6C4-4840-40CC-AC84-17E24B3B7BDE}" type="slidenum">
               <a:rPr lang="en-US" smtClean="0"/>
               <a:pPr/>
-              <a:t>28</a:t>
+              <a:t>29</a:t>
             </a:fld>
             <a:endParaRPr lang="en-US" dirty="0"/>
           </a:p>
@@ -35404,7 +36205,180 @@
 </p:sld>
 </file>
 
-<file path=ppt/slides/slide29.xml><?xml version="1.0" encoding="utf-8"?>
+<file path=ppt/slides/slide3.xml><?xml version="1.0" encoding="utf-8"?>
+<p:sld xmlns:a="http://schemas.openxmlformats.org/drawingml/2006/main" xmlns:r="http://schemas.openxmlformats.org/officeDocument/2006/relationships" xmlns:p="http://schemas.openxmlformats.org/presentationml/2006/main">
+  <p:cSld>
+    <p:spTree>
+      <p:nvGrpSpPr>
+        <p:cNvPr id="1" name=""/>
+        <p:cNvGrpSpPr/>
+        <p:nvPr/>
+      </p:nvGrpSpPr>
+      <p:grpSpPr>
+        <a:xfrm>
+          <a:off x="0" y="0"/>
+          <a:ext cx="0" cy="0"/>
+          <a:chOff x="0" y="0"/>
+          <a:chExt cx="0" cy="0"/>
+        </a:xfrm>
+      </p:grpSpPr>
+      <p:sp>
+        <p:nvSpPr>
+          <p:cNvPr id="4" name="Title 3">
+            <a:extLst>
+              <a:ext uri="{FF2B5EF4-FFF2-40B4-BE49-F238E27FC236}">
+                <a16:creationId xmlns:a16="http://schemas.microsoft.com/office/drawing/2014/main" id="{E3BD8413-C238-49D7-A4E1-E8FEF1811A0E}"/>
+              </a:ext>
+            </a:extLst>
+          </p:cNvPr>
+          <p:cNvSpPr>
+            <a:spLocks noGrp="1"/>
+          </p:cNvSpPr>
+          <p:nvPr>
+            <p:ph type="title"/>
+          </p:nvPr>
+        </p:nvSpPr>
+        <p:spPr>
+          <a:xfrm>
+            <a:off x="679704" y="2539733"/>
+            <a:ext cx="7781544" cy="2825015"/>
+          </a:xfrm>
+        </p:spPr>
+        <p:txBody>
+          <a:bodyPr>
+            <a:noAutofit/>
+          </a:bodyPr>
+          <a:lstStyle/>
+          <a:p>
+            <a:pPr>
+              <a:lnSpc>
+                <a:spcPct val="100000"/>
+              </a:lnSpc>
+            </a:pPr>
+            <a:br>
+              <a:rPr lang="en-US" sz="4400" dirty="0"/>
+            </a:br>
+            <a:r>
+              <a:rPr lang="en-US" sz="4400" dirty="0"/>
+              <a:t>What factors influence the peak concurrent users for games or software on the Steam platform?</a:t>
+            </a:r>
+          </a:p>
+        </p:txBody>
+      </p:sp>
+      <p:sp>
+        <p:nvSpPr>
+          <p:cNvPr id="2" name="Slide Number Placeholder 1">
+            <a:extLst>
+              <a:ext uri="{FF2B5EF4-FFF2-40B4-BE49-F238E27FC236}">
+                <a16:creationId xmlns:a16="http://schemas.microsoft.com/office/drawing/2014/main" id="{0B24BF10-2B55-43AB-9F77-F1A1410384A9}"/>
+              </a:ext>
+            </a:extLst>
+          </p:cNvPr>
+          <p:cNvSpPr>
+            <a:spLocks noGrp="1"/>
+          </p:cNvSpPr>
+          <p:nvPr>
+            <p:ph type="sldNum" sz="quarter" idx="12"/>
+          </p:nvPr>
+        </p:nvSpPr>
+        <p:spPr/>
+        <p:txBody>
+          <a:bodyPr/>
+          <a:lstStyle/>
+          <a:p>
+            <a:fld id="{C263D6C4-4840-40CC-AC84-17E24B3B7BDE}" type="slidenum">
+              <a:rPr lang="en-US" smtClean="0"/>
+              <a:pPr/>
+              <a:t>3</a:t>
+            </a:fld>
+            <a:endParaRPr lang="en-US" dirty="0"/>
+          </a:p>
+        </p:txBody>
+      </p:sp>
+      <p:sp>
+        <p:nvSpPr>
+          <p:cNvPr id="11" name="Title 3">
+            <a:extLst>
+              <a:ext uri="{FF2B5EF4-FFF2-40B4-BE49-F238E27FC236}">
+                <a16:creationId xmlns:a16="http://schemas.microsoft.com/office/drawing/2014/main" id="{3D4D427D-06BF-9BFF-31D0-19BC11ABEEF0}"/>
+              </a:ext>
+            </a:extLst>
+          </p:cNvPr>
+          <p:cNvSpPr txBox="1">
+            <a:spLocks/>
+          </p:cNvSpPr>
+          <p:nvPr/>
+        </p:nvSpPr>
+        <p:spPr>
+          <a:xfrm>
+            <a:off x="679704" y="883385"/>
+            <a:ext cx="7781544" cy="2022375"/>
+          </a:xfrm>
+          <a:prstGeom prst="rect">
+            <a:avLst/>
+          </a:prstGeom>
+        </p:spPr>
+        <p:txBody>
+          <a:bodyPr vert="horz" lIns="91440" tIns="45720" rIns="91440" bIns="45720" rtlCol="0" anchor="b">
+            <a:normAutofit fontScale="97500"/>
+          </a:bodyPr>
+          <a:lstStyle>
+            <a:lvl1pPr algn="l" defTabSz="914400" rtl="0" eaLnBrk="1" latinLnBrk="0" hangingPunct="1">
+              <a:lnSpc>
+                <a:spcPct val="90000"/>
+              </a:lnSpc>
+              <a:spcBef>
+                <a:spcPct val="0"/>
+              </a:spcBef>
+              <a:buNone/>
+              <a:defRPr lang="en-GB" sz="5400" b="1" kern="1200" dirty="0">
+                <a:solidFill>
+                  <a:schemeClr val="bg1"/>
+                </a:solidFill>
+                <a:latin typeface="+mj-lt"/>
+                <a:ea typeface="+mj-ea"/>
+                <a:cs typeface="+mj-cs"/>
+              </a:defRPr>
+            </a:lvl1pPr>
+          </a:lstStyle>
+          <a:p>
+            <a:r>
+              <a:rPr lang="en-US" sz="4900" dirty="0"/>
+              <a:t>Business Problem:</a:t>
+            </a:r>
+            <a:br>
+              <a:rPr lang="en-US" sz="4900" dirty="0"/>
+            </a:br>
+            <a:endParaRPr lang="en-US" sz="4900" dirty="0"/>
+          </a:p>
+        </p:txBody>
+      </p:sp>
+    </p:spTree>
+    <p:extLst>
+      <p:ext uri="{BB962C8B-B14F-4D97-AF65-F5344CB8AC3E}">
+        <p14:creationId xmlns:p14="http://schemas.microsoft.com/office/powerpoint/2010/main" val="2902794312"/>
+      </p:ext>
+    </p:extLst>
+  </p:cSld>
+  <p:clrMapOvr>
+    <a:masterClrMapping/>
+  </p:clrMapOvr>
+  <mc:AlternateContent xmlns:mc="http://schemas.openxmlformats.org/markup-compatibility/2006" xmlns:p14="http://schemas.microsoft.com/office/powerpoint/2010/main">
+    <mc:Choice Requires="p14">
+      <p:transition spd="med" p14:dur="700">
+        <p:fade/>
+      </p:transition>
+    </mc:Choice>
+    <mc:Fallback xmlns="">
+      <p:transition spd="med">
+        <p:fade/>
+      </p:transition>
+    </mc:Fallback>
+  </mc:AlternateContent>
+</p:sld>
+</file>
+
+<file path=ppt/slides/slide30.xml><?xml version="1.0" encoding="utf-8"?>
 <p:sld xmlns:a="http://schemas.openxmlformats.org/drawingml/2006/main" xmlns:r="http://schemas.openxmlformats.org/officeDocument/2006/relationships" xmlns:p="http://schemas.openxmlformats.org/presentationml/2006/main">
   <p:cSld>
     <p:spTree>
@@ -35473,7 +36447,7 @@
             <a:fld id="{C263D6C4-4840-40CC-AC84-17E24B3B7BDE}" type="slidenum">
               <a:rPr lang="en-US" smtClean="0"/>
               <a:pPr/>
-              <a:t>29</a:t>
+              <a:t>30</a:t>
             </a:fld>
             <a:endParaRPr lang="en-US" dirty="0"/>
           </a:p>
@@ -36189,180 +37163,7 @@
 </p:sld>
 </file>
 
-<file path=ppt/slides/slide3.xml><?xml version="1.0" encoding="utf-8"?>
-<p:sld xmlns:a="http://schemas.openxmlformats.org/drawingml/2006/main" xmlns:r="http://schemas.openxmlformats.org/officeDocument/2006/relationships" xmlns:p="http://schemas.openxmlformats.org/presentationml/2006/main">
-  <p:cSld>
-    <p:spTree>
-      <p:nvGrpSpPr>
-        <p:cNvPr id="1" name=""/>
-        <p:cNvGrpSpPr/>
-        <p:nvPr/>
-      </p:nvGrpSpPr>
-      <p:grpSpPr>
-        <a:xfrm>
-          <a:off x="0" y="0"/>
-          <a:ext cx="0" cy="0"/>
-          <a:chOff x="0" y="0"/>
-          <a:chExt cx="0" cy="0"/>
-        </a:xfrm>
-      </p:grpSpPr>
-      <p:sp>
-        <p:nvSpPr>
-          <p:cNvPr id="4" name="Title 3">
-            <a:extLst>
-              <a:ext uri="{FF2B5EF4-FFF2-40B4-BE49-F238E27FC236}">
-                <a16:creationId xmlns:a16="http://schemas.microsoft.com/office/drawing/2014/main" id="{E3BD8413-C238-49D7-A4E1-E8FEF1811A0E}"/>
-              </a:ext>
-            </a:extLst>
-          </p:cNvPr>
-          <p:cNvSpPr>
-            <a:spLocks noGrp="1"/>
-          </p:cNvSpPr>
-          <p:nvPr>
-            <p:ph type="title"/>
-          </p:nvPr>
-        </p:nvSpPr>
-        <p:spPr>
-          <a:xfrm>
-            <a:off x="679704" y="2539733"/>
-            <a:ext cx="7781544" cy="2825015"/>
-          </a:xfrm>
-        </p:spPr>
-        <p:txBody>
-          <a:bodyPr>
-            <a:noAutofit/>
-          </a:bodyPr>
-          <a:lstStyle/>
-          <a:p>
-            <a:pPr>
-              <a:lnSpc>
-                <a:spcPct val="100000"/>
-              </a:lnSpc>
-            </a:pPr>
-            <a:br>
-              <a:rPr lang="en-US" sz="4400" dirty="0"/>
-            </a:br>
-            <a:r>
-              <a:rPr lang="en-US" sz="4400" dirty="0"/>
-              <a:t>What factors influence the peak concurrent users for games or software on the Steam platform?</a:t>
-            </a:r>
-          </a:p>
-        </p:txBody>
-      </p:sp>
-      <p:sp>
-        <p:nvSpPr>
-          <p:cNvPr id="2" name="Slide Number Placeholder 1">
-            <a:extLst>
-              <a:ext uri="{FF2B5EF4-FFF2-40B4-BE49-F238E27FC236}">
-                <a16:creationId xmlns:a16="http://schemas.microsoft.com/office/drawing/2014/main" id="{0B24BF10-2B55-43AB-9F77-F1A1410384A9}"/>
-              </a:ext>
-            </a:extLst>
-          </p:cNvPr>
-          <p:cNvSpPr>
-            <a:spLocks noGrp="1"/>
-          </p:cNvSpPr>
-          <p:nvPr>
-            <p:ph type="sldNum" sz="quarter" idx="12"/>
-          </p:nvPr>
-        </p:nvSpPr>
-        <p:spPr/>
-        <p:txBody>
-          <a:bodyPr/>
-          <a:lstStyle/>
-          <a:p>
-            <a:fld id="{C263D6C4-4840-40CC-AC84-17E24B3B7BDE}" type="slidenum">
-              <a:rPr lang="en-US" smtClean="0"/>
-              <a:pPr/>
-              <a:t>3</a:t>
-            </a:fld>
-            <a:endParaRPr lang="en-US" dirty="0"/>
-          </a:p>
-        </p:txBody>
-      </p:sp>
-      <p:sp>
-        <p:nvSpPr>
-          <p:cNvPr id="11" name="Title 3">
-            <a:extLst>
-              <a:ext uri="{FF2B5EF4-FFF2-40B4-BE49-F238E27FC236}">
-                <a16:creationId xmlns:a16="http://schemas.microsoft.com/office/drawing/2014/main" id="{3D4D427D-06BF-9BFF-31D0-19BC11ABEEF0}"/>
-              </a:ext>
-            </a:extLst>
-          </p:cNvPr>
-          <p:cNvSpPr txBox="1">
-            <a:spLocks/>
-          </p:cNvSpPr>
-          <p:nvPr/>
-        </p:nvSpPr>
-        <p:spPr>
-          <a:xfrm>
-            <a:off x="679704" y="883385"/>
-            <a:ext cx="7781544" cy="2022375"/>
-          </a:xfrm>
-          <a:prstGeom prst="rect">
-            <a:avLst/>
-          </a:prstGeom>
-        </p:spPr>
-        <p:txBody>
-          <a:bodyPr vert="horz" lIns="91440" tIns="45720" rIns="91440" bIns="45720" rtlCol="0" anchor="b">
-            <a:normAutofit fontScale="97500"/>
-          </a:bodyPr>
-          <a:lstStyle>
-            <a:lvl1pPr algn="l" defTabSz="914400" rtl="0" eaLnBrk="1" latinLnBrk="0" hangingPunct="1">
-              <a:lnSpc>
-                <a:spcPct val="90000"/>
-              </a:lnSpc>
-              <a:spcBef>
-                <a:spcPct val="0"/>
-              </a:spcBef>
-              <a:buNone/>
-              <a:defRPr lang="en-GB" sz="5400" b="1" kern="1200" dirty="0">
-                <a:solidFill>
-                  <a:schemeClr val="bg1"/>
-                </a:solidFill>
-                <a:latin typeface="+mj-lt"/>
-                <a:ea typeface="+mj-ea"/>
-                <a:cs typeface="+mj-cs"/>
-              </a:defRPr>
-            </a:lvl1pPr>
-          </a:lstStyle>
-          <a:p>
-            <a:r>
-              <a:rPr lang="en-US" sz="4900" dirty="0"/>
-              <a:t>Business Problem:</a:t>
-            </a:r>
-            <a:br>
-              <a:rPr lang="en-US" sz="4900" dirty="0"/>
-            </a:br>
-            <a:endParaRPr lang="en-US" sz="4900" dirty="0"/>
-          </a:p>
-        </p:txBody>
-      </p:sp>
-    </p:spTree>
-    <p:extLst>
-      <p:ext uri="{BB962C8B-B14F-4D97-AF65-F5344CB8AC3E}">
-        <p14:creationId xmlns:p14="http://schemas.microsoft.com/office/powerpoint/2010/main" val="2902794312"/>
-      </p:ext>
-    </p:extLst>
-  </p:cSld>
-  <p:clrMapOvr>
-    <a:masterClrMapping/>
-  </p:clrMapOvr>
-  <mc:AlternateContent xmlns:mc="http://schemas.openxmlformats.org/markup-compatibility/2006" xmlns:p14="http://schemas.microsoft.com/office/powerpoint/2010/main">
-    <mc:Choice Requires="p14">
-      <p:transition spd="med" p14:dur="700">
-        <p:fade/>
-      </p:transition>
-    </mc:Choice>
-    <mc:Fallback xmlns="">
-      <p:transition spd="med">
-        <p:fade/>
-      </p:transition>
-    </mc:Fallback>
-  </mc:AlternateContent>
-</p:sld>
-</file>
-
-<file path=ppt/slides/slide30.xml><?xml version="1.0" encoding="utf-8"?>
+<file path=ppt/slides/slide31.xml><?xml version="1.0" encoding="utf-8"?>
 <p:sld xmlns:a="http://schemas.openxmlformats.org/drawingml/2006/main" xmlns:r="http://schemas.openxmlformats.org/officeDocument/2006/relationships" xmlns:p="http://schemas.openxmlformats.org/presentationml/2006/main">
   <p:cSld>
     <p:spTree>
@@ -36431,7 +37232,7 @@
             <a:fld id="{C263D6C4-4840-40CC-AC84-17E24B3B7BDE}" type="slidenum">
               <a:rPr lang="en-US" smtClean="0"/>
               <a:pPr/>
-              <a:t>30</a:t>
+              <a:t>31</a:t>
             </a:fld>
             <a:endParaRPr lang="en-US" dirty="0"/>
           </a:p>
@@ -37000,7 +37801,7 @@
 </p:sld>
 </file>
 
-<file path=ppt/slides/slide31.xml><?xml version="1.0" encoding="utf-8"?>
+<file path=ppt/slides/slide32.xml><?xml version="1.0" encoding="utf-8"?>
 <p:sld xmlns:a="http://schemas.openxmlformats.org/drawingml/2006/main" xmlns:r="http://schemas.openxmlformats.org/officeDocument/2006/relationships" xmlns:p="http://schemas.openxmlformats.org/presentationml/2006/main">
   <p:cSld>
     <p:spTree>
@@ -37069,7 +37870,7 @@
             <a:fld id="{C263D6C4-4840-40CC-AC84-17E24B3B7BDE}" type="slidenum">
               <a:rPr lang="en-US" smtClean="0"/>
               <a:pPr/>
-              <a:t>31</a:t>
+              <a:t>32</a:t>
             </a:fld>
             <a:endParaRPr lang="en-US" dirty="0"/>
           </a:p>
@@ -37849,7 +38650,7 @@
 </p:sld>
 </file>
 
-<file path=ppt/slides/slide32.xml><?xml version="1.0" encoding="utf-8"?>
+<file path=ppt/slides/slide33.xml><?xml version="1.0" encoding="utf-8"?>
 <p:sld xmlns:a="http://schemas.openxmlformats.org/drawingml/2006/main" xmlns:r="http://schemas.openxmlformats.org/officeDocument/2006/relationships" xmlns:p="http://schemas.openxmlformats.org/presentationml/2006/main">
   <p:cSld>
     <p:spTree>
@@ -37925,7 +38726,7 @@
             <a:fld id="{C263D6C4-4840-40CC-AC84-17E24B3B7BDE}" type="slidenum">
               <a:rPr lang="en-US" smtClean="0"/>
               <a:pPr/>
-              <a:t>32</a:t>
+              <a:t>33</a:t>
             </a:fld>
             <a:endParaRPr lang="en-US" dirty="0"/>
           </a:p>
@@ -37956,7 +38757,7 @@
 </p:sld>
 </file>
 
-<file path=ppt/slides/slide33.xml><?xml version="1.0" encoding="utf-8"?>
+<file path=ppt/slides/slide34.xml><?xml version="1.0" encoding="utf-8"?>
 <p:sld xmlns:a="http://schemas.openxmlformats.org/drawingml/2006/main" xmlns:r="http://schemas.openxmlformats.org/officeDocument/2006/relationships" xmlns:p="http://schemas.openxmlformats.org/presentationml/2006/main">
   <p:cSld>
     <p:spTree>
@@ -38026,7 +38827,7 @@
             <a:fld id="{C263D6C4-4840-40CC-AC84-17E24B3B7BDE}" type="slidenum">
               <a:rPr lang="en-US" smtClean="0"/>
               <a:pPr/>
-              <a:t>33</a:t>
+              <a:t>34</a:t>
             </a:fld>
             <a:endParaRPr lang="en-US" dirty="0"/>
           </a:p>
@@ -38457,7 +39258,7 @@
 </p:sld>
 </file>
 
-<file path=ppt/slides/slide34.xml><?xml version="1.0" encoding="utf-8"?>
+<file path=ppt/slides/slide35.xml><?xml version="1.0" encoding="utf-8"?>
 <p:sld xmlns:a="http://schemas.openxmlformats.org/drawingml/2006/main" xmlns:r="http://schemas.openxmlformats.org/officeDocument/2006/relationships" xmlns:p="http://schemas.openxmlformats.org/presentationml/2006/main">
   <p:cSld>
     <p:spTree>
@@ -38527,7 +39328,7 @@
             <a:fld id="{C263D6C4-4840-40CC-AC84-17E24B3B7BDE}" type="slidenum">
               <a:rPr lang="en-US" smtClean="0"/>
               <a:pPr/>
-              <a:t>34</a:t>
+              <a:t>35</a:t>
             </a:fld>
             <a:endParaRPr lang="en-US" dirty="0"/>
           </a:p>
@@ -39112,674 +39913,6 @@
     <p:extLst>
       <p:ext uri="{BB962C8B-B14F-4D97-AF65-F5344CB8AC3E}">
         <p14:creationId xmlns:p14="http://schemas.microsoft.com/office/powerpoint/2010/main" val="3020730378"/>
-      </p:ext>
-    </p:extLst>
-  </p:cSld>
-  <p:clrMapOvr>
-    <a:masterClrMapping/>
-  </p:clrMapOvr>
-  <mc:AlternateContent xmlns:mc="http://schemas.openxmlformats.org/markup-compatibility/2006" xmlns:p14="http://schemas.microsoft.com/office/powerpoint/2010/main">
-    <mc:Choice Requires="p14">
-      <p:transition spd="med" p14:dur="700">
-        <p:fade/>
-      </p:transition>
-    </mc:Choice>
-    <mc:Fallback xmlns="">
-      <p:transition spd="med">
-        <p:fade/>
-      </p:transition>
-    </mc:Fallback>
-  </mc:AlternateContent>
-  <p:timing>
-    <p:tnLst>
-      <p:par>
-        <p:cTn id="1" dur="indefinite" restart="never" nodeType="tmRoot">
-          <p:childTnLst>
-            <p:seq concurrent="1" nextAc="seek">
-              <p:cTn id="2" dur="indefinite" nodeType="mainSeq">
-                <p:childTnLst>
-                  <p:par>
-                    <p:cTn id="3" fill="hold">
-                      <p:stCondLst>
-                        <p:cond delay="indefinite"/>
-                      </p:stCondLst>
-                      <p:childTnLst>
-                        <p:par>
-                          <p:cTn id="4" fill="hold">
-                            <p:stCondLst>
-                              <p:cond delay="0"/>
-                            </p:stCondLst>
-                            <p:childTnLst>
-                              <p:par>
-                                <p:cTn id="5" presetID="10" presetClass="entr" presetSubtype="0" fill="hold" grpId="0" nodeType="clickEffect">
-                                  <p:stCondLst>
-                                    <p:cond delay="0"/>
-                                  </p:stCondLst>
-                                  <p:childTnLst>
-                                    <p:set>
-                                      <p:cBhvr>
-                                        <p:cTn id="6" dur="1" fill="hold">
-                                          <p:stCondLst>
-                                            <p:cond delay="0"/>
-                                          </p:stCondLst>
-                                        </p:cTn>
-                                        <p:tgtEl>
-                                          <p:spTgt spid="7"/>
-                                        </p:tgtEl>
-                                        <p:attrNameLst>
-                                          <p:attrName>style.visibility</p:attrName>
-                                        </p:attrNameLst>
-                                      </p:cBhvr>
-                                      <p:to>
-                                        <p:strVal val="visible"/>
-                                      </p:to>
-                                    </p:set>
-                                    <p:animEffect transition="in" filter="fade">
-                                      <p:cBhvr>
-                                        <p:cTn id="7" dur="500"/>
-                                        <p:tgtEl>
-                                          <p:spTgt spid="7"/>
-                                        </p:tgtEl>
-                                      </p:cBhvr>
-                                    </p:animEffect>
-                                  </p:childTnLst>
-                                </p:cTn>
-                              </p:par>
-                            </p:childTnLst>
-                          </p:cTn>
-                        </p:par>
-                      </p:childTnLst>
-                    </p:cTn>
-                  </p:par>
-                </p:childTnLst>
-              </p:cTn>
-              <p:prevCondLst>
-                <p:cond evt="onPrev" delay="0">
-                  <p:tgtEl>
-                    <p:sldTgt/>
-                  </p:tgtEl>
-                </p:cond>
-              </p:prevCondLst>
-              <p:nextCondLst>
-                <p:cond evt="onNext" delay="0">
-                  <p:tgtEl>
-                    <p:sldTgt/>
-                  </p:tgtEl>
-                </p:cond>
-              </p:nextCondLst>
-            </p:seq>
-          </p:childTnLst>
-        </p:cTn>
-      </p:par>
-    </p:tnLst>
-    <p:bldLst>
-      <p:bldP spid="7" grpId="0"/>
-    </p:bldLst>
-  </p:timing>
-</p:sld>
-</file>
-
-<file path=ppt/slides/slide35.xml><?xml version="1.0" encoding="utf-8"?>
-<p:sld xmlns:a="http://schemas.openxmlformats.org/drawingml/2006/main" xmlns:r="http://schemas.openxmlformats.org/officeDocument/2006/relationships" xmlns:p="http://schemas.openxmlformats.org/presentationml/2006/main">
-  <p:cSld>
-    <p:spTree>
-      <p:nvGrpSpPr>
-        <p:cNvPr id="1" name=""/>
-        <p:cNvGrpSpPr/>
-        <p:nvPr/>
-      </p:nvGrpSpPr>
-      <p:grpSpPr>
-        <a:xfrm>
-          <a:off x="0" y="0"/>
-          <a:ext cx="0" cy="0"/>
-          <a:chOff x="0" y="0"/>
-          <a:chExt cx="0" cy="0"/>
-        </a:xfrm>
-      </p:grpSpPr>
-      <p:sp>
-        <p:nvSpPr>
-          <p:cNvPr id="5" name="Title 4">
-            <a:extLst>
-              <a:ext uri="{FF2B5EF4-FFF2-40B4-BE49-F238E27FC236}">
-                <a16:creationId xmlns:a16="http://schemas.microsoft.com/office/drawing/2014/main" id="{201323FB-427E-4A8D-B473-AB0657D8D23B}"/>
-              </a:ext>
-            </a:extLst>
-          </p:cNvPr>
-          <p:cNvSpPr>
-            <a:spLocks noGrp="1"/>
-          </p:cNvSpPr>
-          <p:nvPr>
-            <p:ph type="title"/>
-          </p:nvPr>
-        </p:nvSpPr>
-        <p:spPr/>
-        <p:txBody>
-          <a:bodyPr/>
-          <a:lstStyle/>
-          <a:p>
-            <a:r>
-              <a:rPr lang="en-US" sz="3200" dirty="0"/>
-              <a:t>PCA and Clustering</a:t>
-            </a:r>
-            <a:endParaRPr lang="en-US" dirty="0"/>
-          </a:p>
-        </p:txBody>
-      </p:sp>
-      <p:sp>
-        <p:nvSpPr>
-          <p:cNvPr id="2" name="Slide Number Placeholder 1">
-            <a:extLst>
-              <a:ext uri="{FF2B5EF4-FFF2-40B4-BE49-F238E27FC236}">
-                <a16:creationId xmlns:a16="http://schemas.microsoft.com/office/drawing/2014/main" id="{E4398C1C-6656-4A73-A680-62A81CDC27FD}"/>
-              </a:ext>
-            </a:extLst>
-          </p:cNvPr>
-          <p:cNvSpPr>
-            <a:spLocks noGrp="1"/>
-          </p:cNvSpPr>
-          <p:nvPr>
-            <p:ph type="sldNum" sz="quarter" idx="12"/>
-          </p:nvPr>
-        </p:nvSpPr>
-        <p:spPr/>
-        <p:txBody>
-          <a:bodyPr/>
-          <a:lstStyle/>
-          <a:p>
-            <a:fld id="{C263D6C4-4840-40CC-AC84-17E24B3B7BDE}" type="slidenum">
-              <a:rPr lang="en-US" smtClean="0"/>
-              <a:pPr/>
-              <a:t>35</a:t>
-            </a:fld>
-            <a:endParaRPr lang="en-US" dirty="0"/>
-          </a:p>
-        </p:txBody>
-      </p:sp>
-      <p:sp>
-        <p:nvSpPr>
-          <p:cNvPr id="8" name="Text Placeholder 6">
-            <a:extLst>
-              <a:ext uri="{FF2B5EF4-FFF2-40B4-BE49-F238E27FC236}">
-                <a16:creationId xmlns:a16="http://schemas.microsoft.com/office/drawing/2014/main" id="{A4470379-74BB-261F-0DEA-B1F4BBEF2897}"/>
-              </a:ext>
-            </a:extLst>
-          </p:cNvPr>
-          <p:cNvSpPr txBox="1">
-            <a:spLocks/>
-          </p:cNvSpPr>
-          <p:nvPr/>
-        </p:nvSpPr>
-        <p:spPr>
-          <a:xfrm>
-            <a:off x="444500" y="1681163"/>
-            <a:ext cx="5427980" cy="696277"/>
-          </a:xfrm>
-          <a:prstGeom prst="rect">
-            <a:avLst/>
-          </a:prstGeom>
-        </p:spPr>
-        <p:txBody>
-          <a:bodyPr>
-            <a:normAutofit/>
-          </a:bodyPr>
-          <a:lstStyle>
-            <a:lvl1pPr marL="228600" indent="-228600" algn="l" defTabSz="914400" rtl="0" eaLnBrk="1" latinLnBrk="0" hangingPunct="1">
-              <a:lnSpc>
-                <a:spcPct val="90000"/>
-              </a:lnSpc>
-              <a:spcBef>
-                <a:spcPts val="1000"/>
-              </a:spcBef>
-              <a:buClr>
-                <a:schemeClr val="accent2"/>
-              </a:buClr>
-              <a:buFont typeface="Arial" panose="020B0604020202020204" pitchFamily="34" charset="0"/>
-              <a:buChar char="•"/>
-              <a:defRPr sz="2800" kern="1200">
-                <a:solidFill>
-                  <a:schemeClr val="tx1"/>
-                </a:solidFill>
-                <a:latin typeface="+mn-lt"/>
-                <a:ea typeface="+mn-ea"/>
-                <a:cs typeface="+mn-cs"/>
-              </a:defRPr>
-            </a:lvl1pPr>
-            <a:lvl2pPr marL="685800" indent="-228600" algn="l" defTabSz="914400" rtl="0" eaLnBrk="1" latinLnBrk="0" hangingPunct="1">
-              <a:lnSpc>
-                <a:spcPct val="90000"/>
-              </a:lnSpc>
-              <a:spcBef>
-                <a:spcPts val="500"/>
-              </a:spcBef>
-              <a:buClr>
-                <a:schemeClr val="accent2"/>
-              </a:buClr>
-              <a:buFont typeface="Arial" panose="020B0604020202020204" pitchFamily="34" charset="0"/>
-              <a:buChar char="•"/>
-              <a:defRPr sz="2400" kern="1200">
-                <a:solidFill>
-                  <a:schemeClr val="tx1"/>
-                </a:solidFill>
-                <a:latin typeface="+mn-lt"/>
-                <a:ea typeface="+mn-ea"/>
-                <a:cs typeface="+mn-cs"/>
-              </a:defRPr>
-            </a:lvl2pPr>
-            <a:lvl3pPr marL="1143000" indent="-228600" algn="l" defTabSz="914400" rtl="0" eaLnBrk="1" latinLnBrk="0" hangingPunct="1">
-              <a:lnSpc>
-                <a:spcPct val="90000"/>
-              </a:lnSpc>
-              <a:spcBef>
-                <a:spcPts val="500"/>
-              </a:spcBef>
-              <a:buClr>
-                <a:schemeClr val="accent2"/>
-              </a:buClr>
-              <a:buFont typeface="Arial" panose="020B0604020202020204" pitchFamily="34" charset="0"/>
-              <a:buChar char="•"/>
-              <a:defRPr sz="2000" kern="1200">
-                <a:solidFill>
-                  <a:schemeClr val="tx1"/>
-                </a:solidFill>
-                <a:latin typeface="+mn-lt"/>
-                <a:ea typeface="+mn-ea"/>
-                <a:cs typeface="+mn-cs"/>
-              </a:defRPr>
-            </a:lvl3pPr>
-            <a:lvl4pPr marL="1600200" indent="-228600" algn="l" defTabSz="914400" rtl="0" eaLnBrk="1" latinLnBrk="0" hangingPunct="1">
-              <a:lnSpc>
-                <a:spcPct val="90000"/>
-              </a:lnSpc>
-              <a:spcBef>
-                <a:spcPts val="500"/>
-              </a:spcBef>
-              <a:buClr>
-                <a:schemeClr val="accent2"/>
-              </a:buClr>
-              <a:buFont typeface="Arial" panose="020B0604020202020204" pitchFamily="34" charset="0"/>
-              <a:buChar char="•"/>
-              <a:defRPr sz="1800" kern="1200">
-                <a:solidFill>
-                  <a:schemeClr val="tx1"/>
-                </a:solidFill>
-                <a:latin typeface="+mn-lt"/>
-                <a:ea typeface="+mn-ea"/>
-                <a:cs typeface="+mn-cs"/>
-              </a:defRPr>
-            </a:lvl4pPr>
-            <a:lvl5pPr marL="2057400" indent="-228600" algn="l" defTabSz="914400" rtl="0" eaLnBrk="1" latinLnBrk="0" hangingPunct="1">
-              <a:lnSpc>
-                <a:spcPct val="90000"/>
-              </a:lnSpc>
-              <a:spcBef>
-                <a:spcPts val="500"/>
-              </a:spcBef>
-              <a:buClr>
-                <a:schemeClr val="accent2"/>
-              </a:buClr>
-              <a:buFont typeface="Arial" panose="020B0604020202020204" pitchFamily="34" charset="0"/>
-              <a:buChar char="•"/>
-              <a:defRPr sz="1800" kern="1200">
-                <a:solidFill>
-                  <a:schemeClr val="tx1"/>
-                </a:solidFill>
-                <a:latin typeface="+mn-lt"/>
-                <a:ea typeface="+mn-ea"/>
-                <a:cs typeface="+mn-cs"/>
-              </a:defRPr>
-            </a:lvl5pPr>
-            <a:lvl6pPr marL="2514600" indent="-228600" algn="l" defTabSz="914400" rtl="0" eaLnBrk="1" latinLnBrk="0" hangingPunct="1">
-              <a:lnSpc>
-                <a:spcPct val="90000"/>
-              </a:lnSpc>
-              <a:spcBef>
-                <a:spcPts val="500"/>
-              </a:spcBef>
-              <a:buFont typeface="Arial" panose="020B0604020202020204" pitchFamily="34" charset="0"/>
-              <a:buChar char="•"/>
-              <a:defRPr sz="1800" kern="1200">
-                <a:solidFill>
-                  <a:schemeClr val="tx1"/>
-                </a:solidFill>
-                <a:latin typeface="+mn-lt"/>
-                <a:ea typeface="+mn-ea"/>
-                <a:cs typeface="+mn-cs"/>
-              </a:defRPr>
-            </a:lvl6pPr>
-            <a:lvl7pPr marL="2971800" indent="-228600" algn="l" defTabSz="914400" rtl="0" eaLnBrk="1" latinLnBrk="0" hangingPunct="1">
-              <a:lnSpc>
-                <a:spcPct val="90000"/>
-              </a:lnSpc>
-              <a:spcBef>
-                <a:spcPts val="500"/>
-              </a:spcBef>
-              <a:buFont typeface="Arial" panose="020B0604020202020204" pitchFamily="34" charset="0"/>
-              <a:buChar char="•"/>
-              <a:defRPr sz="1800" kern="1200">
-                <a:solidFill>
-                  <a:schemeClr val="tx1"/>
-                </a:solidFill>
-                <a:latin typeface="+mn-lt"/>
-                <a:ea typeface="+mn-ea"/>
-                <a:cs typeface="+mn-cs"/>
-              </a:defRPr>
-            </a:lvl7pPr>
-            <a:lvl8pPr marL="3429000" indent="-228600" algn="l" defTabSz="914400" rtl="0" eaLnBrk="1" latinLnBrk="0" hangingPunct="1">
-              <a:lnSpc>
-                <a:spcPct val="90000"/>
-              </a:lnSpc>
-              <a:spcBef>
-                <a:spcPts val="500"/>
-              </a:spcBef>
-              <a:buFont typeface="Arial" panose="020B0604020202020204" pitchFamily="34" charset="0"/>
-              <a:buChar char="•"/>
-              <a:defRPr sz="1800" kern="1200">
-                <a:solidFill>
-                  <a:schemeClr val="tx1"/>
-                </a:solidFill>
-                <a:latin typeface="+mn-lt"/>
-                <a:ea typeface="+mn-ea"/>
-                <a:cs typeface="+mn-cs"/>
-              </a:defRPr>
-            </a:lvl8pPr>
-            <a:lvl9pPr marL="3886200" indent="-228600" algn="l" defTabSz="914400" rtl="0" eaLnBrk="1" latinLnBrk="0" hangingPunct="1">
-              <a:lnSpc>
-                <a:spcPct val="90000"/>
-              </a:lnSpc>
-              <a:spcBef>
-                <a:spcPts val="500"/>
-              </a:spcBef>
-              <a:buFont typeface="Arial" panose="020B0604020202020204" pitchFamily="34" charset="0"/>
-              <a:buChar char="•"/>
-              <a:defRPr sz="1800" kern="1200">
-                <a:solidFill>
-                  <a:schemeClr val="tx1"/>
-                </a:solidFill>
-                <a:latin typeface="+mn-lt"/>
-                <a:ea typeface="+mn-ea"/>
-                <a:cs typeface="+mn-cs"/>
-              </a:defRPr>
-            </a:lvl9pPr>
-          </a:lstStyle>
-          <a:p>
-            <a:pPr marL="0" indent="0">
-              <a:buNone/>
-            </a:pPr>
-            <a:r>
-              <a:rPr lang="en-US" sz="2400" b="1" dirty="0">
-                <a:solidFill>
-                  <a:schemeClr val="bg1"/>
-                </a:solidFill>
-              </a:rPr>
-              <a:t>Elbow Function</a:t>
-            </a:r>
-          </a:p>
-        </p:txBody>
-      </p:sp>
-      <p:sp>
-        <p:nvSpPr>
-          <p:cNvPr id="7" name="Text Placeholder 7">
-            <a:extLst>
-              <a:ext uri="{FF2B5EF4-FFF2-40B4-BE49-F238E27FC236}">
-                <a16:creationId xmlns:a16="http://schemas.microsoft.com/office/drawing/2014/main" id="{C33FF031-F4B7-2F9D-7EF1-E336071B0239}"/>
-              </a:ext>
-            </a:extLst>
-          </p:cNvPr>
-          <p:cNvSpPr txBox="1">
-            <a:spLocks/>
-          </p:cNvSpPr>
-          <p:nvPr/>
-        </p:nvSpPr>
-        <p:spPr>
-          <a:xfrm>
-            <a:off x="444500" y="2184400"/>
-            <a:ext cx="5157787" cy="4378960"/>
-          </a:xfrm>
-          <a:prstGeom prst="rect">
-            <a:avLst/>
-          </a:prstGeom>
-        </p:spPr>
-        <p:txBody>
-          <a:bodyPr vert="horz" lIns="91440" tIns="45720" rIns="91440" bIns="45720" rtlCol="0">
-            <a:normAutofit/>
-          </a:bodyPr>
-          <a:lstStyle>
-            <a:lvl1pPr marL="228600" indent="-228600" algn="l" defTabSz="914400" rtl="0" eaLnBrk="1" latinLnBrk="0" hangingPunct="1">
-              <a:lnSpc>
-                <a:spcPct val="90000"/>
-              </a:lnSpc>
-              <a:spcBef>
-                <a:spcPts val="1000"/>
-              </a:spcBef>
-              <a:buClr>
-                <a:schemeClr val="accent2"/>
-              </a:buClr>
-              <a:buFont typeface="Arial" panose="020B0604020202020204" pitchFamily="34" charset="0"/>
-              <a:buChar char="•"/>
-              <a:defRPr sz="1800" kern="1200">
-                <a:solidFill>
-                  <a:schemeClr val="bg1"/>
-                </a:solidFill>
-                <a:latin typeface="+mn-lt"/>
-                <a:ea typeface="+mn-ea"/>
-                <a:cs typeface="+mn-cs"/>
-              </a:defRPr>
-            </a:lvl1pPr>
-            <a:lvl2pPr marL="685800" indent="-228600" algn="l" defTabSz="914400" rtl="0" eaLnBrk="1" latinLnBrk="0" hangingPunct="1">
-              <a:lnSpc>
-                <a:spcPct val="90000"/>
-              </a:lnSpc>
-              <a:spcBef>
-                <a:spcPts val="500"/>
-              </a:spcBef>
-              <a:buClr>
-                <a:schemeClr val="accent2"/>
-              </a:buClr>
-              <a:buFont typeface="Arial" panose="020B0604020202020204" pitchFamily="34" charset="0"/>
-              <a:buChar char="•"/>
-              <a:defRPr sz="1600" kern="1200">
-                <a:solidFill>
-                  <a:schemeClr val="bg1"/>
-                </a:solidFill>
-                <a:latin typeface="+mn-lt"/>
-                <a:ea typeface="+mn-ea"/>
-                <a:cs typeface="+mn-cs"/>
-              </a:defRPr>
-            </a:lvl2pPr>
-            <a:lvl3pPr marL="1143000" indent="-228600" algn="l" defTabSz="914400" rtl="0" eaLnBrk="1" latinLnBrk="0" hangingPunct="1">
-              <a:lnSpc>
-                <a:spcPct val="90000"/>
-              </a:lnSpc>
-              <a:spcBef>
-                <a:spcPts val="500"/>
-              </a:spcBef>
-              <a:buClr>
-                <a:schemeClr val="accent2"/>
-              </a:buClr>
-              <a:buFont typeface="Arial" panose="020B0604020202020204" pitchFamily="34" charset="0"/>
-              <a:buChar char="•"/>
-              <a:defRPr sz="1400" kern="1200">
-                <a:solidFill>
-                  <a:schemeClr val="bg1"/>
-                </a:solidFill>
-                <a:latin typeface="+mn-lt"/>
-                <a:ea typeface="+mn-ea"/>
-                <a:cs typeface="+mn-cs"/>
-              </a:defRPr>
-            </a:lvl3pPr>
-            <a:lvl4pPr marL="1600200" indent="-228600" algn="l" defTabSz="914400" rtl="0" eaLnBrk="1" latinLnBrk="0" hangingPunct="1">
-              <a:lnSpc>
-                <a:spcPct val="90000"/>
-              </a:lnSpc>
-              <a:spcBef>
-                <a:spcPts val="500"/>
-              </a:spcBef>
-              <a:buClr>
-                <a:schemeClr val="accent2"/>
-              </a:buClr>
-              <a:buFont typeface="Arial" panose="020B0604020202020204" pitchFamily="34" charset="0"/>
-              <a:buChar char="•"/>
-              <a:defRPr sz="1200" kern="1200">
-                <a:solidFill>
-                  <a:schemeClr val="bg1"/>
-                </a:solidFill>
-                <a:latin typeface="+mn-lt"/>
-                <a:ea typeface="+mn-ea"/>
-                <a:cs typeface="+mn-cs"/>
-              </a:defRPr>
-            </a:lvl4pPr>
-            <a:lvl5pPr marL="2057400" indent="-228600" algn="l" defTabSz="914400" rtl="0" eaLnBrk="1" latinLnBrk="0" hangingPunct="1">
-              <a:lnSpc>
-                <a:spcPct val="90000"/>
-              </a:lnSpc>
-              <a:spcBef>
-                <a:spcPts val="500"/>
-              </a:spcBef>
-              <a:buClr>
-                <a:schemeClr val="accent2"/>
-              </a:buClr>
-              <a:buFont typeface="Arial" panose="020B0604020202020204" pitchFamily="34" charset="0"/>
-              <a:buChar char="•"/>
-              <a:defRPr sz="1200" kern="1200">
-                <a:solidFill>
-                  <a:schemeClr val="bg1"/>
-                </a:solidFill>
-                <a:latin typeface="+mn-lt"/>
-                <a:ea typeface="+mn-ea"/>
-                <a:cs typeface="+mn-cs"/>
-              </a:defRPr>
-            </a:lvl5pPr>
-            <a:lvl6pPr marL="2514600" indent="-228600" algn="l" defTabSz="914400" rtl="0" eaLnBrk="1" latinLnBrk="0" hangingPunct="1">
-              <a:lnSpc>
-                <a:spcPct val="90000"/>
-              </a:lnSpc>
-              <a:spcBef>
-                <a:spcPts val="500"/>
-              </a:spcBef>
-              <a:buFont typeface="Arial" panose="020B0604020202020204" pitchFamily="34" charset="0"/>
-              <a:buChar char="•"/>
-              <a:defRPr sz="1800" kern="1200">
-                <a:solidFill>
-                  <a:schemeClr val="tx1"/>
-                </a:solidFill>
-                <a:latin typeface="+mn-lt"/>
-                <a:ea typeface="+mn-ea"/>
-                <a:cs typeface="+mn-cs"/>
-              </a:defRPr>
-            </a:lvl6pPr>
-            <a:lvl7pPr marL="2971800" indent="-228600" algn="l" defTabSz="914400" rtl="0" eaLnBrk="1" latinLnBrk="0" hangingPunct="1">
-              <a:lnSpc>
-                <a:spcPct val="90000"/>
-              </a:lnSpc>
-              <a:spcBef>
-                <a:spcPts val="500"/>
-              </a:spcBef>
-              <a:buFont typeface="Arial" panose="020B0604020202020204" pitchFamily="34" charset="0"/>
-              <a:buChar char="•"/>
-              <a:defRPr sz="1800" kern="1200">
-                <a:solidFill>
-                  <a:schemeClr val="tx1"/>
-                </a:solidFill>
-                <a:latin typeface="+mn-lt"/>
-                <a:ea typeface="+mn-ea"/>
-                <a:cs typeface="+mn-cs"/>
-              </a:defRPr>
-            </a:lvl7pPr>
-            <a:lvl8pPr marL="3429000" indent="-228600" algn="l" defTabSz="914400" rtl="0" eaLnBrk="1" latinLnBrk="0" hangingPunct="1">
-              <a:lnSpc>
-                <a:spcPct val="90000"/>
-              </a:lnSpc>
-              <a:spcBef>
-                <a:spcPts val="500"/>
-              </a:spcBef>
-              <a:buFont typeface="Arial" panose="020B0604020202020204" pitchFamily="34" charset="0"/>
-              <a:buChar char="•"/>
-              <a:defRPr sz="1800" kern="1200">
-                <a:solidFill>
-                  <a:schemeClr val="tx1"/>
-                </a:solidFill>
-                <a:latin typeface="+mn-lt"/>
-                <a:ea typeface="+mn-ea"/>
-                <a:cs typeface="+mn-cs"/>
-              </a:defRPr>
-            </a:lvl8pPr>
-            <a:lvl9pPr marL="3886200" indent="-228600" algn="l" defTabSz="914400" rtl="0" eaLnBrk="1" latinLnBrk="0" hangingPunct="1">
-              <a:lnSpc>
-                <a:spcPct val="90000"/>
-              </a:lnSpc>
-              <a:spcBef>
-                <a:spcPts val="500"/>
-              </a:spcBef>
-              <a:buFont typeface="Arial" panose="020B0604020202020204" pitchFamily="34" charset="0"/>
-              <a:buChar char="•"/>
-              <a:defRPr sz="1800" kern="1200">
-                <a:solidFill>
-                  <a:schemeClr val="tx1"/>
-                </a:solidFill>
-                <a:latin typeface="+mn-lt"/>
-                <a:ea typeface="+mn-ea"/>
-                <a:cs typeface="+mn-cs"/>
-              </a:defRPr>
-            </a:lvl9pPr>
-          </a:lstStyle>
-          <a:p>
-            <a:pPr>
-              <a:lnSpc>
-                <a:spcPct val="250000"/>
-              </a:lnSpc>
-            </a:pPr>
-            <a:r>
-              <a:rPr lang="en-US" dirty="0"/>
-              <a:t>We can see that for the following elbow function it is hard to determine what is the optimal number of clusters </a:t>
-            </a:r>
-          </a:p>
-          <a:p>
-            <a:pPr>
-              <a:lnSpc>
-                <a:spcPct val="250000"/>
-              </a:lnSpc>
-            </a:pPr>
-            <a:r>
-              <a:rPr lang="en-US" dirty="0"/>
-              <a:t>Using silhouette score I found that 28 clusters has the minimal value</a:t>
-            </a:r>
-          </a:p>
-        </p:txBody>
-      </p:sp>
-      <p:pic>
-        <p:nvPicPr>
-          <p:cNvPr id="10" name="תמונה 9" descr="תמונה שמכילה טקסט, צילום מסך, קו, עלילה&#10;&#10;התיאור נוצר באופן אוטומטי">
-            <a:extLst>
-              <a:ext uri="{FF2B5EF4-FFF2-40B4-BE49-F238E27FC236}">
-                <a16:creationId xmlns:a16="http://schemas.microsoft.com/office/drawing/2014/main" id="{D6C2C291-D625-EC35-37F1-D5514F542E7D}"/>
-              </a:ext>
-            </a:extLst>
-          </p:cNvPr>
-          <p:cNvPicPr>
-            <a:picLocks noChangeAspect="1"/>
-          </p:cNvPicPr>
-          <p:nvPr/>
-        </p:nvPicPr>
-        <p:blipFill>
-          <a:blip r:embed="rId2"/>
-          <a:stretch>
-            <a:fillRect/>
-          </a:stretch>
-        </p:blipFill>
-        <p:spPr>
-          <a:xfrm>
-            <a:off x="7346139" y="2184400"/>
-            <a:ext cx="4716870" cy="3726000"/>
-          </a:xfrm>
-          <a:prstGeom prst="rect">
-            <a:avLst/>
-          </a:prstGeom>
-        </p:spPr>
-      </p:pic>
-    </p:spTree>
-    <p:extLst>
-      <p:ext uri="{BB962C8B-B14F-4D97-AF65-F5344CB8AC3E}">
-        <p14:creationId xmlns:p14="http://schemas.microsoft.com/office/powerpoint/2010/main" val="1521344643"/>
       </p:ext>
     </p:extLst>
   </p:cSld>
@@ -40179,6 +40312,674 @@
                   <a:schemeClr val="bg1"/>
                 </a:solidFill>
               </a:rPr>
+              <a:t>Elbow Function</a:t>
+            </a:r>
+          </a:p>
+        </p:txBody>
+      </p:sp>
+      <p:sp>
+        <p:nvSpPr>
+          <p:cNvPr id="7" name="Text Placeholder 7">
+            <a:extLst>
+              <a:ext uri="{FF2B5EF4-FFF2-40B4-BE49-F238E27FC236}">
+                <a16:creationId xmlns:a16="http://schemas.microsoft.com/office/drawing/2014/main" id="{C33FF031-F4B7-2F9D-7EF1-E336071B0239}"/>
+              </a:ext>
+            </a:extLst>
+          </p:cNvPr>
+          <p:cNvSpPr txBox="1">
+            <a:spLocks/>
+          </p:cNvSpPr>
+          <p:nvPr/>
+        </p:nvSpPr>
+        <p:spPr>
+          <a:xfrm>
+            <a:off x="444500" y="2184400"/>
+            <a:ext cx="5157787" cy="4378960"/>
+          </a:xfrm>
+          <a:prstGeom prst="rect">
+            <a:avLst/>
+          </a:prstGeom>
+        </p:spPr>
+        <p:txBody>
+          <a:bodyPr vert="horz" lIns="91440" tIns="45720" rIns="91440" bIns="45720" rtlCol="0">
+            <a:normAutofit/>
+          </a:bodyPr>
+          <a:lstStyle>
+            <a:lvl1pPr marL="228600" indent="-228600" algn="l" defTabSz="914400" rtl="0" eaLnBrk="1" latinLnBrk="0" hangingPunct="1">
+              <a:lnSpc>
+                <a:spcPct val="90000"/>
+              </a:lnSpc>
+              <a:spcBef>
+                <a:spcPts val="1000"/>
+              </a:spcBef>
+              <a:buClr>
+                <a:schemeClr val="accent2"/>
+              </a:buClr>
+              <a:buFont typeface="Arial" panose="020B0604020202020204" pitchFamily="34" charset="0"/>
+              <a:buChar char="•"/>
+              <a:defRPr sz="1800" kern="1200">
+                <a:solidFill>
+                  <a:schemeClr val="bg1"/>
+                </a:solidFill>
+                <a:latin typeface="+mn-lt"/>
+                <a:ea typeface="+mn-ea"/>
+                <a:cs typeface="+mn-cs"/>
+              </a:defRPr>
+            </a:lvl1pPr>
+            <a:lvl2pPr marL="685800" indent="-228600" algn="l" defTabSz="914400" rtl="0" eaLnBrk="1" latinLnBrk="0" hangingPunct="1">
+              <a:lnSpc>
+                <a:spcPct val="90000"/>
+              </a:lnSpc>
+              <a:spcBef>
+                <a:spcPts val="500"/>
+              </a:spcBef>
+              <a:buClr>
+                <a:schemeClr val="accent2"/>
+              </a:buClr>
+              <a:buFont typeface="Arial" panose="020B0604020202020204" pitchFamily="34" charset="0"/>
+              <a:buChar char="•"/>
+              <a:defRPr sz="1600" kern="1200">
+                <a:solidFill>
+                  <a:schemeClr val="bg1"/>
+                </a:solidFill>
+                <a:latin typeface="+mn-lt"/>
+                <a:ea typeface="+mn-ea"/>
+                <a:cs typeface="+mn-cs"/>
+              </a:defRPr>
+            </a:lvl2pPr>
+            <a:lvl3pPr marL="1143000" indent="-228600" algn="l" defTabSz="914400" rtl="0" eaLnBrk="1" latinLnBrk="0" hangingPunct="1">
+              <a:lnSpc>
+                <a:spcPct val="90000"/>
+              </a:lnSpc>
+              <a:spcBef>
+                <a:spcPts val="500"/>
+              </a:spcBef>
+              <a:buClr>
+                <a:schemeClr val="accent2"/>
+              </a:buClr>
+              <a:buFont typeface="Arial" panose="020B0604020202020204" pitchFamily="34" charset="0"/>
+              <a:buChar char="•"/>
+              <a:defRPr sz="1400" kern="1200">
+                <a:solidFill>
+                  <a:schemeClr val="bg1"/>
+                </a:solidFill>
+                <a:latin typeface="+mn-lt"/>
+                <a:ea typeface="+mn-ea"/>
+                <a:cs typeface="+mn-cs"/>
+              </a:defRPr>
+            </a:lvl3pPr>
+            <a:lvl4pPr marL="1600200" indent="-228600" algn="l" defTabSz="914400" rtl="0" eaLnBrk="1" latinLnBrk="0" hangingPunct="1">
+              <a:lnSpc>
+                <a:spcPct val="90000"/>
+              </a:lnSpc>
+              <a:spcBef>
+                <a:spcPts val="500"/>
+              </a:spcBef>
+              <a:buClr>
+                <a:schemeClr val="accent2"/>
+              </a:buClr>
+              <a:buFont typeface="Arial" panose="020B0604020202020204" pitchFamily="34" charset="0"/>
+              <a:buChar char="•"/>
+              <a:defRPr sz="1200" kern="1200">
+                <a:solidFill>
+                  <a:schemeClr val="bg1"/>
+                </a:solidFill>
+                <a:latin typeface="+mn-lt"/>
+                <a:ea typeface="+mn-ea"/>
+                <a:cs typeface="+mn-cs"/>
+              </a:defRPr>
+            </a:lvl4pPr>
+            <a:lvl5pPr marL="2057400" indent="-228600" algn="l" defTabSz="914400" rtl="0" eaLnBrk="1" latinLnBrk="0" hangingPunct="1">
+              <a:lnSpc>
+                <a:spcPct val="90000"/>
+              </a:lnSpc>
+              <a:spcBef>
+                <a:spcPts val="500"/>
+              </a:spcBef>
+              <a:buClr>
+                <a:schemeClr val="accent2"/>
+              </a:buClr>
+              <a:buFont typeface="Arial" panose="020B0604020202020204" pitchFamily="34" charset="0"/>
+              <a:buChar char="•"/>
+              <a:defRPr sz="1200" kern="1200">
+                <a:solidFill>
+                  <a:schemeClr val="bg1"/>
+                </a:solidFill>
+                <a:latin typeface="+mn-lt"/>
+                <a:ea typeface="+mn-ea"/>
+                <a:cs typeface="+mn-cs"/>
+              </a:defRPr>
+            </a:lvl5pPr>
+            <a:lvl6pPr marL="2514600" indent="-228600" algn="l" defTabSz="914400" rtl="0" eaLnBrk="1" latinLnBrk="0" hangingPunct="1">
+              <a:lnSpc>
+                <a:spcPct val="90000"/>
+              </a:lnSpc>
+              <a:spcBef>
+                <a:spcPts val="500"/>
+              </a:spcBef>
+              <a:buFont typeface="Arial" panose="020B0604020202020204" pitchFamily="34" charset="0"/>
+              <a:buChar char="•"/>
+              <a:defRPr sz="1800" kern="1200">
+                <a:solidFill>
+                  <a:schemeClr val="tx1"/>
+                </a:solidFill>
+                <a:latin typeface="+mn-lt"/>
+                <a:ea typeface="+mn-ea"/>
+                <a:cs typeface="+mn-cs"/>
+              </a:defRPr>
+            </a:lvl6pPr>
+            <a:lvl7pPr marL="2971800" indent="-228600" algn="l" defTabSz="914400" rtl="0" eaLnBrk="1" latinLnBrk="0" hangingPunct="1">
+              <a:lnSpc>
+                <a:spcPct val="90000"/>
+              </a:lnSpc>
+              <a:spcBef>
+                <a:spcPts val="500"/>
+              </a:spcBef>
+              <a:buFont typeface="Arial" panose="020B0604020202020204" pitchFamily="34" charset="0"/>
+              <a:buChar char="•"/>
+              <a:defRPr sz="1800" kern="1200">
+                <a:solidFill>
+                  <a:schemeClr val="tx1"/>
+                </a:solidFill>
+                <a:latin typeface="+mn-lt"/>
+                <a:ea typeface="+mn-ea"/>
+                <a:cs typeface="+mn-cs"/>
+              </a:defRPr>
+            </a:lvl7pPr>
+            <a:lvl8pPr marL="3429000" indent="-228600" algn="l" defTabSz="914400" rtl="0" eaLnBrk="1" latinLnBrk="0" hangingPunct="1">
+              <a:lnSpc>
+                <a:spcPct val="90000"/>
+              </a:lnSpc>
+              <a:spcBef>
+                <a:spcPts val="500"/>
+              </a:spcBef>
+              <a:buFont typeface="Arial" panose="020B0604020202020204" pitchFamily="34" charset="0"/>
+              <a:buChar char="•"/>
+              <a:defRPr sz="1800" kern="1200">
+                <a:solidFill>
+                  <a:schemeClr val="tx1"/>
+                </a:solidFill>
+                <a:latin typeface="+mn-lt"/>
+                <a:ea typeface="+mn-ea"/>
+                <a:cs typeface="+mn-cs"/>
+              </a:defRPr>
+            </a:lvl8pPr>
+            <a:lvl9pPr marL="3886200" indent="-228600" algn="l" defTabSz="914400" rtl="0" eaLnBrk="1" latinLnBrk="0" hangingPunct="1">
+              <a:lnSpc>
+                <a:spcPct val="90000"/>
+              </a:lnSpc>
+              <a:spcBef>
+                <a:spcPts val="500"/>
+              </a:spcBef>
+              <a:buFont typeface="Arial" panose="020B0604020202020204" pitchFamily="34" charset="0"/>
+              <a:buChar char="•"/>
+              <a:defRPr sz="1800" kern="1200">
+                <a:solidFill>
+                  <a:schemeClr val="tx1"/>
+                </a:solidFill>
+                <a:latin typeface="+mn-lt"/>
+                <a:ea typeface="+mn-ea"/>
+                <a:cs typeface="+mn-cs"/>
+              </a:defRPr>
+            </a:lvl9pPr>
+          </a:lstStyle>
+          <a:p>
+            <a:pPr>
+              <a:lnSpc>
+                <a:spcPct val="250000"/>
+              </a:lnSpc>
+            </a:pPr>
+            <a:r>
+              <a:rPr lang="en-US" dirty="0"/>
+              <a:t>We can see that for the following elbow function it is hard to determine what is the optimal number of clusters </a:t>
+            </a:r>
+          </a:p>
+          <a:p>
+            <a:pPr>
+              <a:lnSpc>
+                <a:spcPct val="250000"/>
+              </a:lnSpc>
+            </a:pPr>
+            <a:r>
+              <a:rPr lang="en-US" dirty="0"/>
+              <a:t>Using silhouette score I found that 28 clusters has the minimal value</a:t>
+            </a:r>
+          </a:p>
+        </p:txBody>
+      </p:sp>
+      <p:pic>
+        <p:nvPicPr>
+          <p:cNvPr id="10" name="תמונה 9" descr="תמונה שמכילה טקסט, צילום מסך, קו, עלילה&#10;&#10;התיאור נוצר באופן אוטומטי">
+            <a:extLst>
+              <a:ext uri="{FF2B5EF4-FFF2-40B4-BE49-F238E27FC236}">
+                <a16:creationId xmlns:a16="http://schemas.microsoft.com/office/drawing/2014/main" id="{D6C2C291-D625-EC35-37F1-D5514F542E7D}"/>
+              </a:ext>
+            </a:extLst>
+          </p:cNvPr>
+          <p:cNvPicPr>
+            <a:picLocks noChangeAspect="1"/>
+          </p:cNvPicPr>
+          <p:nvPr/>
+        </p:nvPicPr>
+        <p:blipFill>
+          <a:blip r:embed="rId2"/>
+          <a:stretch>
+            <a:fillRect/>
+          </a:stretch>
+        </p:blipFill>
+        <p:spPr>
+          <a:xfrm>
+            <a:off x="7346139" y="2184400"/>
+            <a:ext cx="4716870" cy="3726000"/>
+          </a:xfrm>
+          <a:prstGeom prst="rect">
+            <a:avLst/>
+          </a:prstGeom>
+        </p:spPr>
+      </p:pic>
+    </p:spTree>
+    <p:extLst>
+      <p:ext uri="{BB962C8B-B14F-4D97-AF65-F5344CB8AC3E}">
+        <p14:creationId xmlns:p14="http://schemas.microsoft.com/office/powerpoint/2010/main" val="1521344643"/>
+      </p:ext>
+    </p:extLst>
+  </p:cSld>
+  <p:clrMapOvr>
+    <a:masterClrMapping/>
+  </p:clrMapOvr>
+  <mc:AlternateContent xmlns:mc="http://schemas.openxmlformats.org/markup-compatibility/2006" xmlns:p14="http://schemas.microsoft.com/office/powerpoint/2010/main">
+    <mc:Choice Requires="p14">
+      <p:transition spd="med" p14:dur="700">
+        <p:fade/>
+      </p:transition>
+    </mc:Choice>
+    <mc:Fallback xmlns="">
+      <p:transition spd="med">
+        <p:fade/>
+      </p:transition>
+    </mc:Fallback>
+  </mc:AlternateContent>
+  <p:timing>
+    <p:tnLst>
+      <p:par>
+        <p:cTn id="1" dur="indefinite" restart="never" nodeType="tmRoot">
+          <p:childTnLst>
+            <p:seq concurrent="1" nextAc="seek">
+              <p:cTn id="2" dur="indefinite" nodeType="mainSeq">
+                <p:childTnLst>
+                  <p:par>
+                    <p:cTn id="3" fill="hold">
+                      <p:stCondLst>
+                        <p:cond delay="indefinite"/>
+                      </p:stCondLst>
+                      <p:childTnLst>
+                        <p:par>
+                          <p:cTn id="4" fill="hold">
+                            <p:stCondLst>
+                              <p:cond delay="0"/>
+                            </p:stCondLst>
+                            <p:childTnLst>
+                              <p:par>
+                                <p:cTn id="5" presetID="10" presetClass="entr" presetSubtype="0" fill="hold" grpId="0" nodeType="clickEffect">
+                                  <p:stCondLst>
+                                    <p:cond delay="0"/>
+                                  </p:stCondLst>
+                                  <p:childTnLst>
+                                    <p:set>
+                                      <p:cBhvr>
+                                        <p:cTn id="6" dur="1" fill="hold">
+                                          <p:stCondLst>
+                                            <p:cond delay="0"/>
+                                          </p:stCondLst>
+                                        </p:cTn>
+                                        <p:tgtEl>
+                                          <p:spTgt spid="7"/>
+                                        </p:tgtEl>
+                                        <p:attrNameLst>
+                                          <p:attrName>style.visibility</p:attrName>
+                                        </p:attrNameLst>
+                                      </p:cBhvr>
+                                      <p:to>
+                                        <p:strVal val="visible"/>
+                                      </p:to>
+                                    </p:set>
+                                    <p:animEffect transition="in" filter="fade">
+                                      <p:cBhvr>
+                                        <p:cTn id="7" dur="500"/>
+                                        <p:tgtEl>
+                                          <p:spTgt spid="7"/>
+                                        </p:tgtEl>
+                                      </p:cBhvr>
+                                    </p:animEffect>
+                                  </p:childTnLst>
+                                </p:cTn>
+                              </p:par>
+                            </p:childTnLst>
+                          </p:cTn>
+                        </p:par>
+                      </p:childTnLst>
+                    </p:cTn>
+                  </p:par>
+                </p:childTnLst>
+              </p:cTn>
+              <p:prevCondLst>
+                <p:cond evt="onPrev" delay="0">
+                  <p:tgtEl>
+                    <p:sldTgt/>
+                  </p:tgtEl>
+                </p:cond>
+              </p:prevCondLst>
+              <p:nextCondLst>
+                <p:cond evt="onNext" delay="0">
+                  <p:tgtEl>
+                    <p:sldTgt/>
+                  </p:tgtEl>
+                </p:cond>
+              </p:nextCondLst>
+            </p:seq>
+          </p:childTnLst>
+        </p:cTn>
+      </p:par>
+    </p:tnLst>
+    <p:bldLst>
+      <p:bldP spid="7" grpId="0"/>
+    </p:bldLst>
+  </p:timing>
+</p:sld>
+</file>
+
+<file path=ppt/slides/slide37.xml><?xml version="1.0" encoding="utf-8"?>
+<p:sld xmlns:a="http://schemas.openxmlformats.org/drawingml/2006/main" xmlns:r="http://schemas.openxmlformats.org/officeDocument/2006/relationships" xmlns:p="http://schemas.openxmlformats.org/presentationml/2006/main">
+  <p:cSld>
+    <p:spTree>
+      <p:nvGrpSpPr>
+        <p:cNvPr id="1" name=""/>
+        <p:cNvGrpSpPr/>
+        <p:nvPr/>
+      </p:nvGrpSpPr>
+      <p:grpSpPr>
+        <a:xfrm>
+          <a:off x="0" y="0"/>
+          <a:ext cx="0" cy="0"/>
+          <a:chOff x="0" y="0"/>
+          <a:chExt cx="0" cy="0"/>
+        </a:xfrm>
+      </p:grpSpPr>
+      <p:sp>
+        <p:nvSpPr>
+          <p:cNvPr id="5" name="Title 4">
+            <a:extLst>
+              <a:ext uri="{FF2B5EF4-FFF2-40B4-BE49-F238E27FC236}">
+                <a16:creationId xmlns:a16="http://schemas.microsoft.com/office/drawing/2014/main" id="{201323FB-427E-4A8D-B473-AB0657D8D23B}"/>
+              </a:ext>
+            </a:extLst>
+          </p:cNvPr>
+          <p:cNvSpPr>
+            <a:spLocks noGrp="1"/>
+          </p:cNvSpPr>
+          <p:nvPr>
+            <p:ph type="title"/>
+          </p:nvPr>
+        </p:nvSpPr>
+        <p:spPr/>
+        <p:txBody>
+          <a:bodyPr/>
+          <a:lstStyle/>
+          <a:p>
+            <a:r>
+              <a:rPr lang="en-US" sz="3200" dirty="0"/>
+              <a:t>PCA and Clustering</a:t>
+            </a:r>
+            <a:endParaRPr lang="en-US" dirty="0"/>
+          </a:p>
+        </p:txBody>
+      </p:sp>
+      <p:sp>
+        <p:nvSpPr>
+          <p:cNvPr id="2" name="Slide Number Placeholder 1">
+            <a:extLst>
+              <a:ext uri="{FF2B5EF4-FFF2-40B4-BE49-F238E27FC236}">
+                <a16:creationId xmlns:a16="http://schemas.microsoft.com/office/drawing/2014/main" id="{E4398C1C-6656-4A73-A680-62A81CDC27FD}"/>
+              </a:ext>
+            </a:extLst>
+          </p:cNvPr>
+          <p:cNvSpPr>
+            <a:spLocks noGrp="1"/>
+          </p:cNvSpPr>
+          <p:nvPr>
+            <p:ph type="sldNum" sz="quarter" idx="12"/>
+          </p:nvPr>
+        </p:nvSpPr>
+        <p:spPr/>
+        <p:txBody>
+          <a:bodyPr/>
+          <a:lstStyle/>
+          <a:p>
+            <a:fld id="{C263D6C4-4840-40CC-AC84-17E24B3B7BDE}" type="slidenum">
+              <a:rPr lang="en-US" smtClean="0"/>
+              <a:pPr/>
+              <a:t>37</a:t>
+            </a:fld>
+            <a:endParaRPr lang="en-US" dirty="0"/>
+          </a:p>
+        </p:txBody>
+      </p:sp>
+      <p:sp>
+        <p:nvSpPr>
+          <p:cNvPr id="8" name="Text Placeholder 6">
+            <a:extLst>
+              <a:ext uri="{FF2B5EF4-FFF2-40B4-BE49-F238E27FC236}">
+                <a16:creationId xmlns:a16="http://schemas.microsoft.com/office/drawing/2014/main" id="{A4470379-74BB-261F-0DEA-B1F4BBEF2897}"/>
+              </a:ext>
+            </a:extLst>
+          </p:cNvPr>
+          <p:cNvSpPr txBox="1">
+            <a:spLocks/>
+          </p:cNvSpPr>
+          <p:nvPr/>
+        </p:nvSpPr>
+        <p:spPr>
+          <a:xfrm>
+            <a:off x="444500" y="1681163"/>
+            <a:ext cx="5427980" cy="696277"/>
+          </a:xfrm>
+          <a:prstGeom prst="rect">
+            <a:avLst/>
+          </a:prstGeom>
+        </p:spPr>
+        <p:txBody>
+          <a:bodyPr>
+            <a:normAutofit/>
+          </a:bodyPr>
+          <a:lstStyle>
+            <a:lvl1pPr marL="228600" indent="-228600" algn="l" defTabSz="914400" rtl="0" eaLnBrk="1" latinLnBrk="0" hangingPunct="1">
+              <a:lnSpc>
+                <a:spcPct val="90000"/>
+              </a:lnSpc>
+              <a:spcBef>
+                <a:spcPts val="1000"/>
+              </a:spcBef>
+              <a:buClr>
+                <a:schemeClr val="accent2"/>
+              </a:buClr>
+              <a:buFont typeface="Arial" panose="020B0604020202020204" pitchFamily="34" charset="0"/>
+              <a:buChar char="•"/>
+              <a:defRPr sz="2800" kern="1200">
+                <a:solidFill>
+                  <a:schemeClr val="tx1"/>
+                </a:solidFill>
+                <a:latin typeface="+mn-lt"/>
+                <a:ea typeface="+mn-ea"/>
+                <a:cs typeface="+mn-cs"/>
+              </a:defRPr>
+            </a:lvl1pPr>
+            <a:lvl2pPr marL="685800" indent="-228600" algn="l" defTabSz="914400" rtl="0" eaLnBrk="1" latinLnBrk="0" hangingPunct="1">
+              <a:lnSpc>
+                <a:spcPct val="90000"/>
+              </a:lnSpc>
+              <a:spcBef>
+                <a:spcPts val="500"/>
+              </a:spcBef>
+              <a:buClr>
+                <a:schemeClr val="accent2"/>
+              </a:buClr>
+              <a:buFont typeface="Arial" panose="020B0604020202020204" pitchFamily="34" charset="0"/>
+              <a:buChar char="•"/>
+              <a:defRPr sz="2400" kern="1200">
+                <a:solidFill>
+                  <a:schemeClr val="tx1"/>
+                </a:solidFill>
+                <a:latin typeface="+mn-lt"/>
+                <a:ea typeface="+mn-ea"/>
+                <a:cs typeface="+mn-cs"/>
+              </a:defRPr>
+            </a:lvl2pPr>
+            <a:lvl3pPr marL="1143000" indent="-228600" algn="l" defTabSz="914400" rtl="0" eaLnBrk="1" latinLnBrk="0" hangingPunct="1">
+              <a:lnSpc>
+                <a:spcPct val="90000"/>
+              </a:lnSpc>
+              <a:spcBef>
+                <a:spcPts val="500"/>
+              </a:spcBef>
+              <a:buClr>
+                <a:schemeClr val="accent2"/>
+              </a:buClr>
+              <a:buFont typeface="Arial" panose="020B0604020202020204" pitchFamily="34" charset="0"/>
+              <a:buChar char="•"/>
+              <a:defRPr sz="2000" kern="1200">
+                <a:solidFill>
+                  <a:schemeClr val="tx1"/>
+                </a:solidFill>
+                <a:latin typeface="+mn-lt"/>
+                <a:ea typeface="+mn-ea"/>
+                <a:cs typeface="+mn-cs"/>
+              </a:defRPr>
+            </a:lvl3pPr>
+            <a:lvl4pPr marL="1600200" indent="-228600" algn="l" defTabSz="914400" rtl="0" eaLnBrk="1" latinLnBrk="0" hangingPunct="1">
+              <a:lnSpc>
+                <a:spcPct val="90000"/>
+              </a:lnSpc>
+              <a:spcBef>
+                <a:spcPts val="500"/>
+              </a:spcBef>
+              <a:buClr>
+                <a:schemeClr val="accent2"/>
+              </a:buClr>
+              <a:buFont typeface="Arial" panose="020B0604020202020204" pitchFamily="34" charset="0"/>
+              <a:buChar char="•"/>
+              <a:defRPr sz="1800" kern="1200">
+                <a:solidFill>
+                  <a:schemeClr val="tx1"/>
+                </a:solidFill>
+                <a:latin typeface="+mn-lt"/>
+                <a:ea typeface="+mn-ea"/>
+                <a:cs typeface="+mn-cs"/>
+              </a:defRPr>
+            </a:lvl4pPr>
+            <a:lvl5pPr marL="2057400" indent="-228600" algn="l" defTabSz="914400" rtl="0" eaLnBrk="1" latinLnBrk="0" hangingPunct="1">
+              <a:lnSpc>
+                <a:spcPct val="90000"/>
+              </a:lnSpc>
+              <a:spcBef>
+                <a:spcPts val="500"/>
+              </a:spcBef>
+              <a:buClr>
+                <a:schemeClr val="accent2"/>
+              </a:buClr>
+              <a:buFont typeface="Arial" panose="020B0604020202020204" pitchFamily="34" charset="0"/>
+              <a:buChar char="•"/>
+              <a:defRPr sz="1800" kern="1200">
+                <a:solidFill>
+                  <a:schemeClr val="tx1"/>
+                </a:solidFill>
+                <a:latin typeface="+mn-lt"/>
+                <a:ea typeface="+mn-ea"/>
+                <a:cs typeface="+mn-cs"/>
+              </a:defRPr>
+            </a:lvl5pPr>
+            <a:lvl6pPr marL="2514600" indent="-228600" algn="l" defTabSz="914400" rtl="0" eaLnBrk="1" latinLnBrk="0" hangingPunct="1">
+              <a:lnSpc>
+                <a:spcPct val="90000"/>
+              </a:lnSpc>
+              <a:spcBef>
+                <a:spcPts val="500"/>
+              </a:spcBef>
+              <a:buFont typeface="Arial" panose="020B0604020202020204" pitchFamily="34" charset="0"/>
+              <a:buChar char="•"/>
+              <a:defRPr sz="1800" kern="1200">
+                <a:solidFill>
+                  <a:schemeClr val="tx1"/>
+                </a:solidFill>
+                <a:latin typeface="+mn-lt"/>
+                <a:ea typeface="+mn-ea"/>
+                <a:cs typeface="+mn-cs"/>
+              </a:defRPr>
+            </a:lvl6pPr>
+            <a:lvl7pPr marL="2971800" indent="-228600" algn="l" defTabSz="914400" rtl="0" eaLnBrk="1" latinLnBrk="0" hangingPunct="1">
+              <a:lnSpc>
+                <a:spcPct val="90000"/>
+              </a:lnSpc>
+              <a:spcBef>
+                <a:spcPts val="500"/>
+              </a:spcBef>
+              <a:buFont typeface="Arial" panose="020B0604020202020204" pitchFamily="34" charset="0"/>
+              <a:buChar char="•"/>
+              <a:defRPr sz="1800" kern="1200">
+                <a:solidFill>
+                  <a:schemeClr val="tx1"/>
+                </a:solidFill>
+                <a:latin typeface="+mn-lt"/>
+                <a:ea typeface="+mn-ea"/>
+                <a:cs typeface="+mn-cs"/>
+              </a:defRPr>
+            </a:lvl7pPr>
+            <a:lvl8pPr marL="3429000" indent="-228600" algn="l" defTabSz="914400" rtl="0" eaLnBrk="1" latinLnBrk="0" hangingPunct="1">
+              <a:lnSpc>
+                <a:spcPct val="90000"/>
+              </a:lnSpc>
+              <a:spcBef>
+                <a:spcPts val="500"/>
+              </a:spcBef>
+              <a:buFont typeface="Arial" panose="020B0604020202020204" pitchFamily="34" charset="0"/>
+              <a:buChar char="•"/>
+              <a:defRPr sz="1800" kern="1200">
+                <a:solidFill>
+                  <a:schemeClr val="tx1"/>
+                </a:solidFill>
+                <a:latin typeface="+mn-lt"/>
+                <a:ea typeface="+mn-ea"/>
+                <a:cs typeface="+mn-cs"/>
+              </a:defRPr>
+            </a:lvl8pPr>
+            <a:lvl9pPr marL="3886200" indent="-228600" algn="l" defTabSz="914400" rtl="0" eaLnBrk="1" latinLnBrk="0" hangingPunct="1">
+              <a:lnSpc>
+                <a:spcPct val="90000"/>
+              </a:lnSpc>
+              <a:spcBef>
+                <a:spcPts val="500"/>
+              </a:spcBef>
+              <a:buFont typeface="Arial" panose="020B0604020202020204" pitchFamily="34" charset="0"/>
+              <a:buChar char="•"/>
+              <a:defRPr sz="1800" kern="1200">
+                <a:solidFill>
+                  <a:schemeClr val="tx1"/>
+                </a:solidFill>
+                <a:latin typeface="+mn-lt"/>
+                <a:ea typeface="+mn-ea"/>
+                <a:cs typeface="+mn-cs"/>
+              </a:defRPr>
+            </a:lvl9pPr>
+          </a:lstStyle>
+          <a:p>
+            <a:pPr marL="0" indent="0">
+              <a:buNone/>
+            </a:pPr>
+            <a:r>
+              <a:rPr lang="en-US" sz="2400" b="1" dirty="0">
+                <a:solidFill>
+                  <a:schemeClr val="bg1"/>
+                </a:solidFill>
+              </a:rPr>
               <a:t>Clustering</a:t>
             </a:r>
           </a:p>
@@ -40239,7 +41040,7 @@
 </p:sld>
 </file>
 
-<file path=ppt/slides/slide37.xml><?xml version="1.0" encoding="utf-8"?>
+<file path=ppt/slides/slide38.xml><?xml version="1.0" encoding="utf-8"?>
 <p:sld xmlns:a="http://schemas.openxmlformats.org/drawingml/2006/main" xmlns:r="http://schemas.openxmlformats.org/officeDocument/2006/relationships" xmlns:p="http://schemas.openxmlformats.org/presentationml/2006/main">
   <p:cSld>
     <p:spTree>
@@ -40309,7 +41110,7 @@
             <a:fld id="{C263D6C4-4840-40CC-AC84-17E24B3B7BDE}" type="slidenum">
               <a:rPr lang="en-US" smtClean="0"/>
               <a:pPr/>
-              <a:t>37</a:t>
+              <a:t>38</a:t>
             </a:fld>
             <a:endParaRPr lang="en-US" dirty="0"/>
           </a:p>
@@ -40915,7 +41716,7 @@
 </p:sld>
 </file>
 
-<file path=ppt/slides/slide38.xml><?xml version="1.0" encoding="utf-8"?>
+<file path=ppt/slides/slide39.xml><?xml version="1.0" encoding="utf-8"?>
 <p:sld xmlns:a="http://schemas.openxmlformats.org/drawingml/2006/main" xmlns:r="http://schemas.openxmlformats.org/officeDocument/2006/relationships" xmlns:p="http://schemas.openxmlformats.org/presentationml/2006/main">
   <p:cSld>
     <p:spTree>
@@ -40985,7 +41786,7 @@
             <a:fld id="{C263D6C4-4840-40CC-AC84-17E24B3B7BDE}" type="slidenum">
               <a:rPr lang="en-US" smtClean="0"/>
               <a:pPr/>
-              <a:t>38</a:t>
+              <a:t>39</a:t>
             </a:fld>
             <a:endParaRPr lang="en-US" dirty="0"/>
           </a:p>
@@ -41559,113 +42360,6 @@
 </p:sld>
 </file>
 
-<file path=ppt/slides/slide39.xml><?xml version="1.0" encoding="utf-8"?>
-<p:sld xmlns:a="http://schemas.openxmlformats.org/drawingml/2006/main" xmlns:r="http://schemas.openxmlformats.org/officeDocument/2006/relationships" xmlns:p="http://schemas.openxmlformats.org/presentationml/2006/main">
-  <p:cSld>
-    <p:spTree>
-      <p:nvGrpSpPr>
-        <p:cNvPr id="1" name=""/>
-        <p:cNvGrpSpPr/>
-        <p:nvPr/>
-      </p:nvGrpSpPr>
-      <p:grpSpPr>
-        <a:xfrm>
-          <a:off x="0" y="0"/>
-          <a:ext cx="0" cy="0"/>
-          <a:chOff x="0" y="0"/>
-          <a:chExt cx="0" cy="0"/>
-        </a:xfrm>
-      </p:grpSpPr>
-      <p:sp>
-        <p:nvSpPr>
-          <p:cNvPr id="4" name="Title 3">
-            <a:extLst>
-              <a:ext uri="{FF2B5EF4-FFF2-40B4-BE49-F238E27FC236}">
-                <a16:creationId xmlns:a16="http://schemas.microsoft.com/office/drawing/2014/main" id="{BD179B88-D43C-4A31-9A52-3498E9430782}"/>
-              </a:ext>
-            </a:extLst>
-          </p:cNvPr>
-          <p:cNvSpPr>
-            <a:spLocks noGrp="1"/>
-          </p:cNvSpPr>
-          <p:nvPr>
-            <p:ph type="title"/>
-          </p:nvPr>
-        </p:nvSpPr>
-        <p:spPr>
-          <a:xfrm>
-            <a:off x="832104" y="3291840"/>
-            <a:ext cx="7781544" cy="1453415"/>
-          </a:xfrm>
-        </p:spPr>
-        <p:txBody>
-          <a:bodyPr>
-            <a:normAutofit/>
-          </a:bodyPr>
-          <a:lstStyle/>
-          <a:p>
-            <a:r>
-              <a:rPr lang="en-US" sz="4800" dirty="0"/>
-              <a:t>Conclusions</a:t>
-            </a:r>
-          </a:p>
-        </p:txBody>
-      </p:sp>
-      <p:sp>
-        <p:nvSpPr>
-          <p:cNvPr id="2" name="Slide Number Placeholder 1">
-            <a:extLst>
-              <a:ext uri="{FF2B5EF4-FFF2-40B4-BE49-F238E27FC236}">
-                <a16:creationId xmlns:a16="http://schemas.microsoft.com/office/drawing/2014/main" id="{8B065C75-272B-4BB5-BA23-D80E8654D621}"/>
-              </a:ext>
-            </a:extLst>
-          </p:cNvPr>
-          <p:cNvSpPr>
-            <a:spLocks noGrp="1"/>
-          </p:cNvSpPr>
-          <p:nvPr>
-            <p:ph type="sldNum" sz="quarter" idx="12"/>
-          </p:nvPr>
-        </p:nvSpPr>
-        <p:spPr/>
-        <p:txBody>
-          <a:bodyPr/>
-          <a:lstStyle/>
-          <a:p>
-            <a:fld id="{C263D6C4-4840-40CC-AC84-17E24B3B7BDE}" type="slidenum">
-              <a:rPr lang="en-US" smtClean="0"/>
-              <a:pPr/>
-              <a:t>39</a:t>
-            </a:fld>
-            <a:endParaRPr lang="en-US" dirty="0"/>
-          </a:p>
-        </p:txBody>
-      </p:sp>
-    </p:spTree>
-    <p:extLst>
-      <p:ext uri="{BB962C8B-B14F-4D97-AF65-F5344CB8AC3E}">
-        <p14:creationId xmlns:p14="http://schemas.microsoft.com/office/powerpoint/2010/main" val="179207632"/>
-      </p:ext>
-    </p:extLst>
-  </p:cSld>
-  <p:clrMapOvr>
-    <a:masterClrMapping/>
-  </p:clrMapOvr>
-  <mc:AlternateContent xmlns:mc="http://schemas.openxmlformats.org/markup-compatibility/2006" xmlns:p14="http://schemas.microsoft.com/office/powerpoint/2010/main">
-    <mc:Choice Requires="p14">
-      <p:transition spd="med" p14:dur="700">
-        <p:fade/>
-      </p:transition>
-    </mc:Choice>
-    <mc:Fallback xmlns="">
-      <p:transition spd="med">
-        <p:fade/>
-      </p:transition>
-    </mc:Fallback>
-  </mc:AlternateContent>
-</p:sld>
-</file>
-
 <file path=ppt/slides/slide4.xml><?xml version="1.0" encoding="utf-8"?>
 <p:sld xmlns:a="http://schemas.openxmlformats.org/drawingml/2006/main" xmlns:r="http://schemas.openxmlformats.org/officeDocument/2006/relationships" xmlns:p="http://schemas.openxmlformats.org/presentationml/2006/main">
   <p:cSld>
@@ -41854,6 +42548,113 @@
       </p:grpSpPr>
       <p:sp>
         <p:nvSpPr>
+          <p:cNvPr id="4" name="Title 3">
+            <a:extLst>
+              <a:ext uri="{FF2B5EF4-FFF2-40B4-BE49-F238E27FC236}">
+                <a16:creationId xmlns:a16="http://schemas.microsoft.com/office/drawing/2014/main" id="{BD179B88-D43C-4A31-9A52-3498E9430782}"/>
+              </a:ext>
+            </a:extLst>
+          </p:cNvPr>
+          <p:cNvSpPr>
+            <a:spLocks noGrp="1"/>
+          </p:cNvSpPr>
+          <p:nvPr>
+            <p:ph type="title"/>
+          </p:nvPr>
+        </p:nvSpPr>
+        <p:spPr>
+          <a:xfrm>
+            <a:off x="832104" y="3291840"/>
+            <a:ext cx="7781544" cy="1453415"/>
+          </a:xfrm>
+        </p:spPr>
+        <p:txBody>
+          <a:bodyPr>
+            <a:normAutofit/>
+          </a:bodyPr>
+          <a:lstStyle/>
+          <a:p>
+            <a:r>
+              <a:rPr lang="en-US" sz="4800" dirty="0"/>
+              <a:t>Conclusions</a:t>
+            </a:r>
+          </a:p>
+        </p:txBody>
+      </p:sp>
+      <p:sp>
+        <p:nvSpPr>
+          <p:cNvPr id="2" name="Slide Number Placeholder 1">
+            <a:extLst>
+              <a:ext uri="{FF2B5EF4-FFF2-40B4-BE49-F238E27FC236}">
+                <a16:creationId xmlns:a16="http://schemas.microsoft.com/office/drawing/2014/main" id="{8B065C75-272B-4BB5-BA23-D80E8654D621}"/>
+              </a:ext>
+            </a:extLst>
+          </p:cNvPr>
+          <p:cNvSpPr>
+            <a:spLocks noGrp="1"/>
+          </p:cNvSpPr>
+          <p:nvPr>
+            <p:ph type="sldNum" sz="quarter" idx="12"/>
+          </p:nvPr>
+        </p:nvSpPr>
+        <p:spPr/>
+        <p:txBody>
+          <a:bodyPr/>
+          <a:lstStyle/>
+          <a:p>
+            <a:fld id="{C263D6C4-4840-40CC-AC84-17E24B3B7BDE}" type="slidenum">
+              <a:rPr lang="en-US" smtClean="0"/>
+              <a:pPr/>
+              <a:t>40</a:t>
+            </a:fld>
+            <a:endParaRPr lang="en-US" dirty="0"/>
+          </a:p>
+        </p:txBody>
+      </p:sp>
+    </p:spTree>
+    <p:extLst>
+      <p:ext uri="{BB962C8B-B14F-4D97-AF65-F5344CB8AC3E}">
+        <p14:creationId xmlns:p14="http://schemas.microsoft.com/office/powerpoint/2010/main" val="179207632"/>
+      </p:ext>
+    </p:extLst>
+  </p:cSld>
+  <p:clrMapOvr>
+    <a:masterClrMapping/>
+  </p:clrMapOvr>
+  <mc:AlternateContent xmlns:mc="http://schemas.openxmlformats.org/markup-compatibility/2006" xmlns:p14="http://schemas.microsoft.com/office/powerpoint/2010/main">
+    <mc:Choice Requires="p14">
+      <p:transition spd="med" p14:dur="700">
+        <p:fade/>
+      </p:transition>
+    </mc:Choice>
+    <mc:Fallback xmlns="">
+      <p:transition spd="med">
+        <p:fade/>
+      </p:transition>
+    </mc:Fallback>
+  </mc:AlternateContent>
+</p:sld>
+</file>
+
+<file path=ppt/slides/slide41.xml><?xml version="1.0" encoding="utf-8"?>
+<p:sld xmlns:a="http://schemas.openxmlformats.org/drawingml/2006/main" xmlns:r="http://schemas.openxmlformats.org/officeDocument/2006/relationships" xmlns:p="http://schemas.openxmlformats.org/presentationml/2006/main">
+  <p:cSld>
+    <p:spTree>
+      <p:nvGrpSpPr>
+        <p:cNvPr id="1" name=""/>
+        <p:cNvGrpSpPr/>
+        <p:nvPr/>
+      </p:nvGrpSpPr>
+      <p:grpSpPr>
+        <a:xfrm>
+          <a:off x="0" y="0"/>
+          <a:ext cx="0" cy="0"/>
+          <a:chOff x="0" y="0"/>
+          <a:chExt cx="0" cy="0"/>
+        </a:xfrm>
+      </p:grpSpPr>
+      <p:sp>
+        <p:nvSpPr>
           <p:cNvPr id="5" name="Title 4">
             <a:extLst>
               <a:ext uri="{FF2B5EF4-FFF2-40B4-BE49-F238E27FC236}">
@@ -41905,7 +42706,7 @@
             <a:fld id="{C263D6C4-4840-40CC-AC84-17E24B3B7BDE}" type="slidenum">
               <a:rPr lang="en-US" smtClean="0"/>
               <a:pPr/>
-              <a:t>40</a:t>
+              <a:t>41</a:t>
             </a:fld>
             <a:endParaRPr lang="en-US" dirty="0"/>
           </a:p>
@@ -42558,7 +43359,7 @@
 </p:sld>
 </file>
 
-<file path=ppt/slides/slide41.xml><?xml version="1.0" encoding="utf-8"?>
+<file path=ppt/slides/slide42.xml><?xml version="1.0" encoding="utf-8"?>
 <p:sld xmlns:a="http://schemas.openxmlformats.org/drawingml/2006/main" xmlns:r="http://schemas.openxmlformats.org/officeDocument/2006/relationships" xmlns:p="http://schemas.openxmlformats.org/presentationml/2006/main">
   <p:cSld>
     <p:spTree>
@@ -42634,7 +43435,7 @@
             <a:fld id="{C263D6C4-4840-40CC-AC84-17E24B3B7BDE}" type="slidenum">
               <a:rPr lang="en-US" smtClean="0"/>
               <a:pPr/>
-              <a:t>41</a:t>
+              <a:t>42</a:t>
             </a:fld>
             <a:endParaRPr lang="en-US" dirty="0"/>
           </a:p>
@@ -42665,7 +43466,7 @@
 </p:sld>
 </file>
 
-<file path=ppt/slides/slide42.xml><?xml version="1.0" encoding="utf-8"?>
+<file path=ppt/slides/slide43.xml><?xml version="1.0" encoding="utf-8"?>
 <p:sld xmlns:a="http://schemas.openxmlformats.org/drawingml/2006/main" xmlns:r="http://schemas.openxmlformats.org/officeDocument/2006/relationships" xmlns:p="http://schemas.openxmlformats.org/presentationml/2006/main">
   <p:cSld>
     <p:spTree>
@@ -42735,7 +43536,7 @@
             <a:fld id="{C263D6C4-4840-40CC-AC84-17E24B3B7BDE}" type="slidenum">
               <a:rPr lang="en-US" smtClean="0"/>
               <a:pPr/>
-              <a:t>42</a:t>
+              <a:t>43</a:t>
             </a:fld>
             <a:endParaRPr lang="en-US" dirty="0"/>
           </a:p>
@@ -43314,7 +44115,7 @@
 </p:sld>
 </file>
 
-<file path=ppt/slides/slide43.xml><?xml version="1.0" encoding="utf-8"?>
+<file path=ppt/slides/slide44.xml><?xml version="1.0" encoding="utf-8"?>
 <p:sld xmlns:a="http://schemas.openxmlformats.org/drawingml/2006/main" xmlns:r="http://schemas.openxmlformats.org/officeDocument/2006/relationships" xmlns:p="http://schemas.openxmlformats.org/presentationml/2006/main">
   <p:cSld>
     <p:spTree>
@@ -43978,7 +44779,7 @@
             </a:pPr>
             <a:r>
               <a:rPr lang="en-US" sz="2000" dirty="0"/>
-              <a:t>Approximately 70k rows and 50 columns</a:t>
+              <a:t>Approximately 70k rows and 39 columns</a:t>
             </a:r>
           </a:p>
           <a:p>
@@ -44373,6 +45174,1020 @@
       </p:grpSpPr>
       <p:sp>
         <p:nvSpPr>
+          <p:cNvPr id="5" name="Title 4">
+            <a:extLst>
+              <a:ext uri="{FF2B5EF4-FFF2-40B4-BE49-F238E27FC236}">
+                <a16:creationId xmlns:a16="http://schemas.microsoft.com/office/drawing/2014/main" id="{201323FB-427E-4A8D-B473-AB0657D8D23B}"/>
+              </a:ext>
+            </a:extLst>
+          </p:cNvPr>
+          <p:cNvSpPr>
+            <a:spLocks noGrp="1"/>
+          </p:cNvSpPr>
+          <p:nvPr>
+            <p:ph type="title"/>
+          </p:nvPr>
+        </p:nvSpPr>
+        <p:spPr/>
+        <p:txBody>
+          <a:bodyPr/>
+          <a:lstStyle/>
+          <a:p>
+            <a:r>
+              <a:rPr lang="en-US" dirty="0"/>
+              <a:t>Data Review</a:t>
+            </a:r>
+          </a:p>
+        </p:txBody>
+      </p:sp>
+      <p:sp>
+        <p:nvSpPr>
+          <p:cNvPr id="2" name="Slide Number Placeholder 1">
+            <a:extLst>
+              <a:ext uri="{FF2B5EF4-FFF2-40B4-BE49-F238E27FC236}">
+                <a16:creationId xmlns:a16="http://schemas.microsoft.com/office/drawing/2014/main" id="{E4398C1C-6656-4A73-A680-62A81CDC27FD}"/>
+              </a:ext>
+            </a:extLst>
+          </p:cNvPr>
+          <p:cNvSpPr>
+            <a:spLocks noGrp="1"/>
+          </p:cNvSpPr>
+          <p:nvPr>
+            <p:ph type="sldNum" sz="quarter" idx="12"/>
+          </p:nvPr>
+        </p:nvSpPr>
+        <p:spPr/>
+        <p:txBody>
+          <a:bodyPr/>
+          <a:lstStyle/>
+          <a:p>
+            <a:fld id="{C263D6C4-4840-40CC-AC84-17E24B3B7BDE}" type="slidenum">
+              <a:rPr lang="en-US" smtClean="0"/>
+              <a:pPr/>
+              <a:t>8</a:t>
+            </a:fld>
+            <a:endParaRPr lang="en-US" dirty="0"/>
+          </a:p>
+        </p:txBody>
+      </p:sp>
+      <p:sp>
+        <p:nvSpPr>
+          <p:cNvPr id="8" name="Text Placeholder 6">
+            <a:extLst>
+              <a:ext uri="{FF2B5EF4-FFF2-40B4-BE49-F238E27FC236}">
+                <a16:creationId xmlns:a16="http://schemas.microsoft.com/office/drawing/2014/main" id="{A4470379-74BB-261F-0DEA-B1F4BBEF2897}"/>
+              </a:ext>
+            </a:extLst>
+          </p:cNvPr>
+          <p:cNvSpPr txBox="1">
+            <a:spLocks/>
+          </p:cNvSpPr>
+          <p:nvPr/>
+        </p:nvSpPr>
+        <p:spPr>
+          <a:xfrm>
+            <a:off x="444500" y="1681163"/>
+            <a:ext cx="5157787" cy="503237"/>
+          </a:xfrm>
+          <a:prstGeom prst="rect">
+            <a:avLst/>
+          </a:prstGeom>
+        </p:spPr>
+        <p:txBody>
+          <a:bodyPr>
+            <a:normAutofit/>
+          </a:bodyPr>
+          <a:lstStyle>
+            <a:lvl1pPr marL="228600" indent="-228600" algn="l" defTabSz="914400" rtl="0" eaLnBrk="1" latinLnBrk="0" hangingPunct="1">
+              <a:lnSpc>
+                <a:spcPct val="90000"/>
+              </a:lnSpc>
+              <a:spcBef>
+                <a:spcPts val="1000"/>
+              </a:spcBef>
+              <a:buClr>
+                <a:schemeClr val="accent2"/>
+              </a:buClr>
+              <a:buFont typeface="Arial" panose="020B0604020202020204" pitchFamily="34" charset="0"/>
+              <a:buChar char="•"/>
+              <a:defRPr sz="2800" kern="1200">
+                <a:solidFill>
+                  <a:schemeClr val="tx1"/>
+                </a:solidFill>
+                <a:latin typeface="+mn-lt"/>
+                <a:ea typeface="+mn-ea"/>
+                <a:cs typeface="+mn-cs"/>
+              </a:defRPr>
+            </a:lvl1pPr>
+            <a:lvl2pPr marL="685800" indent="-228600" algn="l" defTabSz="914400" rtl="0" eaLnBrk="1" latinLnBrk="0" hangingPunct="1">
+              <a:lnSpc>
+                <a:spcPct val="90000"/>
+              </a:lnSpc>
+              <a:spcBef>
+                <a:spcPts val="500"/>
+              </a:spcBef>
+              <a:buClr>
+                <a:schemeClr val="accent2"/>
+              </a:buClr>
+              <a:buFont typeface="Arial" panose="020B0604020202020204" pitchFamily="34" charset="0"/>
+              <a:buChar char="•"/>
+              <a:defRPr sz="2400" kern="1200">
+                <a:solidFill>
+                  <a:schemeClr val="tx1"/>
+                </a:solidFill>
+                <a:latin typeface="+mn-lt"/>
+                <a:ea typeface="+mn-ea"/>
+                <a:cs typeface="+mn-cs"/>
+              </a:defRPr>
+            </a:lvl2pPr>
+            <a:lvl3pPr marL="1143000" indent="-228600" algn="l" defTabSz="914400" rtl="0" eaLnBrk="1" latinLnBrk="0" hangingPunct="1">
+              <a:lnSpc>
+                <a:spcPct val="90000"/>
+              </a:lnSpc>
+              <a:spcBef>
+                <a:spcPts val="500"/>
+              </a:spcBef>
+              <a:buClr>
+                <a:schemeClr val="accent2"/>
+              </a:buClr>
+              <a:buFont typeface="Arial" panose="020B0604020202020204" pitchFamily="34" charset="0"/>
+              <a:buChar char="•"/>
+              <a:defRPr sz="2000" kern="1200">
+                <a:solidFill>
+                  <a:schemeClr val="tx1"/>
+                </a:solidFill>
+                <a:latin typeface="+mn-lt"/>
+                <a:ea typeface="+mn-ea"/>
+                <a:cs typeface="+mn-cs"/>
+              </a:defRPr>
+            </a:lvl3pPr>
+            <a:lvl4pPr marL="1600200" indent="-228600" algn="l" defTabSz="914400" rtl="0" eaLnBrk="1" latinLnBrk="0" hangingPunct="1">
+              <a:lnSpc>
+                <a:spcPct val="90000"/>
+              </a:lnSpc>
+              <a:spcBef>
+                <a:spcPts val="500"/>
+              </a:spcBef>
+              <a:buClr>
+                <a:schemeClr val="accent2"/>
+              </a:buClr>
+              <a:buFont typeface="Arial" panose="020B0604020202020204" pitchFamily="34" charset="0"/>
+              <a:buChar char="•"/>
+              <a:defRPr sz="1800" kern="1200">
+                <a:solidFill>
+                  <a:schemeClr val="tx1"/>
+                </a:solidFill>
+                <a:latin typeface="+mn-lt"/>
+                <a:ea typeface="+mn-ea"/>
+                <a:cs typeface="+mn-cs"/>
+              </a:defRPr>
+            </a:lvl4pPr>
+            <a:lvl5pPr marL="2057400" indent="-228600" algn="l" defTabSz="914400" rtl="0" eaLnBrk="1" latinLnBrk="0" hangingPunct="1">
+              <a:lnSpc>
+                <a:spcPct val="90000"/>
+              </a:lnSpc>
+              <a:spcBef>
+                <a:spcPts val="500"/>
+              </a:spcBef>
+              <a:buClr>
+                <a:schemeClr val="accent2"/>
+              </a:buClr>
+              <a:buFont typeface="Arial" panose="020B0604020202020204" pitchFamily="34" charset="0"/>
+              <a:buChar char="•"/>
+              <a:defRPr sz="1800" kern="1200">
+                <a:solidFill>
+                  <a:schemeClr val="tx1"/>
+                </a:solidFill>
+                <a:latin typeface="+mn-lt"/>
+                <a:ea typeface="+mn-ea"/>
+                <a:cs typeface="+mn-cs"/>
+              </a:defRPr>
+            </a:lvl5pPr>
+            <a:lvl6pPr marL="2514600" indent="-228600" algn="l" defTabSz="914400" rtl="0" eaLnBrk="1" latinLnBrk="0" hangingPunct="1">
+              <a:lnSpc>
+                <a:spcPct val="90000"/>
+              </a:lnSpc>
+              <a:spcBef>
+                <a:spcPts val="500"/>
+              </a:spcBef>
+              <a:buFont typeface="Arial" panose="020B0604020202020204" pitchFamily="34" charset="0"/>
+              <a:buChar char="•"/>
+              <a:defRPr sz="1800" kern="1200">
+                <a:solidFill>
+                  <a:schemeClr val="tx1"/>
+                </a:solidFill>
+                <a:latin typeface="+mn-lt"/>
+                <a:ea typeface="+mn-ea"/>
+                <a:cs typeface="+mn-cs"/>
+              </a:defRPr>
+            </a:lvl6pPr>
+            <a:lvl7pPr marL="2971800" indent="-228600" algn="l" defTabSz="914400" rtl="0" eaLnBrk="1" latinLnBrk="0" hangingPunct="1">
+              <a:lnSpc>
+                <a:spcPct val="90000"/>
+              </a:lnSpc>
+              <a:spcBef>
+                <a:spcPts val="500"/>
+              </a:spcBef>
+              <a:buFont typeface="Arial" panose="020B0604020202020204" pitchFamily="34" charset="0"/>
+              <a:buChar char="•"/>
+              <a:defRPr sz="1800" kern="1200">
+                <a:solidFill>
+                  <a:schemeClr val="tx1"/>
+                </a:solidFill>
+                <a:latin typeface="+mn-lt"/>
+                <a:ea typeface="+mn-ea"/>
+                <a:cs typeface="+mn-cs"/>
+              </a:defRPr>
+            </a:lvl7pPr>
+            <a:lvl8pPr marL="3429000" indent="-228600" algn="l" defTabSz="914400" rtl="0" eaLnBrk="1" latinLnBrk="0" hangingPunct="1">
+              <a:lnSpc>
+                <a:spcPct val="90000"/>
+              </a:lnSpc>
+              <a:spcBef>
+                <a:spcPts val="500"/>
+              </a:spcBef>
+              <a:buFont typeface="Arial" panose="020B0604020202020204" pitchFamily="34" charset="0"/>
+              <a:buChar char="•"/>
+              <a:defRPr sz="1800" kern="1200">
+                <a:solidFill>
+                  <a:schemeClr val="tx1"/>
+                </a:solidFill>
+                <a:latin typeface="+mn-lt"/>
+                <a:ea typeface="+mn-ea"/>
+                <a:cs typeface="+mn-cs"/>
+              </a:defRPr>
+            </a:lvl8pPr>
+            <a:lvl9pPr marL="3886200" indent="-228600" algn="l" defTabSz="914400" rtl="0" eaLnBrk="1" latinLnBrk="0" hangingPunct="1">
+              <a:lnSpc>
+                <a:spcPct val="90000"/>
+              </a:lnSpc>
+              <a:spcBef>
+                <a:spcPts val="500"/>
+              </a:spcBef>
+              <a:buFont typeface="Arial" panose="020B0604020202020204" pitchFamily="34" charset="0"/>
+              <a:buChar char="•"/>
+              <a:defRPr sz="1800" kern="1200">
+                <a:solidFill>
+                  <a:schemeClr val="tx1"/>
+                </a:solidFill>
+                <a:latin typeface="+mn-lt"/>
+                <a:ea typeface="+mn-ea"/>
+                <a:cs typeface="+mn-cs"/>
+              </a:defRPr>
+            </a:lvl9pPr>
+          </a:lstStyle>
+          <a:p>
+            <a:pPr marL="0" indent="0">
+              <a:buNone/>
+            </a:pPr>
+            <a:r>
+              <a:rPr lang="en-US" sz="2400" b="1" dirty="0">
+                <a:solidFill>
+                  <a:schemeClr val="bg1"/>
+                </a:solidFill>
+              </a:rPr>
+              <a:t>Correlation Heatmap:</a:t>
+            </a:r>
+          </a:p>
+        </p:txBody>
+      </p:sp>
+      <p:sp>
+        <p:nvSpPr>
+          <p:cNvPr id="6" name="Text Placeholder 7">
+            <a:extLst>
+              <a:ext uri="{FF2B5EF4-FFF2-40B4-BE49-F238E27FC236}">
+                <a16:creationId xmlns:a16="http://schemas.microsoft.com/office/drawing/2014/main" id="{90AB85E7-650D-A582-BC63-2F005D9B4FB7}"/>
+              </a:ext>
+            </a:extLst>
+          </p:cNvPr>
+          <p:cNvSpPr txBox="1">
+            <a:spLocks/>
+          </p:cNvSpPr>
+          <p:nvPr/>
+        </p:nvSpPr>
+        <p:spPr>
+          <a:xfrm>
+            <a:off x="444500" y="2184400"/>
+            <a:ext cx="5253497" cy="4378960"/>
+          </a:xfrm>
+          <a:prstGeom prst="rect">
+            <a:avLst/>
+          </a:prstGeom>
+        </p:spPr>
+        <p:txBody>
+          <a:bodyPr vert="horz" lIns="91440" tIns="45720" rIns="91440" bIns="45720" rtlCol="0">
+            <a:noAutofit/>
+          </a:bodyPr>
+          <a:lstStyle>
+            <a:lvl1pPr marL="228600" indent="-228600" algn="l" defTabSz="914400" rtl="0" eaLnBrk="1" latinLnBrk="0" hangingPunct="1">
+              <a:lnSpc>
+                <a:spcPct val="90000"/>
+              </a:lnSpc>
+              <a:spcBef>
+                <a:spcPts val="1000"/>
+              </a:spcBef>
+              <a:buClr>
+                <a:schemeClr val="accent2"/>
+              </a:buClr>
+              <a:buFont typeface="Arial" panose="020B0604020202020204" pitchFamily="34" charset="0"/>
+              <a:buChar char="•"/>
+              <a:defRPr sz="1800" kern="1200">
+                <a:solidFill>
+                  <a:schemeClr val="bg1"/>
+                </a:solidFill>
+                <a:latin typeface="+mn-lt"/>
+                <a:ea typeface="+mn-ea"/>
+                <a:cs typeface="+mn-cs"/>
+              </a:defRPr>
+            </a:lvl1pPr>
+            <a:lvl2pPr marL="685800" indent="-228600" algn="l" defTabSz="914400" rtl="0" eaLnBrk="1" latinLnBrk="0" hangingPunct="1">
+              <a:lnSpc>
+                <a:spcPct val="90000"/>
+              </a:lnSpc>
+              <a:spcBef>
+                <a:spcPts val="500"/>
+              </a:spcBef>
+              <a:buClr>
+                <a:schemeClr val="accent2"/>
+              </a:buClr>
+              <a:buFont typeface="Arial" panose="020B0604020202020204" pitchFamily="34" charset="0"/>
+              <a:buChar char="•"/>
+              <a:defRPr sz="1600" kern="1200">
+                <a:solidFill>
+                  <a:schemeClr val="bg1"/>
+                </a:solidFill>
+                <a:latin typeface="+mn-lt"/>
+                <a:ea typeface="+mn-ea"/>
+                <a:cs typeface="+mn-cs"/>
+              </a:defRPr>
+            </a:lvl2pPr>
+            <a:lvl3pPr marL="1143000" indent="-228600" algn="l" defTabSz="914400" rtl="0" eaLnBrk="1" latinLnBrk="0" hangingPunct="1">
+              <a:lnSpc>
+                <a:spcPct val="90000"/>
+              </a:lnSpc>
+              <a:spcBef>
+                <a:spcPts val="500"/>
+              </a:spcBef>
+              <a:buClr>
+                <a:schemeClr val="accent2"/>
+              </a:buClr>
+              <a:buFont typeface="Arial" panose="020B0604020202020204" pitchFamily="34" charset="0"/>
+              <a:buChar char="•"/>
+              <a:defRPr sz="1400" kern="1200">
+                <a:solidFill>
+                  <a:schemeClr val="bg1"/>
+                </a:solidFill>
+                <a:latin typeface="+mn-lt"/>
+                <a:ea typeface="+mn-ea"/>
+                <a:cs typeface="+mn-cs"/>
+              </a:defRPr>
+            </a:lvl3pPr>
+            <a:lvl4pPr marL="1600200" indent="-228600" algn="l" defTabSz="914400" rtl="0" eaLnBrk="1" latinLnBrk="0" hangingPunct="1">
+              <a:lnSpc>
+                <a:spcPct val="90000"/>
+              </a:lnSpc>
+              <a:spcBef>
+                <a:spcPts val="500"/>
+              </a:spcBef>
+              <a:buClr>
+                <a:schemeClr val="accent2"/>
+              </a:buClr>
+              <a:buFont typeface="Arial" panose="020B0604020202020204" pitchFamily="34" charset="0"/>
+              <a:buChar char="•"/>
+              <a:defRPr sz="1200" kern="1200">
+                <a:solidFill>
+                  <a:schemeClr val="bg1"/>
+                </a:solidFill>
+                <a:latin typeface="+mn-lt"/>
+                <a:ea typeface="+mn-ea"/>
+                <a:cs typeface="+mn-cs"/>
+              </a:defRPr>
+            </a:lvl4pPr>
+            <a:lvl5pPr marL="2057400" indent="-228600" algn="l" defTabSz="914400" rtl="0" eaLnBrk="1" latinLnBrk="0" hangingPunct="1">
+              <a:lnSpc>
+                <a:spcPct val="90000"/>
+              </a:lnSpc>
+              <a:spcBef>
+                <a:spcPts val="500"/>
+              </a:spcBef>
+              <a:buClr>
+                <a:schemeClr val="accent2"/>
+              </a:buClr>
+              <a:buFont typeface="Arial" panose="020B0604020202020204" pitchFamily="34" charset="0"/>
+              <a:buChar char="•"/>
+              <a:defRPr sz="1200" kern="1200">
+                <a:solidFill>
+                  <a:schemeClr val="bg1"/>
+                </a:solidFill>
+                <a:latin typeface="+mn-lt"/>
+                <a:ea typeface="+mn-ea"/>
+                <a:cs typeface="+mn-cs"/>
+              </a:defRPr>
+            </a:lvl5pPr>
+            <a:lvl6pPr marL="2514600" indent="-228600" algn="l" defTabSz="914400" rtl="0" eaLnBrk="1" latinLnBrk="0" hangingPunct="1">
+              <a:lnSpc>
+                <a:spcPct val="90000"/>
+              </a:lnSpc>
+              <a:spcBef>
+                <a:spcPts val="500"/>
+              </a:spcBef>
+              <a:buFont typeface="Arial" panose="020B0604020202020204" pitchFamily="34" charset="0"/>
+              <a:buChar char="•"/>
+              <a:defRPr sz="1800" kern="1200">
+                <a:solidFill>
+                  <a:schemeClr val="tx1"/>
+                </a:solidFill>
+                <a:latin typeface="+mn-lt"/>
+                <a:ea typeface="+mn-ea"/>
+                <a:cs typeface="+mn-cs"/>
+              </a:defRPr>
+            </a:lvl6pPr>
+            <a:lvl7pPr marL="2971800" indent="-228600" algn="l" defTabSz="914400" rtl="0" eaLnBrk="1" latinLnBrk="0" hangingPunct="1">
+              <a:lnSpc>
+                <a:spcPct val="90000"/>
+              </a:lnSpc>
+              <a:spcBef>
+                <a:spcPts val="500"/>
+              </a:spcBef>
+              <a:buFont typeface="Arial" panose="020B0604020202020204" pitchFamily="34" charset="0"/>
+              <a:buChar char="•"/>
+              <a:defRPr sz="1800" kern="1200">
+                <a:solidFill>
+                  <a:schemeClr val="tx1"/>
+                </a:solidFill>
+                <a:latin typeface="+mn-lt"/>
+                <a:ea typeface="+mn-ea"/>
+                <a:cs typeface="+mn-cs"/>
+              </a:defRPr>
+            </a:lvl7pPr>
+            <a:lvl8pPr marL="3429000" indent="-228600" algn="l" defTabSz="914400" rtl="0" eaLnBrk="1" latinLnBrk="0" hangingPunct="1">
+              <a:lnSpc>
+                <a:spcPct val="90000"/>
+              </a:lnSpc>
+              <a:spcBef>
+                <a:spcPts val="500"/>
+              </a:spcBef>
+              <a:buFont typeface="Arial" panose="020B0604020202020204" pitchFamily="34" charset="0"/>
+              <a:buChar char="•"/>
+              <a:defRPr sz="1800" kern="1200">
+                <a:solidFill>
+                  <a:schemeClr val="tx1"/>
+                </a:solidFill>
+                <a:latin typeface="+mn-lt"/>
+                <a:ea typeface="+mn-ea"/>
+                <a:cs typeface="+mn-cs"/>
+              </a:defRPr>
+            </a:lvl8pPr>
+            <a:lvl9pPr marL="3886200" indent="-228600" algn="l" defTabSz="914400" rtl="0" eaLnBrk="1" latinLnBrk="0" hangingPunct="1">
+              <a:lnSpc>
+                <a:spcPct val="90000"/>
+              </a:lnSpc>
+              <a:spcBef>
+                <a:spcPts val="500"/>
+              </a:spcBef>
+              <a:buFont typeface="Arial" panose="020B0604020202020204" pitchFamily="34" charset="0"/>
+              <a:buChar char="•"/>
+              <a:defRPr sz="1800" kern="1200">
+                <a:solidFill>
+                  <a:schemeClr val="tx1"/>
+                </a:solidFill>
+                <a:latin typeface="+mn-lt"/>
+                <a:ea typeface="+mn-ea"/>
+                <a:cs typeface="+mn-cs"/>
+              </a:defRPr>
+            </a:lvl9pPr>
+          </a:lstStyle>
+          <a:p>
+            <a:pPr>
+              <a:lnSpc>
+                <a:spcPct val="100000"/>
+              </a:lnSpc>
+            </a:pPr>
+            <a:r>
+              <a:rPr lang="en-US" sz="1400" dirty="0"/>
+              <a:t>Higher </a:t>
+            </a:r>
+            <a:r>
+              <a:rPr lang="en-US" sz="1400" b="1" dirty="0">
+                <a:solidFill>
+                  <a:schemeClr val="accent1">
+                    <a:lumMod val="60000"/>
+                    <a:lumOff val="40000"/>
+                  </a:schemeClr>
+                </a:solidFill>
+              </a:rPr>
+              <a:t>peak CCU</a:t>
+            </a:r>
+            <a:r>
+              <a:rPr lang="en-US" sz="1400" b="1" dirty="0"/>
+              <a:t> </a:t>
+            </a:r>
+            <a:r>
+              <a:rPr lang="en-US" sz="1400" dirty="0"/>
+              <a:t>tend to correlate with more </a:t>
+            </a:r>
+            <a:r>
+              <a:rPr lang="en-US" sz="1400" b="1" dirty="0">
+                <a:solidFill>
+                  <a:schemeClr val="accent1">
+                    <a:lumMod val="60000"/>
+                    <a:lumOff val="40000"/>
+                  </a:schemeClr>
+                </a:solidFill>
+              </a:rPr>
+              <a:t>positive and negative reviews</a:t>
+            </a:r>
+            <a:r>
+              <a:rPr lang="en-US" sz="1400" dirty="0"/>
+              <a:t> from users.</a:t>
+            </a:r>
+          </a:p>
+          <a:p>
+            <a:pPr>
+              <a:lnSpc>
+                <a:spcPct val="100000"/>
+              </a:lnSpc>
+            </a:pPr>
+            <a:r>
+              <a:rPr lang="en-US" sz="1400" dirty="0"/>
+              <a:t>A higher </a:t>
+            </a:r>
+            <a:r>
+              <a:rPr lang="en-US" sz="1400" b="1" dirty="0">
+                <a:solidFill>
+                  <a:schemeClr val="accent1">
+                    <a:lumMod val="60000"/>
+                    <a:lumOff val="40000"/>
+                  </a:schemeClr>
+                </a:solidFill>
+              </a:rPr>
+              <a:t>Metacritic score </a:t>
+            </a:r>
+            <a:r>
+              <a:rPr lang="en-US" sz="1400" dirty="0"/>
+              <a:t>is moderately correlated with more </a:t>
+            </a:r>
+            <a:r>
+              <a:rPr lang="en-US" sz="1400" b="1" dirty="0">
+                <a:solidFill>
+                  <a:schemeClr val="accent1">
+                    <a:lumMod val="60000"/>
+                    <a:lumOff val="40000"/>
+                  </a:schemeClr>
+                </a:solidFill>
+              </a:rPr>
+              <a:t>positive reviews </a:t>
+            </a:r>
+            <a:r>
+              <a:rPr lang="en-US" sz="1400" dirty="0"/>
+              <a:t>and less </a:t>
+            </a:r>
+            <a:r>
+              <a:rPr lang="en-US" sz="1400" b="1" dirty="0">
+                <a:solidFill>
+                  <a:schemeClr val="accent1">
+                    <a:lumMod val="60000"/>
+                    <a:lumOff val="40000"/>
+                  </a:schemeClr>
+                </a:solidFill>
+              </a:rPr>
+              <a:t>negative reviews</a:t>
+            </a:r>
+            <a:r>
+              <a:rPr lang="en-US" sz="1400" dirty="0"/>
+              <a:t>.</a:t>
+            </a:r>
+          </a:p>
+          <a:p>
+            <a:pPr>
+              <a:lnSpc>
+                <a:spcPct val="100000"/>
+              </a:lnSpc>
+            </a:pPr>
+            <a:r>
+              <a:rPr lang="en-US" sz="1400" b="1" dirty="0">
+                <a:solidFill>
+                  <a:schemeClr val="accent1">
+                    <a:lumMod val="60000"/>
+                    <a:lumOff val="40000"/>
+                  </a:schemeClr>
+                </a:solidFill>
+              </a:rPr>
+              <a:t>User scores </a:t>
+            </a:r>
+            <a:r>
+              <a:rPr lang="en-US" sz="1400" dirty="0"/>
+              <a:t>have a weak correlation with </a:t>
+            </a:r>
+            <a:r>
+              <a:rPr lang="en-US" sz="1400" b="1" dirty="0">
+                <a:solidFill>
+                  <a:schemeClr val="accent1">
+                    <a:lumMod val="60000"/>
+                    <a:lumOff val="40000"/>
+                  </a:schemeClr>
+                </a:solidFill>
+              </a:rPr>
+              <a:t>positive and negative reviews</a:t>
+            </a:r>
+            <a:r>
+              <a:rPr lang="en-US" sz="1400" dirty="0"/>
+              <a:t>.</a:t>
+            </a:r>
+          </a:p>
+          <a:p>
+            <a:pPr>
+              <a:lnSpc>
+                <a:spcPct val="100000"/>
+              </a:lnSpc>
+            </a:pPr>
+            <a:r>
+              <a:rPr lang="en-US" sz="1400" dirty="0"/>
+              <a:t>Higher-</a:t>
+            </a:r>
+            <a:r>
+              <a:rPr lang="en-US" sz="1400" b="1" dirty="0">
+                <a:solidFill>
+                  <a:schemeClr val="accent1">
+                    <a:lumMod val="60000"/>
+                    <a:lumOff val="40000"/>
+                  </a:schemeClr>
+                </a:solidFill>
+              </a:rPr>
+              <a:t>priced</a:t>
+            </a:r>
+            <a:r>
+              <a:rPr lang="en-US" sz="1400" dirty="0"/>
+              <a:t> games and software might correlate with better </a:t>
+            </a:r>
+            <a:r>
+              <a:rPr lang="en-US" sz="1400" b="1" dirty="0">
+                <a:solidFill>
+                  <a:schemeClr val="accent1">
+                    <a:lumMod val="60000"/>
+                    <a:lumOff val="40000"/>
+                  </a:schemeClr>
+                </a:solidFill>
+              </a:rPr>
+              <a:t>Metacritic score </a:t>
+            </a:r>
+            <a:r>
+              <a:rPr lang="en-US" sz="1400" dirty="0"/>
+              <a:t>and </a:t>
+            </a:r>
+            <a:r>
+              <a:rPr lang="en-US" sz="1400" b="1" dirty="0">
+                <a:solidFill>
+                  <a:schemeClr val="accent1">
+                    <a:lumMod val="60000"/>
+                    <a:lumOff val="40000"/>
+                  </a:schemeClr>
+                </a:solidFill>
+              </a:rPr>
+              <a:t>positive reviews</a:t>
+            </a:r>
+            <a:r>
+              <a:rPr lang="en-US" sz="1400" dirty="0"/>
+              <a:t>.</a:t>
+            </a:r>
+          </a:p>
+          <a:p>
+            <a:pPr>
+              <a:lnSpc>
+                <a:spcPct val="100000"/>
+              </a:lnSpc>
+            </a:pPr>
+            <a:r>
+              <a:rPr lang="en-US" sz="1400" dirty="0"/>
+              <a:t>More </a:t>
+            </a:r>
+            <a:r>
+              <a:rPr lang="en-US" sz="1400" b="1" dirty="0">
+                <a:solidFill>
+                  <a:schemeClr val="accent1">
+                    <a:lumMod val="60000"/>
+                    <a:lumOff val="40000"/>
+                  </a:schemeClr>
+                </a:solidFill>
+              </a:rPr>
+              <a:t>recommendations</a:t>
+            </a:r>
+            <a:r>
+              <a:rPr lang="en-US" sz="1400" dirty="0"/>
+              <a:t> are strongly linked with higher </a:t>
+            </a:r>
+            <a:r>
+              <a:rPr lang="en-US" sz="1400" b="1" dirty="0">
+                <a:solidFill>
+                  <a:schemeClr val="accent1">
+                    <a:lumMod val="60000"/>
+                    <a:lumOff val="40000"/>
+                  </a:schemeClr>
+                </a:solidFill>
+              </a:rPr>
+              <a:t>positive reviews</a:t>
+            </a:r>
+            <a:r>
+              <a:rPr lang="en-US" sz="1400" dirty="0"/>
+              <a:t> but also with higher </a:t>
+            </a:r>
+            <a:r>
+              <a:rPr lang="en-US" sz="1400" b="1" dirty="0">
+                <a:solidFill>
+                  <a:schemeClr val="accent1">
+                    <a:lumMod val="60000"/>
+                    <a:lumOff val="40000"/>
+                  </a:schemeClr>
+                </a:solidFill>
+              </a:rPr>
+              <a:t>negative reviews</a:t>
+            </a:r>
+            <a:r>
+              <a:rPr lang="en-US" sz="1400" dirty="0"/>
+              <a:t>.</a:t>
+            </a:r>
+          </a:p>
+          <a:p>
+            <a:pPr>
+              <a:lnSpc>
+                <a:spcPct val="100000"/>
+              </a:lnSpc>
+            </a:pPr>
+            <a:r>
+              <a:rPr lang="en-US" sz="1400" b="1" dirty="0">
+                <a:solidFill>
+                  <a:schemeClr val="accent1">
+                    <a:lumMod val="60000"/>
+                    <a:lumOff val="40000"/>
+                  </a:schemeClr>
+                </a:solidFill>
+              </a:rPr>
+              <a:t>User scores </a:t>
+            </a:r>
+            <a:r>
+              <a:rPr lang="en-US" sz="1400" dirty="0"/>
+              <a:t>significantly influence the games/software </a:t>
+            </a:r>
+            <a:r>
+              <a:rPr lang="en-US" sz="1400" b="1" dirty="0">
+                <a:solidFill>
+                  <a:schemeClr val="accent1">
+                    <a:lumMod val="60000"/>
+                    <a:lumOff val="40000"/>
+                  </a:schemeClr>
+                </a:solidFill>
+              </a:rPr>
+              <a:t>ranking</a:t>
+            </a:r>
+            <a:r>
+              <a:rPr lang="en-US" sz="1400" dirty="0"/>
+              <a:t>.</a:t>
+            </a:r>
+          </a:p>
+          <a:p>
+            <a:pPr>
+              <a:lnSpc>
+                <a:spcPct val="100000"/>
+              </a:lnSpc>
+            </a:pPr>
+            <a:r>
+              <a:rPr lang="en-US" sz="1400" dirty="0"/>
+              <a:t>Longer </a:t>
+            </a:r>
+            <a:r>
+              <a:rPr lang="en-US" sz="1400" b="1" dirty="0">
+                <a:solidFill>
+                  <a:schemeClr val="accent1">
+                    <a:lumMod val="60000"/>
+                    <a:lumOff val="40000"/>
+                  </a:schemeClr>
+                </a:solidFill>
+              </a:rPr>
+              <a:t>average playtime </a:t>
+            </a:r>
+            <a:r>
+              <a:rPr lang="en-US" sz="1400" dirty="0"/>
+              <a:t>relates to better </a:t>
+            </a:r>
+            <a:r>
+              <a:rPr lang="en-US" sz="1400" b="1" dirty="0">
+                <a:solidFill>
+                  <a:schemeClr val="accent1">
+                    <a:lumMod val="60000"/>
+                    <a:lumOff val="40000"/>
+                  </a:schemeClr>
+                </a:solidFill>
+              </a:rPr>
+              <a:t>positive reviews</a:t>
+            </a:r>
+            <a:r>
+              <a:rPr lang="en-US" sz="1400" dirty="0"/>
+              <a:t>.</a:t>
+            </a:r>
+          </a:p>
+          <a:p>
+            <a:pPr>
+              <a:lnSpc>
+                <a:spcPct val="100000"/>
+              </a:lnSpc>
+            </a:pPr>
+            <a:r>
+              <a:rPr lang="en-US" sz="1400" dirty="0"/>
+              <a:t>More </a:t>
+            </a:r>
+            <a:r>
+              <a:rPr lang="en-US" sz="1400" b="1" dirty="0">
+                <a:solidFill>
+                  <a:schemeClr val="accent1">
+                    <a:lumMod val="60000"/>
+                    <a:lumOff val="40000"/>
+                  </a:schemeClr>
+                </a:solidFill>
+              </a:rPr>
+              <a:t>DLC’s</a:t>
+            </a:r>
+            <a:r>
+              <a:rPr lang="en-US" sz="1400" dirty="0"/>
+              <a:t> might lead to higher </a:t>
+            </a:r>
+            <a:r>
+              <a:rPr lang="en-US" sz="1400" b="1" dirty="0">
+                <a:solidFill>
+                  <a:schemeClr val="accent1">
+                    <a:lumMod val="60000"/>
+                    <a:lumOff val="40000"/>
+                  </a:schemeClr>
+                </a:solidFill>
+              </a:rPr>
+              <a:t>peak CCU</a:t>
+            </a:r>
+            <a:r>
+              <a:rPr lang="en-US" sz="1400" dirty="0"/>
+              <a:t>.</a:t>
+            </a:r>
+          </a:p>
+        </p:txBody>
+      </p:sp>
+      <p:pic>
+        <p:nvPicPr>
+          <p:cNvPr id="10" name="תמונה 9" descr="תמונה שמכילה טקסט, תרשים, צילום מסך, תוכנית&#10;&#10;התיאור נוצר באופן אוטומטי">
+            <a:extLst>
+              <a:ext uri="{FF2B5EF4-FFF2-40B4-BE49-F238E27FC236}">
+                <a16:creationId xmlns:a16="http://schemas.microsoft.com/office/drawing/2014/main" id="{AC62FF9F-553C-4B5B-46C3-EFA897AE2980}"/>
+              </a:ext>
+            </a:extLst>
+          </p:cNvPr>
+          <p:cNvPicPr>
+            <a:picLocks noChangeAspect="1"/>
+          </p:cNvPicPr>
+          <p:nvPr/>
+        </p:nvPicPr>
+        <p:blipFill>
+          <a:blip r:embed="rId2"/>
+          <a:stretch>
+            <a:fillRect/>
+          </a:stretch>
+        </p:blipFill>
+        <p:spPr>
+          <a:xfrm>
+            <a:off x="6408358" y="1534077"/>
+            <a:ext cx="5684400" cy="4510110"/>
+          </a:xfrm>
+          <a:prstGeom prst="rect">
+            <a:avLst/>
+          </a:prstGeom>
+        </p:spPr>
+      </p:pic>
+    </p:spTree>
+    <p:extLst>
+      <p:ext uri="{BB962C8B-B14F-4D97-AF65-F5344CB8AC3E}">
+        <p14:creationId xmlns:p14="http://schemas.microsoft.com/office/powerpoint/2010/main" val="523606604"/>
+      </p:ext>
+    </p:extLst>
+  </p:cSld>
+  <p:clrMapOvr>
+    <a:masterClrMapping/>
+  </p:clrMapOvr>
+  <mc:AlternateContent xmlns:mc="http://schemas.openxmlformats.org/markup-compatibility/2006" xmlns:p14="http://schemas.microsoft.com/office/powerpoint/2010/main">
+    <mc:Choice Requires="p14">
+      <p:transition spd="med" p14:dur="700">
+        <p:fade/>
+      </p:transition>
+    </mc:Choice>
+    <mc:Fallback xmlns="">
+      <p:transition spd="med">
+        <p:fade/>
+      </p:transition>
+    </mc:Fallback>
+  </mc:AlternateContent>
+  <p:timing>
+    <p:tnLst>
+      <p:par>
+        <p:cTn id="1" dur="indefinite" restart="never" nodeType="tmRoot">
+          <p:childTnLst>
+            <p:seq concurrent="1" nextAc="seek">
+              <p:cTn id="2" dur="indefinite" nodeType="mainSeq">
+                <p:childTnLst>
+                  <p:par>
+                    <p:cTn id="3" fill="hold">
+                      <p:stCondLst>
+                        <p:cond delay="indefinite"/>
+                      </p:stCondLst>
+                      <p:childTnLst>
+                        <p:par>
+                          <p:cTn id="4" fill="hold">
+                            <p:stCondLst>
+                              <p:cond delay="0"/>
+                            </p:stCondLst>
+                            <p:childTnLst>
+                              <p:par>
+                                <p:cTn id="5" presetID="10" presetClass="entr" presetSubtype="0" fill="hold" grpId="0" nodeType="clickEffect">
+                                  <p:stCondLst>
+                                    <p:cond delay="0"/>
+                                  </p:stCondLst>
+                                  <p:childTnLst>
+                                    <p:set>
+                                      <p:cBhvr>
+                                        <p:cTn id="6" dur="1" fill="hold">
+                                          <p:stCondLst>
+                                            <p:cond delay="0"/>
+                                          </p:stCondLst>
+                                        </p:cTn>
+                                        <p:tgtEl>
+                                          <p:spTgt spid="6"/>
+                                        </p:tgtEl>
+                                        <p:attrNameLst>
+                                          <p:attrName>style.visibility</p:attrName>
+                                        </p:attrNameLst>
+                                      </p:cBhvr>
+                                      <p:to>
+                                        <p:strVal val="visible"/>
+                                      </p:to>
+                                    </p:set>
+                                    <p:animEffect transition="in" filter="fade">
+                                      <p:cBhvr>
+                                        <p:cTn id="7" dur="500"/>
+                                        <p:tgtEl>
+                                          <p:spTgt spid="6"/>
+                                        </p:tgtEl>
+                                      </p:cBhvr>
+                                    </p:animEffect>
+                                  </p:childTnLst>
+                                </p:cTn>
+                              </p:par>
+                            </p:childTnLst>
+                          </p:cTn>
+                        </p:par>
+                      </p:childTnLst>
+                    </p:cTn>
+                  </p:par>
+                </p:childTnLst>
+              </p:cTn>
+              <p:prevCondLst>
+                <p:cond evt="onPrev" delay="0">
+                  <p:tgtEl>
+                    <p:sldTgt/>
+                  </p:tgtEl>
+                </p:cond>
+              </p:prevCondLst>
+              <p:nextCondLst>
+                <p:cond evt="onNext" delay="0">
+                  <p:tgtEl>
+                    <p:sldTgt/>
+                  </p:tgtEl>
+                </p:cond>
+              </p:nextCondLst>
+            </p:seq>
+          </p:childTnLst>
+        </p:cTn>
+      </p:par>
+    </p:tnLst>
+    <p:bldLst>
+      <p:bldP spid="6" grpId="0"/>
+    </p:bldLst>
+  </p:timing>
+</p:sld>
+</file>
+
+<file path=ppt/slides/slide9.xml><?xml version="1.0" encoding="utf-8"?>
+<p:sld xmlns:a="http://schemas.openxmlformats.org/drawingml/2006/main" xmlns:r="http://schemas.openxmlformats.org/officeDocument/2006/relationships" xmlns:p="http://schemas.openxmlformats.org/presentationml/2006/main">
+  <p:cSld>
+    <p:spTree>
+      <p:nvGrpSpPr>
+        <p:cNvPr id="1" name=""/>
+        <p:cNvGrpSpPr/>
+        <p:nvPr/>
+      </p:nvGrpSpPr>
+      <p:grpSpPr>
+        <a:xfrm>
+          <a:off x="0" y="0"/>
+          <a:ext cx="0" cy="0"/>
+          <a:chOff x="0" y="0"/>
+          <a:chExt cx="0" cy="0"/>
+        </a:xfrm>
+      </p:grpSpPr>
+      <p:sp>
+        <p:nvSpPr>
           <p:cNvPr id="4" name="Title 3">
             <a:extLst>
               <a:ext uri="{FF2B5EF4-FFF2-40B4-BE49-F238E27FC236}">
@@ -44424,7 +46239,7 @@
             <a:fld id="{C263D6C4-4840-40CC-AC84-17E24B3B7BDE}" type="slidenum">
               <a:rPr lang="en-US" smtClean="0"/>
               <a:pPr/>
-              <a:t>8</a:t>
+              <a:t>9</a:t>
             </a:fld>
             <a:endParaRPr lang="en-US" dirty="0"/>
           </a:p>
@@ -45574,806 +47389,6 @@
 </p:sld>
 </file>
 
-<file path=ppt/slides/slide9.xml><?xml version="1.0" encoding="utf-8"?>
-<p:sld xmlns:a="http://schemas.openxmlformats.org/drawingml/2006/main" xmlns:r="http://schemas.openxmlformats.org/officeDocument/2006/relationships" xmlns:p="http://schemas.openxmlformats.org/presentationml/2006/main">
-  <p:cSld>
-    <p:spTree>
-      <p:nvGrpSpPr>
-        <p:cNvPr id="1" name=""/>
-        <p:cNvGrpSpPr/>
-        <p:nvPr/>
-      </p:nvGrpSpPr>
-      <p:grpSpPr>
-        <a:xfrm>
-          <a:off x="0" y="0"/>
-          <a:ext cx="0" cy="0"/>
-          <a:chOff x="0" y="0"/>
-          <a:chExt cx="0" cy="0"/>
-        </a:xfrm>
-      </p:grpSpPr>
-      <p:sp>
-        <p:nvSpPr>
-          <p:cNvPr id="2" name="Title 1">
-            <a:extLst>
-              <a:ext uri="{FF2B5EF4-FFF2-40B4-BE49-F238E27FC236}">
-                <a16:creationId xmlns:a16="http://schemas.microsoft.com/office/drawing/2014/main" id="{5E6DF3FD-5730-1889-B5AC-DFF95212F177}"/>
-              </a:ext>
-            </a:extLst>
-          </p:cNvPr>
-          <p:cNvSpPr>
-            <a:spLocks noGrp="1"/>
-          </p:cNvSpPr>
-          <p:nvPr>
-            <p:ph type="title"/>
-          </p:nvPr>
-        </p:nvSpPr>
-        <p:spPr/>
-        <p:txBody>
-          <a:bodyPr/>
-          <a:lstStyle/>
-          <a:p>
-            <a:r>
-              <a:rPr lang="en-US" dirty="0"/>
-              <a:t>Feature Engineering</a:t>
-            </a:r>
-          </a:p>
-        </p:txBody>
-      </p:sp>
-      <p:sp>
-        <p:nvSpPr>
-          <p:cNvPr id="3" name="Slide Number Placeholder 2">
-            <a:extLst>
-              <a:ext uri="{FF2B5EF4-FFF2-40B4-BE49-F238E27FC236}">
-                <a16:creationId xmlns:a16="http://schemas.microsoft.com/office/drawing/2014/main" id="{CFC0ECC3-C424-3E13-F1BB-CAB63252D1A7}"/>
-              </a:ext>
-            </a:extLst>
-          </p:cNvPr>
-          <p:cNvSpPr>
-            <a:spLocks noGrp="1"/>
-          </p:cNvSpPr>
-          <p:nvPr>
-            <p:ph type="sldNum" sz="quarter" idx="12"/>
-          </p:nvPr>
-        </p:nvSpPr>
-        <p:spPr/>
-        <p:txBody>
-          <a:bodyPr/>
-          <a:lstStyle/>
-          <a:p>
-            <a:fld id="{C263D6C4-4840-40CC-AC84-17E24B3B7BDE}" type="slidenum">
-              <a:rPr lang="en-US" noProof="0" smtClean="0"/>
-              <a:pPr/>
-              <a:t>9</a:t>
-            </a:fld>
-            <a:endParaRPr lang="en-US" noProof="0" dirty="0"/>
-          </a:p>
-        </p:txBody>
-      </p:sp>
-      <p:sp>
-        <p:nvSpPr>
-          <p:cNvPr id="8" name="Text Placeholder 6">
-            <a:extLst>
-              <a:ext uri="{FF2B5EF4-FFF2-40B4-BE49-F238E27FC236}">
-                <a16:creationId xmlns:a16="http://schemas.microsoft.com/office/drawing/2014/main" id="{51955625-ADB4-E5C7-A5E5-AA14EC78D9F9}"/>
-              </a:ext>
-            </a:extLst>
-          </p:cNvPr>
-          <p:cNvSpPr>
-            <a:spLocks noGrp="1"/>
-          </p:cNvSpPr>
-          <p:nvPr>
-            <p:ph type="body" idx="1"/>
-          </p:nvPr>
-        </p:nvSpPr>
-        <p:spPr>
-          <a:xfrm>
-            <a:off x="444500" y="1681163"/>
-            <a:ext cx="5157787" cy="503237"/>
-          </a:xfrm>
-        </p:spPr>
-        <p:txBody>
-          <a:bodyPr>
-            <a:normAutofit/>
-          </a:bodyPr>
-          <a:lstStyle/>
-          <a:p>
-            <a:pPr algn="l"/>
-            <a:r>
-              <a:rPr lang="en-US" sz="2400" dirty="0"/>
-              <a:t>New important features to note:</a:t>
-            </a:r>
-          </a:p>
-        </p:txBody>
-      </p:sp>
-      <p:sp>
-        <p:nvSpPr>
-          <p:cNvPr id="9" name="Text Placeholder 7">
-            <a:extLst>
-              <a:ext uri="{FF2B5EF4-FFF2-40B4-BE49-F238E27FC236}">
-                <a16:creationId xmlns:a16="http://schemas.microsoft.com/office/drawing/2014/main" id="{7EC1CF08-C2EB-CEC8-C93E-10F182DCCB34}"/>
-              </a:ext>
-            </a:extLst>
-          </p:cNvPr>
-          <p:cNvSpPr txBox="1">
-            <a:spLocks/>
-          </p:cNvSpPr>
-          <p:nvPr/>
-        </p:nvSpPr>
-        <p:spPr>
-          <a:xfrm>
-            <a:off x="444500" y="2184400"/>
-            <a:ext cx="5157787" cy="4378960"/>
-          </a:xfrm>
-          <a:prstGeom prst="rect">
-            <a:avLst/>
-          </a:prstGeom>
-        </p:spPr>
-        <p:txBody>
-          <a:bodyPr vert="horz" lIns="91440" tIns="45720" rIns="91440" bIns="45720" rtlCol="0">
-            <a:normAutofit/>
-          </a:bodyPr>
-          <a:lstStyle>
-            <a:lvl1pPr marL="228600" indent="-228600" algn="l" defTabSz="914400" rtl="0" eaLnBrk="1" latinLnBrk="0" hangingPunct="1">
-              <a:lnSpc>
-                <a:spcPct val="90000"/>
-              </a:lnSpc>
-              <a:spcBef>
-                <a:spcPts val="1000"/>
-              </a:spcBef>
-              <a:buClr>
-                <a:schemeClr val="accent2"/>
-              </a:buClr>
-              <a:buFont typeface="Arial" panose="020B0604020202020204" pitchFamily="34" charset="0"/>
-              <a:buChar char="•"/>
-              <a:defRPr sz="1800" kern="1200">
-                <a:solidFill>
-                  <a:schemeClr val="bg1"/>
-                </a:solidFill>
-                <a:latin typeface="+mn-lt"/>
-                <a:ea typeface="+mn-ea"/>
-                <a:cs typeface="+mn-cs"/>
-              </a:defRPr>
-            </a:lvl1pPr>
-            <a:lvl2pPr marL="685800" indent="-228600" algn="l" defTabSz="914400" rtl="0" eaLnBrk="1" latinLnBrk="0" hangingPunct="1">
-              <a:lnSpc>
-                <a:spcPct val="90000"/>
-              </a:lnSpc>
-              <a:spcBef>
-                <a:spcPts val="500"/>
-              </a:spcBef>
-              <a:buClr>
-                <a:schemeClr val="accent2"/>
-              </a:buClr>
-              <a:buFont typeface="Arial" panose="020B0604020202020204" pitchFamily="34" charset="0"/>
-              <a:buChar char="•"/>
-              <a:defRPr sz="1600" kern="1200">
-                <a:solidFill>
-                  <a:schemeClr val="bg1"/>
-                </a:solidFill>
-                <a:latin typeface="+mn-lt"/>
-                <a:ea typeface="+mn-ea"/>
-                <a:cs typeface="+mn-cs"/>
-              </a:defRPr>
-            </a:lvl2pPr>
-            <a:lvl3pPr marL="1143000" indent="-228600" algn="l" defTabSz="914400" rtl="0" eaLnBrk="1" latinLnBrk="0" hangingPunct="1">
-              <a:lnSpc>
-                <a:spcPct val="90000"/>
-              </a:lnSpc>
-              <a:spcBef>
-                <a:spcPts val="500"/>
-              </a:spcBef>
-              <a:buClr>
-                <a:schemeClr val="accent2"/>
-              </a:buClr>
-              <a:buFont typeface="Arial" panose="020B0604020202020204" pitchFamily="34" charset="0"/>
-              <a:buChar char="•"/>
-              <a:defRPr sz="1400" kern="1200">
-                <a:solidFill>
-                  <a:schemeClr val="bg1"/>
-                </a:solidFill>
-                <a:latin typeface="+mn-lt"/>
-                <a:ea typeface="+mn-ea"/>
-                <a:cs typeface="+mn-cs"/>
-              </a:defRPr>
-            </a:lvl3pPr>
-            <a:lvl4pPr marL="1600200" indent="-228600" algn="l" defTabSz="914400" rtl="0" eaLnBrk="1" latinLnBrk="0" hangingPunct="1">
-              <a:lnSpc>
-                <a:spcPct val="90000"/>
-              </a:lnSpc>
-              <a:spcBef>
-                <a:spcPts val="500"/>
-              </a:spcBef>
-              <a:buClr>
-                <a:schemeClr val="accent2"/>
-              </a:buClr>
-              <a:buFont typeface="Arial" panose="020B0604020202020204" pitchFamily="34" charset="0"/>
-              <a:buChar char="•"/>
-              <a:defRPr sz="1200" kern="1200">
-                <a:solidFill>
-                  <a:schemeClr val="bg1"/>
-                </a:solidFill>
-                <a:latin typeface="+mn-lt"/>
-                <a:ea typeface="+mn-ea"/>
-                <a:cs typeface="+mn-cs"/>
-              </a:defRPr>
-            </a:lvl4pPr>
-            <a:lvl5pPr marL="2057400" indent="-228600" algn="l" defTabSz="914400" rtl="0" eaLnBrk="1" latinLnBrk="0" hangingPunct="1">
-              <a:lnSpc>
-                <a:spcPct val="90000"/>
-              </a:lnSpc>
-              <a:spcBef>
-                <a:spcPts val="500"/>
-              </a:spcBef>
-              <a:buClr>
-                <a:schemeClr val="accent2"/>
-              </a:buClr>
-              <a:buFont typeface="Arial" panose="020B0604020202020204" pitchFamily="34" charset="0"/>
-              <a:buChar char="•"/>
-              <a:defRPr sz="1200" kern="1200">
-                <a:solidFill>
-                  <a:schemeClr val="bg1"/>
-                </a:solidFill>
-                <a:latin typeface="+mn-lt"/>
-                <a:ea typeface="+mn-ea"/>
-                <a:cs typeface="+mn-cs"/>
-              </a:defRPr>
-            </a:lvl5pPr>
-            <a:lvl6pPr marL="2514600" indent="-228600" algn="l" defTabSz="914400" rtl="0" eaLnBrk="1" latinLnBrk="0" hangingPunct="1">
-              <a:lnSpc>
-                <a:spcPct val="90000"/>
-              </a:lnSpc>
-              <a:spcBef>
-                <a:spcPts val="500"/>
-              </a:spcBef>
-              <a:buFont typeface="Arial" panose="020B0604020202020204" pitchFamily="34" charset="0"/>
-              <a:buChar char="•"/>
-              <a:defRPr sz="1800" kern="1200">
-                <a:solidFill>
-                  <a:schemeClr val="tx1"/>
-                </a:solidFill>
-                <a:latin typeface="+mn-lt"/>
-                <a:ea typeface="+mn-ea"/>
-                <a:cs typeface="+mn-cs"/>
-              </a:defRPr>
-            </a:lvl6pPr>
-            <a:lvl7pPr marL="2971800" indent="-228600" algn="l" defTabSz="914400" rtl="0" eaLnBrk="1" latinLnBrk="0" hangingPunct="1">
-              <a:lnSpc>
-                <a:spcPct val="90000"/>
-              </a:lnSpc>
-              <a:spcBef>
-                <a:spcPts val="500"/>
-              </a:spcBef>
-              <a:buFont typeface="Arial" panose="020B0604020202020204" pitchFamily="34" charset="0"/>
-              <a:buChar char="•"/>
-              <a:defRPr sz="1800" kern="1200">
-                <a:solidFill>
-                  <a:schemeClr val="tx1"/>
-                </a:solidFill>
-                <a:latin typeface="+mn-lt"/>
-                <a:ea typeface="+mn-ea"/>
-                <a:cs typeface="+mn-cs"/>
-              </a:defRPr>
-            </a:lvl7pPr>
-            <a:lvl8pPr marL="3429000" indent="-228600" algn="l" defTabSz="914400" rtl="0" eaLnBrk="1" latinLnBrk="0" hangingPunct="1">
-              <a:lnSpc>
-                <a:spcPct val="90000"/>
-              </a:lnSpc>
-              <a:spcBef>
-                <a:spcPts val="500"/>
-              </a:spcBef>
-              <a:buFont typeface="Arial" panose="020B0604020202020204" pitchFamily="34" charset="0"/>
-              <a:buChar char="•"/>
-              <a:defRPr sz="1800" kern="1200">
-                <a:solidFill>
-                  <a:schemeClr val="tx1"/>
-                </a:solidFill>
-                <a:latin typeface="+mn-lt"/>
-                <a:ea typeface="+mn-ea"/>
-                <a:cs typeface="+mn-cs"/>
-              </a:defRPr>
-            </a:lvl8pPr>
-            <a:lvl9pPr marL="3886200" indent="-228600" algn="l" defTabSz="914400" rtl="0" eaLnBrk="1" latinLnBrk="0" hangingPunct="1">
-              <a:lnSpc>
-                <a:spcPct val="90000"/>
-              </a:lnSpc>
-              <a:spcBef>
-                <a:spcPts val="500"/>
-              </a:spcBef>
-              <a:buFont typeface="Arial" panose="020B0604020202020204" pitchFamily="34" charset="0"/>
-              <a:buChar char="•"/>
-              <a:defRPr sz="1800" kern="1200">
-                <a:solidFill>
-                  <a:schemeClr val="tx1"/>
-                </a:solidFill>
-                <a:latin typeface="+mn-lt"/>
-                <a:ea typeface="+mn-ea"/>
-                <a:cs typeface="+mn-cs"/>
-              </a:defRPr>
-            </a:lvl9pPr>
-          </a:lstStyle>
-          <a:p>
-            <a:pPr>
-              <a:lnSpc>
-                <a:spcPct val="210000"/>
-              </a:lnSpc>
-            </a:pPr>
-            <a:r>
-              <a:rPr lang="en-US" u="sng" dirty="0"/>
-              <a:t>Price range (categorical)</a:t>
-            </a:r>
-            <a:r>
-              <a:rPr lang="en-US" dirty="0"/>
-              <a:t>: The price range of the game</a:t>
-            </a:r>
-          </a:p>
-          <a:p>
-            <a:pPr>
-              <a:lnSpc>
-                <a:spcPct val="210000"/>
-              </a:lnSpc>
-            </a:pPr>
-            <a:r>
-              <a:rPr lang="en-US" u="sng" dirty="0"/>
-              <a:t>Release by Quarter (categorical)</a:t>
-            </a:r>
-            <a:r>
-              <a:rPr lang="en-US" dirty="0"/>
-              <a:t>: The quarter in which the game or software was released</a:t>
-            </a:r>
-          </a:p>
-          <a:p>
-            <a:pPr>
-              <a:lnSpc>
-                <a:spcPct val="210000"/>
-              </a:lnSpc>
-            </a:pPr>
-            <a:r>
-              <a:rPr lang="en-US" u="sng" dirty="0"/>
-              <a:t>(#)_Publishers (int)</a:t>
-            </a:r>
-            <a:r>
-              <a:rPr lang="en-US" dirty="0"/>
-              <a:t>: Number of publishers </a:t>
-            </a:r>
-          </a:p>
-          <a:p>
-            <a:pPr>
-              <a:lnSpc>
-                <a:spcPct val="210000"/>
-              </a:lnSpc>
-            </a:pPr>
-            <a:r>
-              <a:rPr lang="en-US" u="sng" dirty="0"/>
-              <a:t>(#)_Categories (int)</a:t>
-            </a:r>
-            <a:r>
-              <a:rPr lang="en-US" dirty="0"/>
-              <a:t>: Number of categories</a:t>
-            </a:r>
-          </a:p>
-        </p:txBody>
-      </p:sp>
-      <p:sp>
-        <p:nvSpPr>
-          <p:cNvPr id="10" name="Text Placeholder 5">
-            <a:extLst>
-              <a:ext uri="{FF2B5EF4-FFF2-40B4-BE49-F238E27FC236}">
-                <a16:creationId xmlns:a16="http://schemas.microsoft.com/office/drawing/2014/main" id="{FE04CF96-2619-749A-4E8E-103B2B391094}"/>
-              </a:ext>
-            </a:extLst>
-          </p:cNvPr>
-          <p:cNvSpPr txBox="1">
-            <a:spLocks/>
-          </p:cNvSpPr>
-          <p:nvPr/>
-        </p:nvSpPr>
-        <p:spPr>
-          <a:xfrm>
-            <a:off x="6475412" y="2184400"/>
-            <a:ext cx="5371148" cy="4378960"/>
-          </a:xfrm>
-          <a:prstGeom prst="rect">
-            <a:avLst/>
-          </a:prstGeom>
-        </p:spPr>
-        <p:txBody>
-          <a:bodyPr vert="horz" lIns="91440" tIns="45720" rIns="91440" bIns="45720" rtlCol="0">
-            <a:noAutofit/>
-          </a:bodyPr>
-          <a:lstStyle>
-            <a:lvl1pPr marL="228600" indent="-228600" algn="l" defTabSz="914400" rtl="0" eaLnBrk="1" latinLnBrk="0" hangingPunct="1">
-              <a:lnSpc>
-                <a:spcPct val="90000"/>
-              </a:lnSpc>
-              <a:spcBef>
-                <a:spcPts val="1000"/>
-              </a:spcBef>
-              <a:buClr>
-                <a:schemeClr val="accent2"/>
-              </a:buClr>
-              <a:buFont typeface="Arial" panose="020B0604020202020204" pitchFamily="34" charset="0"/>
-              <a:buChar char="•"/>
-              <a:defRPr sz="1800" kern="1200">
-                <a:solidFill>
-                  <a:schemeClr val="bg1"/>
-                </a:solidFill>
-                <a:latin typeface="+mn-lt"/>
-                <a:ea typeface="+mn-ea"/>
-                <a:cs typeface="+mn-cs"/>
-              </a:defRPr>
-            </a:lvl1pPr>
-            <a:lvl2pPr marL="685800" indent="-228600" algn="l" defTabSz="914400" rtl="0" eaLnBrk="1" latinLnBrk="0" hangingPunct="1">
-              <a:lnSpc>
-                <a:spcPct val="90000"/>
-              </a:lnSpc>
-              <a:spcBef>
-                <a:spcPts val="500"/>
-              </a:spcBef>
-              <a:buClr>
-                <a:schemeClr val="accent2"/>
-              </a:buClr>
-              <a:buFont typeface="Arial" panose="020B0604020202020204" pitchFamily="34" charset="0"/>
-              <a:buChar char="•"/>
-              <a:defRPr sz="1600" kern="1200">
-                <a:solidFill>
-                  <a:schemeClr val="bg1"/>
-                </a:solidFill>
-                <a:latin typeface="+mn-lt"/>
-                <a:ea typeface="+mn-ea"/>
-                <a:cs typeface="+mn-cs"/>
-              </a:defRPr>
-            </a:lvl2pPr>
-            <a:lvl3pPr marL="1143000" indent="-228600" algn="l" defTabSz="914400" rtl="0" eaLnBrk="1" latinLnBrk="0" hangingPunct="1">
-              <a:lnSpc>
-                <a:spcPct val="90000"/>
-              </a:lnSpc>
-              <a:spcBef>
-                <a:spcPts val="500"/>
-              </a:spcBef>
-              <a:buClr>
-                <a:schemeClr val="accent2"/>
-              </a:buClr>
-              <a:buFont typeface="Arial" panose="020B0604020202020204" pitchFamily="34" charset="0"/>
-              <a:buChar char="•"/>
-              <a:defRPr sz="1400" kern="1200">
-                <a:solidFill>
-                  <a:schemeClr val="bg1"/>
-                </a:solidFill>
-                <a:latin typeface="+mn-lt"/>
-                <a:ea typeface="+mn-ea"/>
-                <a:cs typeface="+mn-cs"/>
-              </a:defRPr>
-            </a:lvl3pPr>
-            <a:lvl4pPr marL="1600200" indent="-228600" algn="l" defTabSz="914400" rtl="0" eaLnBrk="1" latinLnBrk="0" hangingPunct="1">
-              <a:lnSpc>
-                <a:spcPct val="90000"/>
-              </a:lnSpc>
-              <a:spcBef>
-                <a:spcPts val="500"/>
-              </a:spcBef>
-              <a:buClr>
-                <a:schemeClr val="accent2"/>
-              </a:buClr>
-              <a:buFont typeface="Arial" panose="020B0604020202020204" pitchFamily="34" charset="0"/>
-              <a:buChar char="•"/>
-              <a:defRPr sz="1200" kern="1200">
-                <a:solidFill>
-                  <a:schemeClr val="bg1"/>
-                </a:solidFill>
-                <a:latin typeface="+mn-lt"/>
-                <a:ea typeface="+mn-ea"/>
-                <a:cs typeface="+mn-cs"/>
-              </a:defRPr>
-            </a:lvl4pPr>
-            <a:lvl5pPr marL="2057400" indent="-228600" algn="l" defTabSz="914400" rtl="0" eaLnBrk="1" latinLnBrk="0" hangingPunct="1">
-              <a:lnSpc>
-                <a:spcPct val="90000"/>
-              </a:lnSpc>
-              <a:spcBef>
-                <a:spcPts val="500"/>
-              </a:spcBef>
-              <a:buClr>
-                <a:schemeClr val="accent2"/>
-              </a:buClr>
-              <a:buFont typeface="Arial" panose="020B0604020202020204" pitchFamily="34" charset="0"/>
-              <a:buChar char="•"/>
-              <a:defRPr sz="1200" kern="1200">
-                <a:solidFill>
-                  <a:schemeClr val="bg1"/>
-                </a:solidFill>
-                <a:latin typeface="+mn-lt"/>
-                <a:ea typeface="+mn-ea"/>
-                <a:cs typeface="+mn-cs"/>
-              </a:defRPr>
-            </a:lvl5pPr>
-            <a:lvl6pPr marL="2514600" indent="-228600" algn="l" defTabSz="914400" rtl="0" eaLnBrk="1" latinLnBrk="0" hangingPunct="1">
-              <a:lnSpc>
-                <a:spcPct val="90000"/>
-              </a:lnSpc>
-              <a:spcBef>
-                <a:spcPts val="500"/>
-              </a:spcBef>
-              <a:buFont typeface="Arial" panose="020B0604020202020204" pitchFamily="34" charset="0"/>
-              <a:buChar char="•"/>
-              <a:defRPr sz="1800" kern="1200">
-                <a:solidFill>
-                  <a:schemeClr val="tx1"/>
-                </a:solidFill>
-                <a:latin typeface="+mn-lt"/>
-                <a:ea typeface="+mn-ea"/>
-                <a:cs typeface="+mn-cs"/>
-              </a:defRPr>
-            </a:lvl6pPr>
-            <a:lvl7pPr marL="2971800" indent="-228600" algn="l" defTabSz="914400" rtl="0" eaLnBrk="1" latinLnBrk="0" hangingPunct="1">
-              <a:lnSpc>
-                <a:spcPct val="90000"/>
-              </a:lnSpc>
-              <a:spcBef>
-                <a:spcPts val="500"/>
-              </a:spcBef>
-              <a:buFont typeface="Arial" panose="020B0604020202020204" pitchFamily="34" charset="0"/>
-              <a:buChar char="•"/>
-              <a:defRPr sz="1800" kern="1200">
-                <a:solidFill>
-                  <a:schemeClr val="tx1"/>
-                </a:solidFill>
-                <a:latin typeface="+mn-lt"/>
-                <a:ea typeface="+mn-ea"/>
-                <a:cs typeface="+mn-cs"/>
-              </a:defRPr>
-            </a:lvl7pPr>
-            <a:lvl8pPr marL="3429000" indent="-228600" algn="l" defTabSz="914400" rtl="0" eaLnBrk="1" latinLnBrk="0" hangingPunct="1">
-              <a:lnSpc>
-                <a:spcPct val="90000"/>
-              </a:lnSpc>
-              <a:spcBef>
-                <a:spcPts val="500"/>
-              </a:spcBef>
-              <a:buFont typeface="Arial" panose="020B0604020202020204" pitchFamily="34" charset="0"/>
-              <a:buChar char="•"/>
-              <a:defRPr sz="1800" kern="1200">
-                <a:solidFill>
-                  <a:schemeClr val="tx1"/>
-                </a:solidFill>
-                <a:latin typeface="+mn-lt"/>
-                <a:ea typeface="+mn-ea"/>
-                <a:cs typeface="+mn-cs"/>
-              </a:defRPr>
-            </a:lvl8pPr>
-            <a:lvl9pPr marL="3886200" indent="-228600" algn="l" defTabSz="914400" rtl="0" eaLnBrk="1" latinLnBrk="0" hangingPunct="1">
-              <a:lnSpc>
-                <a:spcPct val="90000"/>
-              </a:lnSpc>
-              <a:spcBef>
-                <a:spcPts val="500"/>
-              </a:spcBef>
-              <a:buFont typeface="Arial" panose="020B0604020202020204" pitchFamily="34" charset="0"/>
-              <a:buChar char="•"/>
-              <a:defRPr sz="1800" kern="1200">
-                <a:solidFill>
-                  <a:schemeClr val="tx1"/>
-                </a:solidFill>
-                <a:latin typeface="+mn-lt"/>
-                <a:ea typeface="+mn-ea"/>
-                <a:cs typeface="+mn-cs"/>
-              </a:defRPr>
-            </a:lvl9pPr>
-          </a:lstStyle>
-          <a:p>
-            <a:pPr>
-              <a:lnSpc>
-                <a:spcPct val="200000"/>
-              </a:lnSpc>
-            </a:pPr>
-            <a:r>
-              <a:rPr lang="en-US" u="sng" dirty="0"/>
-              <a:t>(#)_Genres (int)</a:t>
-            </a:r>
-            <a:r>
-              <a:rPr lang="en-US" dirty="0"/>
-              <a:t>: Number of Genres</a:t>
-            </a:r>
-          </a:p>
-          <a:p>
-            <a:pPr>
-              <a:lnSpc>
-                <a:spcPct val="200000"/>
-              </a:lnSpc>
-            </a:pPr>
-            <a:r>
-              <a:rPr lang="en-US" u="sng" dirty="0"/>
-              <a:t>(#)_Tags (int)</a:t>
-            </a:r>
-            <a:r>
-              <a:rPr lang="en-US" dirty="0"/>
-              <a:t>: Number of tags</a:t>
-            </a:r>
-          </a:p>
-          <a:p>
-            <a:pPr>
-              <a:lnSpc>
-                <a:spcPct val="200000"/>
-              </a:lnSpc>
-            </a:pPr>
-            <a:r>
-              <a:rPr lang="en-US" u="sng" dirty="0"/>
-              <a:t>Review Ratio (int)</a:t>
-            </a:r>
-            <a:r>
-              <a:rPr lang="en-US" dirty="0"/>
-              <a:t>: The ratio of positive review out of all reviews</a:t>
-            </a:r>
-          </a:p>
-          <a:p>
-            <a:pPr>
-              <a:lnSpc>
-                <a:spcPct val="200000"/>
-              </a:lnSpc>
-            </a:pPr>
-            <a:r>
-              <a:rPr lang="en-US" u="sng" dirty="0"/>
-              <a:t>Price per (x) playtime (int)</a:t>
-            </a:r>
-            <a:r>
-              <a:rPr lang="en-US" dirty="0"/>
-              <a:t>: The price per hour of use </a:t>
-            </a:r>
-          </a:p>
-        </p:txBody>
-      </p:sp>
-    </p:spTree>
-    <p:extLst>
-      <p:ext uri="{BB962C8B-B14F-4D97-AF65-F5344CB8AC3E}">
-        <p14:creationId xmlns:p14="http://schemas.microsoft.com/office/powerpoint/2010/main" val="2960989114"/>
-      </p:ext>
-    </p:extLst>
-  </p:cSld>
-  <p:clrMapOvr>
-    <a:masterClrMapping/>
-  </p:clrMapOvr>
-  <p:timing>
-    <p:tnLst>
-      <p:par>
-        <p:cTn id="1" dur="indefinite" restart="never" nodeType="tmRoot">
-          <p:childTnLst>
-            <p:seq concurrent="1" nextAc="seek">
-              <p:cTn id="2" dur="indefinite" nodeType="mainSeq">
-                <p:childTnLst>
-                  <p:par>
-                    <p:cTn id="3" fill="hold">
-                      <p:stCondLst>
-                        <p:cond delay="indefinite"/>
-                      </p:stCondLst>
-                      <p:childTnLst>
-                        <p:par>
-                          <p:cTn id="4" fill="hold">
-                            <p:stCondLst>
-                              <p:cond delay="0"/>
-                            </p:stCondLst>
-                            <p:childTnLst>
-                              <p:par>
-                                <p:cTn id="5" presetID="10" presetClass="entr" presetSubtype="0" fill="hold" grpId="0" nodeType="clickEffect">
-                                  <p:stCondLst>
-                                    <p:cond delay="0"/>
-                                  </p:stCondLst>
-                                  <p:childTnLst>
-                                    <p:set>
-                                      <p:cBhvr>
-                                        <p:cTn id="6" dur="1" fill="hold">
-                                          <p:stCondLst>
-                                            <p:cond delay="0"/>
-                                          </p:stCondLst>
-                                        </p:cTn>
-                                        <p:tgtEl>
-                                          <p:spTgt spid="9"/>
-                                        </p:tgtEl>
-                                        <p:attrNameLst>
-                                          <p:attrName>style.visibility</p:attrName>
-                                        </p:attrNameLst>
-                                      </p:cBhvr>
-                                      <p:to>
-                                        <p:strVal val="visible"/>
-                                      </p:to>
-                                    </p:set>
-                                    <p:animEffect transition="in" filter="fade">
-                                      <p:cBhvr>
-                                        <p:cTn id="7" dur="500"/>
-                                        <p:tgtEl>
-                                          <p:spTgt spid="9"/>
-                                        </p:tgtEl>
-                                      </p:cBhvr>
-                                    </p:animEffect>
-                                  </p:childTnLst>
-                                </p:cTn>
-                              </p:par>
-                            </p:childTnLst>
-                          </p:cTn>
-                        </p:par>
-                      </p:childTnLst>
-                    </p:cTn>
-                  </p:par>
-                  <p:par>
-                    <p:cTn id="8" fill="hold">
-                      <p:stCondLst>
-                        <p:cond delay="indefinite"/>
-                      </p:stCondLst>
-                      <p:childTnLst>
-                        <p:par>
-                          <p:cTn id="9" fill="hold">
-                            <p:stCondLst>
-                              <p:cond delay="0"/>
-                            </p:stCondLst>
-                            <p:childTnLst>
-                              <p:par>
-                                <p:cTn id="10" presetID="10" presetClass="entr" presetSubtype="0" fill="hold" grpId="0" nodeType="clickEffect">
-                                  <p:stCondLst>
-                                    <p:cond delay="0"/>
-                                  </p:stCondLst>
-                                  <p:childTnLst>
-                                    <p:set>
-                                      <p:cBhvr>
-                                        <p:cTn id="11" dur="1" fill="hold">
-                                          <p:stCondLst>
-                                            <p:cond delay="0"/>
-                                          </p:stCondLst>
-                                        </p:cTn>
-                                        <p:tgtEl>
-                                          <p:spTgt spid="10"/>
-                                        </p:tgtEl>
-                                        <p:attrNameLst>
-                                          <p:attrName>style.visibility</p:attrName>
-                                        </p:attrNameLst>
-                                      </p:cBhvr>
-                                      <p:to>
-                                        <p:strVal val="visible"/>
-                                      </p:to>
-                                    </p:set>
-                                    <p:animEffect transition="in" filter="fade">
-                                      <p:cBhvr>
-                                        <p:cTn id="12" dur="500"/>
-                                        <p:tgtEl>
-                                          <p:spTgt spid="10"/>
-                                        </p:tgtEl>
-                                      </p:cBhvr>
-                                    </p:animEffect>
-                                  </p:childTnLst>
-                                </p:cTn>
-                              </p:par>
-                            </p:childTnLst>
-                          </p:cTn>
-                        </p:par>
-                      </p:childTnLst>
-                    </p:cTn>
-                  </p:par>
-                </p:childTnLst>
-              </p:cTn>
-              <p:prevCondLst>
-                <p:cond evt="onPrev" delay="0">
-                  <p:tgtEl>
-                    <p:sldTgt/>
-                  </p:tgtEl>
-                </p:cond>
-              </p:prevCondLst>
-              <p:nextCondLst>
-                <p:cond evt="onNext" delay="0">
-                  <p:tgtEl>
-                    <p:sldTgt/>
-                  </p:tgtEl>
-                </p:cond>
-              </p:nextCondLst>
-            </p:seq>
-          </p:childTnLst>
-        </p:cTn>
-      </p:par>
-    </p:tnLst>
-    <p:bldLst>
-      <p:bldP spid="9" grpId="0"/>
-      <p:bldP spid="10" grpId="0"/>
-    </p:bldLst>
-  </p:timing>
-</p:sld>
-</file>
-
 <file path=ppt/theme/theme1.xml><?xml version="1.0" encoding="utf-8"?>
 <a:theme xmlns:a="http://schemas.openxmlformats.org/drawingml/2006/main" name="Office Theme">
   <a:themeElements>
@@ -47166,14 +48181,6 @@
 </file>
 
 <file path=customXml/item1.xml><?xml version="1.0" encoding="utf-8"?>
-<p:properties xmlns:p="http://schemas.microsoft.com/office/2006/metadata/properties" xmlns:xsi="http://www.w3.org/2001/XMLSchema-instance" xmlns:pc="http://schemas.microsoft.com/office/infopath/2007/PartnerControls">
-  <documentManagement>
-    <MediaServiceKeyPoints xmlns="71af3243-3dd4-4a8d-8c0d-dd76da1f02a5" xsi:nil="true"/>
-  </documentManagement>
-</p:properties>
-</file>
-
-<file path=customXml/item2.xml><?xml version="1.0" encoding="utf-8"?>
 <ct:contentTypeSchema xmlns:ct="http://schemas.microsoft.com/office/2006/metadata/contentType" xmlns:ma="http://schemas.microsoft.com/office/2006/metadata/properties/metaAttributes" ct:_="" ma:_="" ma:contentTypeName="Document" ma:contentTypeID="0x01010079F111ED35F8CC479449609E8A0923A6" ma:contentTypeVersion="11" ma:contentTypeDescription="Create a new document." ma:contentTypeScope="" ma:versionID="96291512c1ee715ab617f4c07df79fc1">
   <xsd:schema xmlns:xsd="http://www.w3.org/2001/XMLSchema" xmlns:xs="http://www.w3.org/2001/XMLSchema" xmlns:p="http://schemas.microsoft.com/office/2006/metadata/properties" xmlns:ns2="71af3243-3dd4-4a8d-8c0d-dd76da1f02a5" xmlns:ns3="16c05727-aa75-4e4a-9b5f-8a80a1165891" targetNamespace="http://schemas.microsoft.com/office/2006/metadata/properties" ma:root="true" ma:fieldsID="8256c27c40ca5c40ce1cf6c44f0205df" ns2:_="" ns3:_="">
     <xsd:import namespace="71af3243-3dd4-4a8d-8c0d-dd76da1f02a5"/>
@@ -47384,7 +48391,7 @@
 </ct:contentTypeSchema>
 </file>
 
-<file path=customXml/item3.xml><?xml version="1.0" encoding="utf-8"?>
+<file path=customXml/item2.xml><?xml version="1.0" encoding="utf-8"?>
 <?mso-contentType ?>
 <FormTemplates xmlns="http://schemas.microsoft.com/sharepoint/v3/contenttype/forms">
   <Display>DocumentLibraryForm</Display>
@@ -47393,17 +48400,15 @@
 </FormTemplates>
 </file>
 
-<file path=customXml/itemProps1.xml><?xml version="1.0" encoding="utf-8"?>
-<ds:datastoreItem xmlns:ds="http://schemas.openxmlformats.org/officeDocument/2006/customXml" ds:itemID="{F5757914-1161-4661-9696-421FD6935CDD}">
-  <ds:schemaRefs>
-    <ds:schemaRef ds:uri="http://schemas.microsoft.com/office/2006/metadata/properties"/>
-    <ds:schemaRef ds:uri="http://schemas.microsoft.com/office/infopath/2007/PartnerControls"/>
-    <ds:schemaRef ds:uri="71af3243-3dd4-4a8d-8c0d-dd76da1f02a5"/>
-  </ds:schemaRefs>
-</ds:datastoreItem>
+<file path=customXml/item3.xml><?xml version="1.0" encoding="utf-8"?>
+<p:properties xmlns:p="http://schemas.microsoft.com/office/2006/metadata/properties" xmlns:xsi="http://www.w3.org/2001/XMLSchema-instance" xmlns:pc="http://schemas.microsoft.com/office/infopath/2007/PartnerControls">
+  <documentManagement>
+    <MediaServiceKeyPoints xmlns="71af3243-3dd4-4a8d-8c0d-dd76da1f02a5" xsi:nil="true"/>
+  </documentManagement>
+</p:properties>
 </file>
 
-<file path=customXml/itemProps2.xml><?xml version="1.0" encoding="utf-8"?>
+<file path=customXml/itemProps1.xml><?xml version="1.0" encoding="utf-8"?>
 <ds:datastoreItem xmlns:ds="http://schemas.openxmlformats.org/officeDocument/2006/customXml" ds:itemID="{4C103400-4A22-4E35-B588-4C4D42638959}">
   <ds:schemaRefs>
     <ds:schemaRef ds:uri="http://schemas.microsoft.com/office/2006/metadata/contentType"/>
@@ -47422,10 +48427,20 @@
 </ds:datastoreItem>
 </file>
 
-<file path=customXml/itemProps3.xml><?xml version="1.0" encoding="utf-8"?>
+<file path=customXml/itemProps2.xml><?xml version="1.0" encoding="utf-8"?>
 <ds:datastoreItem xmlns:ds="http://schemas.openxmlformats.org/officeDocument/2006/customXml" ds:itemID="{5B26E0C9-B2AA-42E6-97B6-E1B7D9EAF129}">
   <ds:schemaRefs>
     <ds:schemaRef ds:uri="http://schemas.microsoft.com/sharepoint/v3/contenttype/forms"/>
   </ds:schemaRefs>
 </ds:datastoreItem>
+</file>
+
+<file path=customXml/itemProps3.xml><?xml version="1.0" encoding="utf-8"?>
+<ds:datastoreItem xmlns:ds="http://schemas.openxmlformats.org/officeDocument/2006/customXml" ds:itemID="{F5757914-1161-4661-9696-421FD6935CDD}">
+  <ds:schemaRefs>
+    <ds:schemaRef ds:uri="http://schemas.microsoft.com/office/2006/metadata/properties"/>
+    <ds:schemaRef ds:uri="http://schemas.microsoft.com/office/infopath/2007/PartnerControls"/>
+    <ds:schemaRef ds:uri="71af3243-3dd4-4a8d-8c0d-dd76da1f02a5"/>
+  </ds:schemaRefs>
+</ds:datastoreItem>
 </file>